--- a/Analyze_project/Bike_Share/共享單車如何成功.pptx
+++ b/Analyze_project/Bike_Share/共享單車如何成功.pptx
@@ -10925,53 +10925,6 @@
       </p:pic>
       <p:sp>
         <p:nvSpPr>
-          <p:cNvPr id="2" name="標題 1">
-            <a:extLst>
-              <a:ext uri="{FF2B5EF4-FFF2-40B4-BE49-F238E27FC236}">
-                <a16:creationId xmlns:a16="http://schemas.microsoft.com/office/drawing/2014/main" id="{62EA6DC5-E21C-514E-0ABF-346F0216418F}"/>
-              </a:ext>
-            </a:extLst>
-          </p:cNvPr>
-          <p:cNvSpPr>
-            <a:spLocks noGrp="1"/>
-          </p:cNvSpPr>
-          <p:nvPr>
-            <p:ph type="title"/>
-          </p:nvPr>
-        </p:nvSpPr>
-        <p:spPr>
-          <a:xfrm>
-            <a:off x="8982225" y="885752"/>
-            <a:ext cx="1007240" cy="806261"/>
-          </a:xfrm>
-        </p:spPr>
-        <p:txBody>
-          <a:bodyPr vert="horz" lIns="91440" tIns="45720" rIns="91440" bIns="45720" rtlCol="0" anchor="ctr">
-            <a:normAutofit/>
-          </a:bodyPr>
-          <a:lstStyle/>
-          <a:p>
-            <a:pPr algn="ctr"/>
-            <a:r>
-              <a:rPr lang="zh-TW" altLang="en-US" dirty="0">
-                <a:latin typeface="標楷體" panose="03000509000000000000" pitchFamily="65" charset="-120"/>
-                <a:ea typeface="標楷體" panose="03000509000000000000" pitchFamily="65" charset="-120"/>
-                <a:cs typeface="Times New Roman" panose="02020603050405020304" pitchFamily="18" charset="0"/>
-              </a:rPr>
-              <a:t>分析</a:t>
-            </a:r>
-            <a:endParaRPr lang="en-US" altLang="zh-TW" kern="1200" dirty="0">
-              <a:solidFill>
-                <a:schemeClr val="tx1"/>
-              </a:solidFill>
-              <a:latin typeface="Times New Roman" panose="02020603050405020304" pitchFamily="18" charset="0"/>
-              <a:cs typeface="Times New Roman" panose="02020603050405020304" pitchFamily="18" charset="0"/>
-            </a:endParaRPr>
-          </a:p>
-        </p:txBody>
-      </p:sp>
-      <p:sp>
-        <p:nvSpPr>
           <p:cNvPr id="3" name="文字版面配置區 2">
             <a:extLst>
               <a:ext uri="{FF2B5EF4-FFF2-40B4-BE49-F238E27FC236}">
@@ -11000,18 +10953,18 @@
           <a:p>
             <a:pPr marL="628650" indent="-342900"/>
             <a:r>
-              <a:rPr lang="zh-TW" altLang="en-US" sz="2200" dirty="0">
+              <a:rPr lang="zh-TW" altLang="en-US" sz="3200" dirty="0">
                 <a:latin typeface="標楷體" panose="03000509000000000000" pitchFamily="65" charset="-120"/>
                 <a:ea typeface="標楷體" panose="03000509000000000000" pitchFamily="65" charset="-120"/>
                 <a:cs typeface="Times New Roman" panose="02020603050405020304" pitchFamily="18" charset="0"/>
               </a:rPr>
-              <a:t>最受歡迎的經典自行車。</a:t>
+              <a:t>經典自行車最受歡迎。</a:t>
             </a:r>
           </a:p>
           <a:p>
             <a:pPr marL="628650" indent="-342900"/>
             <a:r>
-              <a:rPr lang="zh-TW" altLang="en-US" sz="2200" dirty="0">
+              <a:rPr lang="zh-TW" altLang="en-US" sz="3200" dirty="0">
                 <a:latin typeface="標楷體" panose="03000509000000000000" pitchFamily="65" charset="-120"/>
                 <a:ea typeface="標楷體" panose="03000509000000000000" pitchFamily="65" charset="-120"/>
                 <a:cs typeface="Times New Roman" panose="02020603050405020304" pitchFamily="18" charset="0"/>
@@ -11019,7 +10972,7 @@
               <a:t>只有</a:t>
             </a:r>
             <a:r>
-              <a:rPr lang="zh-TW" altLang="en-US" sz="2400" dirty="0">
+              <a:rPr lang="zh-TW" altLang="en-US" sz="3200" dirty="0">
                 <a:solidFill>
                   <a:srgbClr val="1F1F1F"/>
                 </a:solidFill>
@@ -11031,17 +10984,80 @@
               <a:t>散客</a:t>
             </a:r>
             <a:r>
-              <a:rPr lang="zh-TW" altLang="en-US" sz="2200" dirty="0">
+              <a:rPr lang="zh-TW" altLang="en-US" sz="3200" dirty="0">
                 <a:latin typeface="標楷體" panose="03000509000000000000" pitchFamily="65" charset="-120"/>
                 <a:ea typeface="標楷體" panose="03000509000000000000" pitchFamily="65" charset="-120"/>
                 <a:cs typeface="Times New Roman" panose="02020603050405020304" pitchFamily="18" charset="0"/>
               </a:rPr>
               <a:t>使用無樁電動自行車，會員更喜歡經典自行車，而會員使用電動自行車數幾乎是散客使用數的兩倍。</a:t>
             </a:r>
-            <a:endParaRPr lang="en-US" altLang="zh-TW" sz="2200" b="0" i="0" dirty="0">
+            <a:endParaRPr lang="en-US" altLang="zh-TW" sz="3200" b="0" i="0" dirty="0">
               <a:effectLst/>
               <a:latin typeface="標楷體" panose="03000509000000000000" pitchFamily="65" charset="-120"/>
               <a:ea typeface="標楷體" panose="03000509000000000000" pitchFamily="65" charset="-120"/>
+              <a:cs typeface="Times New Roman" panose="02020603050405020304" pitchFamily="18" charset="0"/>
+            </a:endParaRPr>
+          </a:p>
+        </p:txBody>
+      </p:sp>
+      <p:sp>
+        <p:nvSpPr>
+          <p:cNvPr id="5" name="標題 1">
+            <a:extLst>
+              <a:ext uri="{FF2B5EF4-FFF2-40B4-BE49-F238E27FC236}">
+                <a16:creationId xmlns:a16="http://schemas.microsoft.com/office/drawing/2014/main" id="{C8EB1118-EAEC-A0D8-3086-8711AF34661D}"/>
+              </a:ext>
+            </a:extLst>
+          </p:cNvPr>
+          <p:cNvSpPr txBox="1">
+            <a:spLocks/>
+          </p:cNvSpPr>
+          <p:nvPr/>
+        </p:nvSpPr>
+        <p:spPr>
+          <a:xfrm>
+            <a:off x="8676337" y="1245602"/>
+            <a:ext cx="1754021" cy="768070"/>
+          </a:xfrm>
+          <a:prstGeom prst="rect">
+            <a:avLst/>
+          </a:prstGeom>
+        </p:spPr>
+        <p:txBody>
+          <a:bodyPr vert="horz" lIns="91440" tIns="45720" rIns="91440" bIns="45720" rtlCol="0" anchor="ctr">
+            <a:noAutofit/>
+          </a:bodyPr>
+          <a:lstStyle>
+            <a:lvl1pPr algn="l" defTabSz="914400" rtl="0" eaLnBrk="1" latinLnBrk="0" hangingPunct="1">
+              <a:lnSpc>
+                <a:spcPct val="90000"/>
+              </a:lnSpc>
+              <a:spcBef>
+                <a:spcPct val="0"/>
+              </a:spcBef>
+              <a:buNone/>
+              <a:defRPr sz="3200" b="0" i="0" kern="1200" cap="all">
+                <a:solidFill>
+                  <a:schemeClr val="tx1"/>
+                </a:solidFill>
+                <a:effectLst/>
+                <a:latin typeface="+mj-lt"/>
+                <a:ea typeface="+mj-ea"/>
+                <a:cs typeface="+mj-cs"/>
+              </a:defRPr>
+            </a:lvl1pPr>
+          </a:lstStyle>
+          <a:p>
+            <a:r>
+              <a:rPr lang="zh-TW" altLang="en-US" sz="5400" dirty="0">
+                <a:latin typeface="標楷體" panose="03000509000000000000" pitchFamily="65" charset="-120"/>
+                <a:ea typeface="標楷體" panose="03000509000000000000" pitchFamily="65" charset="-120"/>
+                <a:cs typeface="Times New Roman" panose="02020603050405020304" pitchFamily="18" charset="0"/>
+              </a:rPr>
+              <a:t>分析</a:t>
+            </a:r>
+            <a:endParaRPr lang="en-US" altLang="zh-TW" sz="5400" dirty="0">
+              <a:latin typeface="Times New Roman" panose="02020603050405020304" pitchFamily="18" charset="0"/>
               <a:cs typeface="Times New Roman" panose="02020603050405020304" pitchFamily="18" charset="0"/>
             </a:endParaRPr>
           </a:p>
@@ -11129,53 +11145,6 @@
       </p:pic>
       <p:sp>
         <p:nvSpPr>
-          <p:cNvPr id="2" name="標題 1">
-            <a:extLst>
-              <a:ext uri="{FF2B5EF4-FFF2-40B4-BE49-F238E27FC236}">
-                <a16:creationId xmlns:a16="http://schemas.microsoft.com/office/drawing/2014/main" id="{02647882-B40A-0087-E356-20C0C4636AAA}"/>
-              </a:ext>
-            </a:extLst>
-          </p:cNvPr>
-          <p:cNvSpPr>
-            <a:spLocks noGrp="1"/>
-          </p:cNvSpPr>
-          <p:nvPr>
-            <p:ph type="title"/>
-          </p:nvPr>
-        </p:nvSpPr>
-        <p:spPr>
-          <a:xfrm>
-            <a:off x="8715544" y="1114338"/>
-            <a:ext cx="1300751" cy="697404"/>
-          </a:xfrm>
-        </p:spPr>
-        <p:txBody>
-          <a:bodyPr vert="horz" lIns="91440" tIns="45720" rIns="91440" bIns="45720" rtlCol="0" anchor="ctr">
-            <a:normAutofit/>
-          </a:bodyPr>
-          <a:lstStyle/>
-          <a:p>
-            <a:pPr algn="ctr"/>
-            <a:r>
-              <a:rPr lang="zh-TW" altLang="en-US" dirty="0">
-                <a:latin typeface="標楷體" panose="03000509000000000000" pitchFamily="65" charset="-120"/>
-                <a:ea typeface="標楷體" panose="03000509000000000000" pitchFamily="65" charset="-120"/>
-                <a:cs typeface="Times New Roman" panose="02020603050405020304" pitchFamily="18" charset="0"/>
-              </a:rPr>
-              <a:t>分析</a:t>
-            </a:r>
-            <a:endParaRPr lang="en-US" altLang="zh-TW" kern="1200" dirty="0">
-              <a:solidFill>
-                <a:schemeClr val="tx1"/>
-              </a:solidFill>
-              <a:latin typeface="Times New Roman" panose="02020603050405020304" pitchFamily="18" charset="0"/>
-              <a:cs typeface="Times New Roman" panose="02020603050405020304" pitchFamily="18" charset="0"/>
-            </a:endParaRPr>
-          </a:p>
-        </p:txBody>
-      </p:sp>
-      <p:sp>
-        <p:nvSpPr>
           <p:cNvPr id="14" name="文字版面配置區 2">
             <a:extLst>
               <a:ext uri="{FF2B5EF4-FFF2-40B4-BE49-F238E27FC236}">
@@ -11203,36 +11172,7 @@
           <a:lstStyle/>
           <a:p>
             <a:r>
-              <a:rPr lang="zh-TW" altLang="en-US" sz="2400" dirty="0">
-                <a:solidFill>
-                  <a:srgbClr val="1F1F1F"/>
-                </a:solidFill>
-                <a:latin typeface="標楷體" panose="03000509000000000000" pitchFamily="65" charset="-120"/>
-                <a:ea typeface="標楷體" panose="03000509000000000000" pitchFamily="65" charset="-120"/>
-                <a:cs typeface="Times New Roman" panose="02020603050405020304" pitchFamily="18" charset="0"/>
-              </a:rPr>
-              <a:t>以天數來看，散客</a:t>
-            </a:r>
-            <a:r>
-              <a:rPr lang="zh-TW" altLang="en-US" sz="2400" dirty="0">
-                <a:latin typeface="標楷體" panose="03000509000000000000" pitchFamily="65" charset="-120"/>
-                <a:ea typeface="標楷體" panose="03000509000000000000" pitchFamily="65" charset="-120"/>
-                <a:cs typeface="Times New Roman" panose="02020603050405020304" pitchFamily="18" charset="0"/>
-              </a:rPr>
-              <a:t>數一直都大於會員數。</a:t>
-            </a:r>
-          </a:p>
-          <a:p>
-            <a:r>
-              <a:rPr lang="zh-TW" altLang="en-US" sz="2400" dirty="0">
-                <a:latin typeface="標楷體" panose="03000509000000000000" pitchFamily="65" charset="-120"/>
-                <a:ea typeface="標楷體" panose="03000509000000000000" pitchFamily="65" charset="-120"/>
-                <a:cs typeface="Times New Roman" panose="02020603050405020304" pitchFamily="18" charset="0"/>
-              </a:rPr>
-              <a:t>與平日相比，週末</a:t>
-            </a:r>
-            <a:r>
-              <a:rPr lang="zh-TW" altLang="en-US" sz="2400" dirty="0">
+              <a:rPr lang="zh-TW" altLang="en-US" sz="3200" dirty="0">
                 <a:solidFill>
                   <a:srgbClr val="1F1F1F"/>
                 </a:solidFill>
@@ -11241,16 +11181,94 @@
                 <a:ea typeface="標楷體" panose="03000509000000000000" pitchFamily="65" charset="-120"/>
                 <a:cs typeface="Times New Roman" panose="02020603050405020304" pitchFamily="18" charset="0"/>
               </a:rPr>
-              <a:t>散客</a:t>
-            </a:r>
-            <a:r>
-              <a:rPr lang="zh-TW" altLang="en-US" sz="2400" dirty="0">
+              <a:t>騎乘時間：在週末，</a:t>
+            </a:r>
+            <a:r>
+              <a:rPr lang="zh-TW" altLang="en-US" sz="3200" dirty="0">
+                <a:solidFill>
+                  <a:srgbClr val="1F1F1F"/>
+                </a:solidFill>
                 <a:latin typeface="標楷體" panose="03000509000000000000" pitchFamily="65" charset="-120"/>
                 <a:ea typeface="標楷體" panose="03000509000000000000" pitchFamily="65" charset="-120"/>
                 <a:cs typeface="Times New Roman" panose="02020603050405020304" pitchFamily="18" charset="0"/>
               </a:rPr>
-              <a:t>的乘車時長較長。而會員在所有工作日的乘車時長幾乎相同。</a:t>
-            </a:r>
+              <a:t>臨時使用者</a:t>
+            </a:r>
+            <a:r>
+              <a:rPr lang="zh-TW" altLang="en-US" sz="3200" dirty="0">
+                <a:solidFill>
+                  <a:srgbClr val="1F1F1F"/>
+                </a:solidFill>
+                <a:effectLst/>
+                <a:latin typeface="標楷體" panose="03000509000000000000" pitchFamily="65" charset="-120"/>
+                <a:ea typeface="標楷體" panose="03000509000000000000" pitchFamily="65" charset="-120"/>
+                <a:cs typeface="Times New Roman" panose="02020603050405020304" pitchFamily="18" charset="0"/>
+              </a:rPr>
+              <a:t>的騎乘時長比工作日更長，這表示他們使用自行車進行休閒活動。相反，會員在一周內的騎行長度相對穩定，這可能表明其用於通勤。</a:t>
+            </a:r>
+          </a:p>
+        </p:txBody>
+      </p:sp>
+      <p:sp>
+        <p:nvSpPr>
+          <p:cNvPr id="6" name="標題 1">
+            <a:extLst>
+              <a:ext uri="{FF2B5EF4-FFF2-40B4-BE49-F238E27FC236}">
+                <a16:creationId xmlns:a16="http://schemas.microsoft.com/office/drawing/2014/main" id="{9E3DD225-3625-6142-BB29-034C9BA3CD34}"/>
+              </a:ext>
+            </a:extLst>
+          </p:cNvPr>
+          <p:cNvSpPr txBox="1">
+            <a:spLocks/>
+          </p:cNvSpPr>
+          <p:nvPr/>
+        </p:nvSpPr>
+        <p:spPr>
+          <a:xfrm>
+            <a:off x="8676337" y="1245602"/>
+            <a:ext cx="1754021" cy="768070"/>
+          </a:xfrm>
+          <a:prstGeom prst="rect">
+            <a:avLst/>
+          </a:prstGeom>
+        </p:spPr>
+        <p:txBody>
+          <a:bodyPr vert="horz" lIns="91440" tIns="45720" rIns="91440" bIns="45720" rtlCol="0" anchor="ctr">
+            <a:noAutofit/>
+          </a:bodyPr>
+          <a:lstStyle>
+            <a:lvl1pPr algn="l" defTabSz="914400" rtl="0" eaLnBrk="1" latinLnBrk="0" hangingPunct="1">
+              <a:lnSpc>
+                <a:spcPct val="90000"/>
+              </a:lnSpc>
+              <a:spcBef>
+                <a:spcPct val="0"/>
+              </a:spcBef>
+              <a:buNone/>
+              <a:defRPr sz="3200" b="0" i="0" kern="1200" cap="all">
+                <a:solidFill>
+                  <a:schemeClr val="tx1"/>
+                </a:solidFill>
+                <a:effectLst/>
+                <a:latin typeface="+mj-lt"/>
+                <a:ea typeface="+mj-ea"/>
+                <a:cs typeface="+mj-cs"/>
+              </a:defRPr>
+            </a:lvl1pPr>
+          </a:lstStyle>
+          <a:p>
+            <a:r>
+              <a:rPr lang="zh-TW" altLang="en-US" sz="5400" dirty="0">
+                <a:latin typeface="標楷體" panose="03000509000000000000" pitchFamily="65" charset="-120"/>
+                <a:ea typeface="標楷體" panose="03000509000000000000" pitchFamily="65" charset="-120"/>
+                <a:cs typeface="Times New Roman" panose="02020603050405020304" pitchFamily="18" charset="0"/>
+              </a:rPr>
+              <a:t>分析</a:t>
+            </a:r>
+            <a:endParaRPr lang="en-US" altLang="zh-TW" sz="5400" dirty="0">
+              <a:latin typeface="Times New Roman" panose="02020603050405020304" pitchFamily="18" charset="0"/>
+              <a:cs typeface="Times New Roman" panose="02020603050405020304" pitchFamily="18" charset="0"/>
+            </a:endParaRPr>
           </a:p>
         </p:txBody>
       </p:sp>
@@ -11326,61 +11344,14 @@
         </p:blipFill>
         <p:spPr>
           <a:xfrm>
-            <a:off x="0" y="449580"/>
-            <a:ext cx="8597900" cy="5158740"/>
+            <a:off x="0" y="1777010"/>
+            <a:ext cx="7702658" cy="4621595"/>
           </a:xfrm>
           <a:prstGeom prst="rect">
             <a:avLst/>
           </a:prstGeom>
         </p:spPr>
       </p:pic>
-      <p:sp>
-        <p:nvSpPr>
-          <p:cNvPr id="2" name="標題 1">
-            <a:extLst>
-              <a:ext uri="{FF2B5EF4-FFF2-40B4-BE49-F238E27FC236}">
-                <a16:creationId xmlns:a16="http://schemas.microsoft.com/office/drawing/2014/main" id="{02647882-B40A-0087-E356-20C0C4636AAA}"/>
-              </a:ext>
-            </a:extLst>
-          </p:cNvPr>
-          <p:cNvSpPr>
-            <a:spLocks noGrp="1"/>
-          </p:cNvSpPr>
-          <p:nvPr>
-            <p:ph type="title"/>
-          </p:nvPr>
-        </p:nvSpPr>
-        <p:spPr>
-          <a:xfrm>
-            <a:off x="9082768" y="670560"/>
-            <a:ext cx="1018811" cy="743124"/>
-          </a:xfrm>
-        </p:spPr>
-        <p:txBody>
-          <a:bodyPr vert="horz" lIns="91440" tIns="45720" rIns="91440" bIns="45720" rtlCol="0" anchor="ctr">
-            <a:normAutofit/>
-          </a:bodyPr>
-          <a:lstStyle/>
-          <a:p>
-            <a:pPr algn="ctr"/>
-            <a:r>
-              <a:rPr lang="zh-TW" altLang="en-US" dirty="0">
-                <a:latin typeface="標楷體" panose="03000509000000000000" pitchFamily="65" charset="-120"/>
-                <a:ea typeface="標楷體" panose="03000509000000000000" pitchFamily="65" charset="-120"/>
-                <a:cs typeface="Times New Roman" panose="02020603050405020304" pitchFamily="18" charset="0"/>
-              </a:rPr>
-              <a:t>分析</a:t>
-            </a:r>
-            <a:endParaRPr lang="en-US" altLang="zh-TW" kern="1200" dirty="0">
-              <a:solidFill>
-                <a:schemeClr val="tx1"/>
-              </a:solidFill>
-              <a:latin typeface="Times New Roman" panose="02020603050405020304" pitchFamily="18" charset="0"/>
-              <a:cs typeface="Times New Roman" panose="02020603050405020304" pitchFamily="18" charset="0"/>
-            </a:endParaRPr>
-          </a:p>
-        </p:txBody>
-      </p:sp>
       <p:sp>
         <p:nvSpPr>
           <p:cNvPr id="14" name="文字版面配置區 2">
@@ -11399,18 +11370,29 @@
         </p:nvSpPr>
         <p:spPr>
           <a:xfrm>
-            <a:off x="6888480" y="1348740"/>
-            <a:ext cx="5303520" cy="4838700"/>
+            <a:off x="6096000" y="0"/>
+            <a:ext cx="6096000" cy="6187440"/>
           </a:xfrm>
         </p:spPr>
         <p:txBody>
           <a:bodyPr vert="horz" lIns="91440" tIns="45720" rIns="91440" bIns="45720" rtlCol="0" anchor="ctr">
-            <a:normAutofit/>
+            <a:noAutofit/>
           </a:bodyPr>
           <a:lstStyle/>
           <a:p>
             <a:r>
-              <a:rPr lang="zh-TW" altLang="en-US" sz="2400" dirty="0">
+              <a:rPr lang="zh-TW" altLang="en-US" sz="3200" dirty="0">
+                <a:solidFill>
+                  <a:srgbClr val="1F1F1F"/>
+                </a:solidFill>
+                <a:latin typeface="標楷體" panose="03000509000000000000" pitchFamily="65" charset="-120"/>
+                <a:ea typeface="標楷體" panose="03000509000000000000" pitchFamily="65" charset="-120"/>
+                <a:cs typeface="Times New Roman" panose="02020603050405020304" pitchFamily="18" charset="0"/>
+              </a:rPr>
+              <a:t>臨時使用者</a:t>
+            </a:r>
+            <a:r>
+              <a:rPr lang="zh-TW" altLang="en-US" sz="3200" dirty="0">
                 <a:solidFill>
                   <a:srgbClr val="1F1F1F"/>
                 </a:solidFill>
@@ -11419,57 +11401,35 @@
                 <a:ea typeface="標楷體" panose="03000509000000000000" pitchFamily="65" charset="-120"/>
                 <a:cs typeface="Times New Roman" panose="02020603050405020304" pitchFamily="18" charset="0"/>
               </a:rPr>
-              <a:t>散客</a:t>
-            </a:r>
-            <a:r>
-              <a:rPr lang="zh-TW" altLang="en-US" sz="2400" dirty="0">
+              <a:t>和會員的不同季節客流量趨勢。夏季（七月至九月）的乘車次數明顯增加。</a:t>
+            </a:r>
+          </a:p>
+          <a:p>
+            <a:endParaRPr lang="zh-TW" altLang="en-US" sz="3200" dirty="0">
+              <a:solidFill>
+                <a:srgbClr val="1F1F1F"/>
+              </a:solidFill>
+              <a:effectLst/>
+              <a:latin typeface="標楷體" panose="03000509000000000000" pitchFamily="65" charset="-120"/>
+              <a:ea typeface="標楷體" panose="03000509000000000000" pitchFamily="65" charset="-120"/>
+              <a:cs typeface="Times New Roman" panose="02020603050405020304" pitchFamily="18" charset="0"/>
+            </a:endParaRPr>
+          </a:p>
+          <a:p>
+            <a:r>
+              <a:rPr lang="zh-TW" altLang="en-US" sz="3200" dirty="0">
+                <a:solidFill>
+                  <a:srgbClr val="1F1F1F"/>
+                </a:solidFill>
+                <a:effectLst/>
                 <a:latin typeface="標楷體" panose="03000509000000000000" pitchFamily="65" charset="-120"/>
                 <a:ea typeface="標楷體" panose="03000509000000000000" pitchFamily="65" charset="-120"/>
                 <a:cs typeface="Times New Roman" panose="02020603050405020304" pitchFamily="18" charset="0"/>
               </a:rPr>
-              <a:t>和會員乘車次數呈趨勢趨勢。可以看出，夏季（</a:t>
-            </a:r>
-            <a:r>
-              <a:rPr lang="en-US" altLang="zh-TW" sz="2400" dirty="0">
-                <a:latin typeface="標楷體" panose="03000509000000000000" pitchFamily="65" charset="-120"/>
-                <a:ea typeface="標楷體" panose="03000509000000000000" pitchFamily="65" charset="-120"/>
-                <a:cs typeface="Times New Roman" panose="02020603050405020304" pitchFamily="18" charset="0"/>
-              </a:rPr>
-              <a:t>7</a:t>
-            </a:r>
-            <a:r>
-              <a:rPr lang="zh-TW" altLang="en-US" sz="2400" dirty="0">
-                <a:latin typeface="標楷體" panose="03000509000000000000" pitchFamily="65" charset="-120"/>
-                <a:ea typeface="標楷體" panose="03000509000000000000" pitchFamily="65" charset="-120"/>
-                <a:cs typeface="Times New Roman" panose="02020603050405020304" pitchFamily="18" charset="0"/>
-              </a:rPr>
-              <a:t>月至</a:t>
-            </a:r>
-            <a:r>
-              <a:rPr lang="en-US" altLang="zh-TW" sz="2400" dirty="0">
-                <a:latin typeface="標楷體" panose="03000509000000000000" pitchFamily="65" charset="-120"/>
-                <a:ea typeface="標楷體" panose="03000509000000000000" pitchFamily="65" charset="-120"/>
-                <a:cs typeface="Times New Roman" panose="02020603050405020304" pitchFamily="18" charset="0"/>
-              </a:rPr>
-              <a:t>9</a:t>
-            </a:r>
-            <a:r>
-              <a:rPr lang="zh-TW" altLang="en-US" sz="2400" dirty="0">
-                <a:latin typeface="標楷體" panose="03000509000000000000" pitchFamily="65" charset="-120"/>
-                <a:ea typeface="標楷體" panose="03000509000000000000" pitchFamily="65" charset="-120"/>
-                <a:cs typeface="Times New Roman" panose="02020603050405020304" pitchFamily="18" charset="0"/>
-              </a:rPr>
-              <a:t>月）的乘車次數有所增加</a:t>
-            </a:r>
-            <a:endParaRPr lang="en-US" altLang="zh-TW" sz="2400" dirty="0">
-              <a:latin typeface="標楷體" panose="03000509000000000000" pitchFamily="65" charset="-120"/>
-              <a:ea typeface="標楷體" panose="03000509000000000000" pitchFamily="65" charset="-120"/>
-              <a:cs typeface="Times New Roman" panose="02020603050405020304" pitchFamily="18" charset="0"/>
-            </a:endParaRPr>
-          </a:p>
-          <a:p>
-            <a:r>
-              <a:rPr lang="zh-TW" altLang="en-US" sz="2400" dirty="0">
+              <a:t>會員乘車量：會員的乘車次數持續超過</a:t>
+            </a:r>
+            <a:r>
+              <a:rPr lang="zh-TW" altLang="en-US" sz="3200" dirty="0">
                 <a:solidFill>
                   <a:srgbClr val="1F1F1F"/>
                 </a:solidFill>
@@ -11477,18 +11437,60 @@
                 <a:ea typeface="標楷體" panose="03000509000000000000" pitchFamily="65" charset="-120"/>
                 <a:cs typeface="Times New Roman" panose="02020603050405020304" pitchFamily="18" charset="0"/>
               </a:rPr>
-              <a:t>以月份來看，</a:t>
-            </a:r>
-            <a:r>
-              <a:rPr lang="zh-TW" altLang="en-US" sz="2400" dirty="0">
+              <a:t>臨時使用者</a:t>
+            </a:r>
+            <a:r>
+              <a:rPr lang="zh-TW" altLang="en-US" sz="3200" dirty="0">
+                <a:solidFill>
+                  <a:srgbClr val="1F1F1F"/>
+                </a:solidFill>
+                <a:effectLst/>
                 <a:latin typeface="標楷體" panose="03000509000000000000" pitchFamily="65" charset="-120"/>
                 <a:ea typeface="標楷體" panose="03000509000000000000" pitchFamily="65" charset="-120"/>
                 <a:cs typeface="Times New Roman" panose="02020603050405020304" pitchFamily="18" charset="0"/>
               </a:rPr>
-              <a:t>會員數一直都大於</a:t>
-            </a:r>
-            <a:r>
-              <a:rPr lang="zh-TW" altLang="en-US" sz="2400" dirty="0">
+              <a:t>。</a:t>
+            </a:r>
+          </a:p>
+          <a:p>
+            <a:r>
+              <a:rPr lang="zh-TW" altLang="en-US" sz="3200" dirty="0">
+                <a:solidFill>
+                  <a:srgbClr val="1F1F1F"/>
+                </a:solidFill>
+                <a:effectLst/>
+                <a:latin typeface="標楷體" panose="03000509000000000000" pitchFamily="65" charset="-120"/>
+                <a:ea typeface="標楷體" panose="03000509000000000000" pitchFamily="65" charset="-120"/>
+                <a:cs typeface="Times New Roman" panose="02020603050405020304" pitchFamily="18" charset="0"/>
+              </a:rPr>
+              <a:t>年度比較：</a:t>
+            </a:r>
+            <a:r>
+              <a:rPr lang="en-US" altLang="zh-TW" sz="3200" dirty="0">
+                <a:solidFill>
+                  <a:srgbClr val="1F1F1F"/>
+                </a:solidFill>
+                <a:effectLst/>
+                <a:latin typeface="標楷體" panose="03000509000000000000" pitchFamily="65" charset="-120"/>
+                <a:ea typeface="標楷體" panose="03000509000000000000" pitchFamily="65" charset="-120"/>
+                <a:cs typeface="Times New Roman" panose="02020603050405020304" pitchFamily="18" charset="0"/>
+              </a:rPr>
+              <a:t>2023</a:t>
+            </a:r>
+            <a:r>
+              <a:rPr lang="zh-TW" altLang="en-US" sz="3200" dirty="0">
+                <a:solidFill>
+                  <a:srgbClr val="1F1F1F"/>
+                </a:solidFill>
+                <a:effectLst/>
+                <a:latin typeface="標楷體" panose="03000509000000000000" pitchFamily="65" charset="-120"/>
+                <a:ea typeface="標楷體" panose="03000509000000000000" pitchFamily="65" charset="-120"/>
+                <a:cs typeface="Times New Roman" panose="02020603050405020304" pitchFamily="18" charset="0"/>
+              </a:rPr>
+              <a:t>年，</a:t>
+            </a:r>
+            <a:r>
+              <a:rPr lang="zh-TW" altLang="en-US" sz="3200" dirty="0">
                 <a:solidFill>
                   <a:srgbClr val="1F1F1F"/>
                 </a:solidFill>
@@ -11496,65 +11498,87 @@
                 <a:ea typeface="標楷體" panose="03000509000000000000" pitchFamily="65" charset="-120"/>
                 <a:cs typeface="Times New Roman" panose="02020603050405020304" pitchFamily="18" charset="0"/>
               </a:rPr>
-              <a:t>散客</a:t>
-            </a:r>
-            <a:r>
-              <a:rPr lang="zh-TW" altLang="en-US" sz="2400" dirty="0">
+              <a:t>臨時使用者</a:t>
+            </a:r>
+            <a:r>
+              <a:rPr lang="zh-TW" altLang="en-US" sz="3200" dirty="0">
+                <a:solidFill>
+                  <a:srgbClr val="1F1F1F"/>
+                </a:solidFill>
+                <a:effectLst/>
                 <a:latin typeface="標楷體" panose="03000509000000000000" pitchFamily="65" charset="-120"/>
                 <a:ea typeface="標楷體" panose="03000509000000000000" pitchFamily="65" charset="-120"/>
                 <a:cs typeface="Times New Roman" panose="02020603050405020304" pitchFamily="18" charset="0"/>
               </a:rPr>
-              <a:t>數。</a:t>
-            </a:r>
-          </a:p>
-          <a:p>
-            <a:r>
-              <a:rPr lang="zh-TW" altLang="en-US" sz="2400" dirty="0">
+              <a:t>的平均騎乘長度不到會員的一半。</a:t>
+            </a:r>
+            <a:endParaRPr lang="en-US" altLang="zh-TW" sz="3200" b="0" i="0" dirty="0">
+              <a:effectLst/>
+              <a:latin typeface="標楷體" panose="03000509000000000000" pitchFamily="65" charset="-120"/>
+              <a:ea typeface="標楷體" panose="03000509000000000000" pitchFamily="65" charset="-120"/>
+              <a:cs typeface="Times New Roman" panose="02020603050405020304" pitchFamily="18" charset="0"/>
+            </a:endParaRPr>
+          </a:p>
+        </p:txBody>
+      </p:sp>
+      <p:sp>
+        <p:nvSpPr>
+          <p:cNvPr id="2" name="標題 1">
+            <a:extLst>
+              <a:ext uri="{FF2B5EF4-FFF2-40B4-BE49-F238E27FC236}">
+                <a16:creationId xmlns:a16="http://schemas.microsoft.com/office/drawing/2014/main" id="{95199C76-729A-B86F-6F53-834ECA800D67}"/>
+              </a:ext>
+            </a:extLst>
+          </p:cNvPr>
+          <p:cNvSpPr txBox="1">
+            <a:spLocks/>
+          </p:cNvSpPr>
+          <p:nvPr/>
+        </p:nvSpPr>
+        <p:spPr>
+          <a:xfrm>
+            <a:off x="4042344" y="459395"/>
+            <a:ext cx="1754021" cy="768070"/>
+          </a:xfrm>
+          <a:prstGeom prst="rect">
+            <a:avLst/>
+          </a:prstGeom>
+        </p:spPr>
+        <p:txBody>
+          <a:bodyPr vert="horz" lIns="91440" tIns="45720" rIns="91440" bIns="45720" rtlCol="0" anchor="ctr">
+            <a:noAutofit/>
+          </a:bodyPr>
+          <a:lstStyle>
+            <a:lvl1pPr algn="l" defTabSz="914400" rtl="0" eaLnBrk="1" latinLnBrk="0" hangingPunct="1">
+              <a:lnSpc>
+                <a:spcPct val="90000"/>
+              </a:lnSpc>
+              <a:spcBef>
+                <a:spcPct val="0"/>
+              </a:spcBef>
+              <a:buNone/>
+              <a:defRPr sz="3200" b="0" i="0" kern="1200" cap="all">
+                <a:solidFill>
+                  <a:schemeClr val="tx1"/>
+                </a:solidFill>
+                <a:effectLst/>
+                <a:latin typeface="+mj-lt"/>
+                <a:ea typeface="+mj-ea"/>
+                <a:cs typeface="+mj-cs"/>
+              </a:defRPr>
+            </a:lvl1pPr>
+          </a:lstStyle>
+          <a:p>
+            <a:r>
+              <a:rPr lang="zh-TW" altLang="en-US" sz="5400" dirty="0">
                 <a:latin typeface="標楷體" panose="03000509000000000000" pitchFamily="65" charset="-120"/>
                 <a:ea typeface="標楷體" panose="03000509000000000000" pitchFamily="65" charset="-120"/>
                 <a:cs typeface="Times New Roman" panose="02020603050405020304" pitchFamily="18" charset="0"/>
               </a:rPr>
-              <a:t>同年（</a:t>
-            </a:r>
-            <a:r>
-              <a:rPr lang="en-US" altLang="zh-TW" sz="2400" dirty="0">
-                <a:latin typeface="標楷體" panose="03000509000000000000" pitchFamily="65" charset="-120"/>
-                <a:ea typeface="標楷體" panose="03000509000000000000" pitchFamily="65" charset="-120"/>
-                <a:cs typeface="Times New Roman" panose="02020603050405020304" pitchFamily="18" charset="0"/>
-              </a:rPr>
-              <a:t>2023</a:t>
-            </a:r>
-            <a:r>
-              <a:rPr lang="zh-TW" altLang="en-US" sz="2400" dirty="0">
-                <a:latin typeface="標楷體" panose="03000509000000000000" pitchFamily="65" charset="-120"/>
-                <a:ea typeface="標楷體" panose="03000509000000000000" pitchFamily="65" charset="-120"/>
-                <a:cs typeface="Times New Roman" panose="02020603050405020304" pitchFamily="18" charset="0"/>
-              </a:rPr>
-              <a:t>年），</a:t>
-            </a:r>
-            <a:r>
-              <a:rPr lang="zh-TW" altLang="en-US" sz="2400" dirty="0">
-                <a:solidFill>
-                  <a:srgbClr val="1F1F1F"/>
-                </a:solidFill>
-                <a:latin typeface="標楷體" panose="03000509000000000000" pitchFamily="65" charset="-120"/>
-                <a:ea typeface="標楷體" panose="03000509000000000000" pitchFamily="65" charset="-120"/>
-                <a:cs typeface="Times New Roman" panose="02020603050405020304" pitchFamily="18" charset="0"/>
-              </a:rPr>
-              <a:t>會員</a:t>
-            </a:r>
-            <a:r>
-              <a:rPr lang="zh-TW" altLang="en-US" sz="2400" dirty="0">
-                <a:latin typeface="標楷體" panose="03000509000000000000" pitchFamily="65" charset="-120"/>
-                <a:ea typeface="標楷體" panose="03000509000000000000" pitchFamily="65" charset="-120"/>
-                <a:cs typeface="Times New Roman" panose="02020603050405020304" pitchFamily="18" charset="0"/>
-              </a:rPr>
-              <a:t>平均乘車時間是散客的兩倍以上。</a:t>
-            </a:r>
-            <a:endParaRPr lang="en-US" altLang="zh-TW" sz="2200" b="0" i="0" dirty="0">
-              <a:effectLst/>
-              <a:latin typeface="標楷體" panose="03000509000000000000" pitchFamily="65" charset="-120"/>
-              <a:ea typeface="標楷體" panose="03000509000000000000" pitchFamily="65" charset="-120"/>
+              <a:t>分析</a:t>
+            </a:r>
+            <a:endParaRPr lang="en-US" altLang="zh-TW" sz="5400" dirty="0">
+              <a:latin typeface="Times New Roman" panose="02020603050405020304" pitchFamily="18" charset="0"/>
               <a:cs typeface="Times New Roman" panose="02020603050405020304" pitchFamily="18" charset="0"/>
             </a:endParaRPr>
           </a:p>
@@ -11616,7 +11640,7 @@
         </p:nvSpPr>
         <p:spPr>
           <a:xfrm>
-            <a:off x="1075454" y="2621280"/>
+            <a:off x="5307847" y="0"/>
             <a:ext cx="1576306" cy="1004635"/>
           </a:xfrm>
         </p:spPr>
@@ -11659,211 +11683,62 @@
         </p:nvSpPr>
         <p:spPr>
           <a:xfrm>
-            <a:off x="2735580" y="1"/>
-            <a:ext cx="9334500" cy="6179819"/>
+            <a:off x="0" y="1"/>
+            <a:ext cx="12070080" cy="6179819"/>
           </a:xfrm>
         </p:spPr>
         <p:txBody>
           <a:bodyPr vert="horz" lIns="91440" tIns="45720" rIns="91440" bIns="45720" rtlCol="0" anchor="ctr">
-            <a:normAutofit fontScale="55000" lnSpcReduction="20000"/>
+            <a:normAutofit fontScale="85000" lnSpcReduction="10000"/>
           </a:bodyPr>
           <a:lstStyle/>
           <a:p>
-            <a:pPr algn="ctr"/>
+            <a:r>
+              <a:rPr lang="zh-TW" altLang="en-US" sz="3200" b="1" dirty="0">
+                <a:latin typeface="標楷體" panose="03000509000000000000" pitchFamily="65" charset="-120"/>
+                <a:ea typeface="標楷體" panose="03000509000000000000" pitchFamily="65" charset="-120"/>
+                <a:cs typeface="Times New Roman" panose="02020603050405020304" pitchFamily="18" charset="0"/>
+              </a:rPr>
+              <a:t>使用差異：</a:t>
+            </a:r>
+          </a:p>
+          <a:p>
+            <a:r>
+              <a:rPr lang="en-US" altLang="zh-TW" sz="3200" b="1" dirty="0">
+                <a:latin typeface="標楷體" panose="03000509000000000000" pitchFamily="65" charset="-120"/>
+                <a:ea typeface="標楷體" panose="03000509000000000000" pitchFamily="65" charset="-120"/>
+                <a:cs typeface="Times New Roman" panose="02020603050405020304" pitchFamily="18" charset="0"/>
+              </a:rPr>
+              <a:t>1. </a:t>
+            </a:r>
+            <a:r>
+              <a:rPr lang="zh-TW" altLang="en-US" sz="3200" b="1" dirty="0">
+                <a:latin typeface="標楷體" panose="03000509000000000000" pitchFamily="65" charset="-120"/>
+                <a:ea typeface="標楷體" panose="03000509000000000000" pitchFamily="65" charset="-120"/>
+                <a:cs typeface="Times New Roman" panose="02020603050405020304" pitchFamily="18" charset="0"/>
+              </a:rPr>
+              <a:t>出行頻率和持續時間：</a:t>
+            </a:r>
+          </a:p>
+          <a:p>
+            <a:pPr marL="0" indent="0">
+              <a:buNone/>
+            </a:pPr>
             <a:r>
               <a:rPr lang="zh-TW" altLang="en-US" sz="3200" dirty="0">
                 <a:latin typeface="標楷體" panose="03000509000000000000" pitchFamily="65" charset="-120"/>
                 <a:ea typeface="標楷體" panose="03000509000000000000" pitchFamily="65" charset="-120"/>
                 <a:cs typeface="Times New Roman" panose="02020603050405020304" pitchFamily="18" charset="0"/>
               </a:rPr>
-              <a:t>年度會員和散客使用公司自行車的方式有何不同？</a:t>
-            </a:r>
-            <a:endParaRPr lang="en-US" altLang="zh-TW" sz="3200" dirty="0">
-              <a:latin typeface="標楷體" panose="03000509000000000000" pitchFamily="65" charset="-120"/>
-              <a:ea typeface="標楷體" panose="03000509000000000000" pitchFamily="65" charset="-120"/>
-              <a:cs typeface="Times New Roman" panose="02020603050405020304" pitchFamily="18" charset="0"/>
-            </a:endParaRPr>
-          </a:p>
-          <a:p>
-            <a:pPr marL="0" indent="0" algn="ctr">
-              <a:buNone/>
-            </a:pPr>
-            <a:endParaRPr lang="en-US" altLang="zh-TW" sz="2400" dirty="0">
-              <a:latin typeface="標楷體" panose="03000509000000000000" pitchFamily="65" charset="-120"/>
-              <a:ea typeface="標楷體" panose="03000509000000000000" pitchFamily="65" charset="-120"/>
-              <a:cs typeface="Times New Roman" panose="02020603050405020304" pitchFamily="18" charset="0"/>
-            </a:endParaRPr>
-          </a:p>
-          <a:p>
-            <a:pPr rtl="0"/>
-            <a:r>
-              <a:rPr lang="zh-TW" altLang="en-US" sz="3200" dirty="0">
-                <a:solidFill>
-                  <a:srgbClr val="1F1F1F"/>
-                </a:solidFill>
-                <a:effectLst/>
+              <a:t>   </a:t>
+            </a:r>
+            <a:r>
+              <a:rPr lang="en-US" altLang="zh-TW" sz="3200" dirty="0">
                 <a:latin typeface="標楷體" panose="03000509000000000000" pitchFamily="65" charset="-120"/>
                 <a:ea typeface="標楷體" panose="03000509000000000000" pitchFamily="65" charset="-120"/>
                 <a:cs typeface="Times New Roman" panose="02020603050405020304" pitchFamily="18" charset="0"/>
               </a:rPr>
-              <a:t>旅行頻率和時間：</a:t>
-            </a:r>
-          </a:p>
-          <a:p>
-            <a:pPr marL="514350" indent="-514350" rtl="0">
-              <a:buFont typeface="+mj-lt"/>
-              <a:buAutoNum type="arabicPeriod"/>
-            </a:pPr>
-            <a:r>
-              <a:rPr lang="zh-TW" altLang="en-US" sz="3200" dirty="0">
-                <a:solidFill>
-                  <a:srgbClr val="1F1F1F"/>
-                </a:solidFill>
-                <a:effectLst/>
-                <a:latin typeface="標楷體" panose="03000509000000000000" pitchFamily="65" charset="-120"/>
-                <a:ea typeface="標楷體" panose="03000509000000000000" pitchFamily="65" charset="-120"/>
-                <a:cs typeface="Times New Roman" panose="02020603050405020304" pitchFamily="18" charset="0"/>
-              </a:rPr>
-              <a:t>散客：整體騎乘次數較少，但單次騎乘時間往往較長，尤其是在週末，這表示他們使用自行車進行休閒或個人活動。</a:t>
-            </a:r>
-          </a:p>
-          <a:p>
-            <a:pPr marL="514350" indent="-514350" rtl="0">
-              <a:buFont typeface="+mj-lt"/>
-              <a:buAutoNum type="arabicPeriod"/>
-            </a:pPr>
-            <a:r>
-              <a:rPr lang="zh-TW" altLang="en-US" sz="3200" dirty="0">
-                <a:solidFill>
-                  <a:srgbClr val="1F1F1F"/>
-                </a:solidFill>
-                <a:effectLst/>
-                <a:latin typeface="標楷體" panose="03000509000000000000" pitchFamily="65" charset="-120"/>
-                <a:ea typeface="標楷體" panose="03000509000000000000" pitchFamily="65" charset="-120"/>
-                <a:cs typeface="Times New Roman" panose="02020603050405020304" pitchFamily="18" charset="0"/>
-              </a:rPr>
-              <a:t>年度會員：騎乘次數較多，這可能表示他們將自行車用於通勤或差事。他們的平均騎行時間較短，但週末騎行時間也較長。</a:t>
-            </a:r>
-            <a:endParaRPr lang="en-US" altLang="zh-TW" sz="3200" dirty="0">
-              <a:solidFill>
-                <a:srgbClr val="1F1F1F"/>
-              </a:solidFill>
-              <a:effectLst/>
-              <a:latin typeface="標楷體" panose="03000509000000000000" pitchFamily="65" charset="-120"/>
-              <a:ea typeface="標楷體" panose="03000509000000000000" pitchFamily="65" charset="-120"/>
-              <a:cs typeface="Times New Roman" panose="02020603050405020304" pitchFamily="18" charset="0"/>
-            </a:endParaRPr>
-          </a:p>
-          <a:p>
-            <a:pPr marL="514350" indent="-514350" rtl="0">
-              <a:buFont typeface="+mj-lt"/>
-              <a:buAutoNum type="arabicPeriod"/>
-            </a:pPr>
-            <a:endParaRPr lang="zh-TW" altLang="en-US" sz="3200" dirty="0">
-              <a:solidFill>
-                <a:srgbClr val="1F1F1F"/>
-              </a:solidFill>
-              <a:effectLst/>
-              <a:latin typeface="標楷體" panose="03000509000000000000" pitchFamily="65" charset="-120"/>
-              <a:ea typeface="標楷體" panose="03000509000000000000" pitchFamily="65" charset="-120"/>
-              <a:cs typeface="Times New Roman" panose="02020603050405020304" pitchFamily="18" charset="0"/>
-            </a:endParaRPr>
-          </a:p>
-          <a:p>
-            <a:pPr rtl="0"/>
-            <a:r>
-              <a:rPr lang="zh-TW" altLang="en-US" sz="3200" dirty="0">
-                <a:solidFill>
-                  <a:srgbClr val="1F1F1F"/>
-                </a:solidFill>
-                <a:effectLst/>
-                <a:latin typeface="標楷體" panose="03000509000000000000" pitchFamily="65" charset="-120"/>
-                <a:ea typeface="標楷體" panose="03000509000000000000" pitchFamily="65" charset="-120"/>
-                <a:cs typeface="Times New Roman" panose="02020603050405020304" pitchFamily="18" charset="0"/>
-              </a:rPr>
-              <a:t>自行車類型偏好：</a:t>
-            </a:r>
-          </a:p>
-          <a:p>
-            <a:pPr marL="514350" indent="-514350" rtl="0">
-              <a:buFont typeface="+mj-lt"/>
-              <a:buAutoNum type="arabicPeriod"/>
-            </a:pPr>
-            <a:r>
-              <a:rPr lang="zh-TW" altLang="en-US" sz="3200" dirty="0">
-                <a:solidFill>
-                  <a:srgbClr val="1F1F1F"/>
-                </a:solidFill>
-                <a:effectLst/>
-                <a:latin typeface="標楷體" panose="03000509000000000000" pitchFamily="65" charset="-120"/>
-                <a:ea typeface="標楷體" panose="03000509000000000000" pitchFamily="65" charset="-120"/>
-                <a:cs typeface="Times New Roman" panose="02020603050405020304" pitchFamily="18" charset="0"/>
-              </a:rPr>
-              <a:t>散客：主要使用老式自行車，可能是因為價格低廉和熟悉。他們是唯一使用有樁自行車的群體，這表明他們的點到點騎行距離較短。</a:t>
-            </a:r>
-          </a:p>
-          <a:p>
-            <a:pPr marL="514350" indent="-514350" rtl="0">
-              <a:buFont typeface="+mj-lt"/>
-              <a:buAutoNum type="arabicPeriod"/>
-            </a:pPr>
-            <a:r>
-              <a:rPr lang="zh-TW" altLang="en-US" sz="3200" dirty="0">
-                <a:latin typeface="標楷體" panose="03000509000000000000" pitchFamily="65" charset="-120"/>
-                <a:ea typeface="標楷體" panose="03000509000000000000" pitchFamily="65" charset="-120"/>
-                <a:cs typeface="Times New Roman" panose="02020603050405020304" pitchFamily="18" charset="0"/>
-              </a:rPr>
-              <a:t>年度會員</a:t>
-            </a:r>
-            <a:r>
-              <a:rPr lang="zh-TW" altLang="en-US" sz="3200" dirty="0">
-                <a:solidFill>
-                  <a:srgbClr val="1F1F1F"/>
-                </a:solidFill>
-                <a:effectLst/>
-                <a:latin typeface="標楷體" panose="03000509000000000000" pitchFamily="65" charset="-120"/>
-                <a:ea typeface="標楷體" panose="03000509000000000000" pitchFamily="65" charset="-120"/>
-                <a:cs typeface="Times New Roman" panose="02020603050405020304" pitchFamily="18" charset="0"/>
-              </a:rPr>
-              <a:t>：喜歡經典自行車，但也幾乎同樣使用電動自行車。這可能表明他們將通勤和休閒目的結合在一起，在某些情況下選擇電動自行車是為了提高效率或增加樂趣。</a:t>
-            </a:r>
-            <a:endParaRPr lang="en-US" altLang="zh-TW" sz="3200" dirty="0">
-              <a:solidFill>
-                <a:srgbClr val="1F1F1F"/>
-              </a:solidFill>
-              <a:effectLst/>
-              <a:latin typeface="標楷體" panose="03000509000000000000" pitchFamily="65" charset="-120"/>
-              <a:ea typeface="標楷體" panose="03000509000000000000" pitchFamily="65" charset="-120"/>
-              <a:cs typeface="Times New Roman" panose="02020603050405020304" pitchFamily="18" charset="0"/>
-            </a:endParaRPr>
-          </a:p>
-          <a:p>
-            <a:pPr marL="514350" indent="-514350" rtl="0">
-              <a:buFont typeface="+mj-lt"/>
-              <a:buAutoNum type="arabicPeriod"/>
-            </a:pPr>
-            <a:endParaRPr lang="zh-TW" altLang="en-US" sz="3200" dirty="0">
-              <a:solidFill>
-                <a:srgbClr val="1F1F1F"/>
-              </a:solidFill>
-              <a:effectLst/>
-              <a:latin typeface="標楷體" panose="03000509000000000000" pitchFamily="65" charset="-120"/>
-              <a:ea typeface="標楷體" panose="03000509000000000000" pitchFamily="65" charset="-120"/>
-              <a:cs typeface="Times New Roman" panose="02020603050405020304" pitchFamily="18" charset="0"/>
-            </a:endParaRPr>
-          </a:p>
-          <a:p>
-            <a:r>
-              <a:rPr lang="zh-TW" altLang="en-US" sz="3200" dirty="0">
-                <a:solidFill>
-                  <a:srgbClr val="1F1F1F"/>
-                </a:solidFill>
-                <a:effectLst/>
-                <a:latin typeface="標楷體" panose="03000509000000000000" pitchFamily="65" charset="-120"/>
-                <a:ea typeface="標楷體" panose="03000509000000000000" pitchFamily="65" charset="-120"/>
-                <a:cs typeface="Times New Roman" panose="02020603050405020304" pitchFamily="18" charset="0"/>
-              </a:rPr>
-              <a:t>季節性：兩組人都是在</a:t>
+              <a:t>- </a:t>
             </a:r>
             <a:r>
               <a:rPr lang="zh-TW" altLang="en-US" sz="3200" dirty="0">
@@ -11874,19 +11749,171 @@
                 <a:ea typeface="標楷體" panose="03000509000000000000" pitchFamily="65" charset="-120"/>
                 <a:cs typeface="Times New Roman" panose="02020603050405020304" pitchFamily="18" charset="0"/>
               </a:rPr>
-              <a:t>吻夏季騎車的頻率最高，這與休閒活動和可能更溫暖的天氣相合</a:t>
+              <a:t>臨時使用者</a:t>
+            </a:r>
+            <a:r>
+              <a:rPr lang="zh-TW" altLang="en-US" sz="3200" dirty="0">
+                <a:latin typeface="標楷體" panose="03000509000000000000" pitchFamily="65" charset="-120"/>
+                <a:ea typeface="標楷體" panose="03000509000000000000" pitchFamily="65" charset="-120"/>
+                <a:cs typeface="Times New Roman" panose="02020603050405020304" pitchFamily="18" charset="0"/>
+              </a:rPr>
+              <a:t>：騎乘次數較少但時間較長，尤其是在週末，顯示休閒用途。</a:t>
+            </a:r>
+          </a:p>
+          <a:p>
+            <a:pPr marL="0" indent="0">
+              <a:buNone/>
+            </a:pPr>
+            <a:r>
+              <a:rPr lang="zh-TW" altLang="en-US" sz="3200" dirty="0">
+                <a:latin typeface="標楷體" panose="03000509000000000000" pitchFamily="65" charset="-120"/>
+                <a:ea typeface="標楷體" panose="03000509000000000000" pitchFamily="65" charset="-120"/>
+                <a:cs typeface="Times New Roman" panose="02020603050405020304" pitchFamily="18" charset="0"/>
+              </a:rPr>
+              <a:t>   </a:t>
+            </a:r>
+            <a:r>
+              <a:rPr lang="en-US" altLang="zh-TW" sz="3200" dirty="0">
+                <a:latin typeface="標楷體" panose="03000509000000000000" pitchFamily="65" charset="-120"/>
+                <a:ea typeface="標楷體" panose="03000509000000000000" pitchFamily="65" charset="-120"/>
+                <a:cs typeface="Times New Roman" panose="02020603050405020304" pitchFamily="18" charset="0"/>
+              </a:rPr>
+              <a:t>- </a:t>
+            </a:r>
+            <a:r>
+              <a:rPr lang="zh-TW" altLang="en-US" sz="3200" dirty="0">
+                <a:latin typeface="標楷體" panose="03000509000000000000" pitchFamily="65" charset="-120"/>
+                <a:ea typeface="標楷體" panose="03000509000000000000" pitchFamily="65" charset="-120"/>
+                <a:cs typeface="Times New Roman" panose="02020603050405020304" pitchFamily="18" charset="0"/>
+              </a:rPr>
+              <a:t>會員：更頻繁、更短的行程，表示通勤或辦事，週末的行程更長。</a:t>
+            </a:r>
+          </a:p>
+          <a:p>
+            <a:endParaRPr lang="zh-TW" altLang="en-US" sz="3200" dirty="0">
+              <a:latin typeface="標楷體" panose="03000509000000000000" pitchFamily="65" charset="-120"/>
+              <a:ea typeface="標楷體" panose="03000509000000000000" pitchFamily="65" charset="-120"/>
+              <a:cs typeface="Times New Roman" panose="02020603050405020304" pitchFamily="18" charset="0"/>
+            </a:endParaRPr>
+          </a:p>
+          <a:p>
+            <a:r>
+              <a:rPr lang="en-US" altLang="zh-TW" sz="3200" b="1" dirty="0">
+                <a:latin typeface="標楷體" panose="03000509000000000000" pitchFamily="65" charset="-120"/>
+                <a:ea typeface="標楷體" panose="03000509000000000000" pitchFamily="65" charset="-120"/>
+                <a:cs typeface="Times New Roman" panose="02020603050405020304" pitchFamily="18" charset="0"/>
+              </a:rPr>
+              <a:t>2. </a:t>
+            </a:r>
+            <a:r>
+              <a:rPr lang="zh-TW" altLang="en-US" sz="3200" b="1" dirty="0">
+                <a:latin typeface="標楷體" panose="03000509000000000000" pitchFamily="65" charset="-120"/>
+                <a:ea typeface="標楷體" panose="03000509000000000000" pitchFamily="65" charset="-120"/>
+                <a:cs typeface="Times New Roman" panose="02020603050405020304" pitchFamily="18" charset="0"/>
+              </a:rPr>
+              <a:t>自行車類型偏好：</a:t>
+            </a:r>
+          </a:p>
+          <a:p>
+            <a:pPr marL="0" indent="0">
+              <a:buNone/>
+            </a:pPr>
+            <a:r>
+              <a:rPr lang="zh-TW" altLang="en-US" sz="3200" dirty="0">
+                <a:latin typeface="標楷體" panose="03000509000000000000" pitchFamily="65" charset="-120"/>
+                <a:ea typeface="標楷體" panose="03000509000000000000" pitchFamily="65" charset="-120"/>
+                <a:cs typeface="Times New Roman" panose="02020603050405020304" pitchFamily="18" charset="0"/>
+              </a:rPr>
+              <a:t>   </a:t>
+            </a:r>
+            <a:r>
+              <a:rPr lang="en-US" altLang="zh-TW" sz="3200" dirty="0">
+                <a:latin typeface="標楷體" panose="03000509000000000000" pitchFamily="65" charset="-120"/>
+                <a:ea typeface="標楷體" panose="03000509000000000000" pitchFamily="65" charset="-120"/>
+                <a:cs typeface="Times New Roman" panose="02020603050405020304" pitchFamily="18" charset="0"/>
+              </a:rPr>
+              <a:t>- </a:t>
             </a:r>
             <a:r>
               <a:rPr lang="zh-TW" altLang="en-US" sz="3200" dirty="0">
                 <a:solidFill>
                   <a:srgbClr val="1F1F1F"/>
                 </a:solidFill>
-                <a:effectLst/>
                 <a:latin typeface="標楷體" panose="03000509000000000000" pitchFamily="65" charset="-120"/>
                 <a:ea typeface="標楷體" panose="03000509000000000000" pitchFamily="65" charset="-120"/>
                 <a:cs typeface="Times New Roman" panose="02020603050405020304" pitchFamily="18" charset="0"/>
               </a:rPr>
-              <a:t>。</a:t>
+              <a:t>臨時使用者</a:t>
+            </a:r>
+            <a:r>
+              <a:rPr lang="zh-TW" altLang="en-US" sz="3200" dirty="0">
+                <a:latin typeface="標楷體" panose="03000509000000000000" pitchFamily="65" charset="-120"/>
+                <a:ea typeface="標楷體" panose="03000509000000000000" pitchFamily="65" charset="-120"/>
+                <a:cs typeface="Times New Roman" panose="02020603050405020304" pitchFamily="18" charset="0"/>
+              </a:rPr>
+              <a:t>：喜歡經典自行車，短途旅行時使用停泊自行車。</a:t>
+            </a:r>
+          </a:p>
+          <a:p>
+            <a:pPr marL="0" indent="0">
+              <a:buNone/>
+            </a:pPr>
+            <a:r>
+              <a:rPr lang="zh-TW" altLang="en-US" sz="3200" dirty="0">
+                <a:latin typeface="標楷體" panose="03000509000000000000" pitchFamily="65" charset="-120"/>
+                <a:ea typeface="標楷體" panose="03000509000000000000" pitchFamily="65" charset="-120"/>
+                <a:cs typeface="Times New Roman" panose="02020603050405020304" pitchFamily="18" charset="0"/>
+              </a:rPr>
+              <a:t>   </a:t>
+            </a:r>
+            <a:r>
+              <a:rPr lang="en-US" altLang="zh-TW" sz="3200" dirty="0">
+                <a:latin typeface="標楷體" panose="03000509000000000000" pitchFamily="65" charset="-120"/>
+                <a:ea typeface="標楷體" panose="03000509000000000000" pitchFamily="65" charset="-120"/>
+                <a:cs typeface="Times New Roman" panose="02020603050405020304" pitchFamily="18" charset="0"/>
+              </a:rPr>
+              <a:t>- </a:t>
+            </a:r>
+            <a:r>
+              <a:rPr lang="zh-TW" altLang="en-US" sz="3200" dirty="0">
+                <a:latin typeface="標楷體" panose="03000509000000000000" pitchFamily="65" charset="-120"/>
+                <a:ea typeface="標楷體" panose="03000509000000000000" pitchFamily="65" charset="-120"/>
+                <a:cs typeface="Times New Roman" panose="02020603050405020304" pitchFamily="18" charset="0"/>
+              </a:rPr>
+              <a:t>會員：喜歡經典自行車和電動自行車，顯示通勤和休閒用途的結合。</a:t>
+            </a:r>
+          </a:p>
+          <a:p>
+            <a:endParaRPr lang="zh-TW" altLang="en-US" sz="3200" dirty="0">
+              <a:latin typeface="標楷體" panose="03000509000000000000" pitchFamily="65" charset="-120"/>
+              <a:ea typeface="標楷體" panose="03000509000000000000" pitchFamily="65" charset="-120"/>
+              <a:cs typeface="Times New Roman" panose="02020603050405020304" pitchFamily="18" charset="0"/>
+            </a:endParaRPr>
+          </a:p>
+          <a:p>
+            <a:r>
+              <a:rPr lang="en-US" altLang="zh-TW" sz="3200" b="1" dirty="0">
+                <a:latin typeface="標楷體" panose="03000509000000000000" pitchFamily="65" charset="-120"/>
+                <a:ea typeface="標楷體" panose="03000509000000000000" pitchFamily="65" charset="-120"/>
+                <a:cs typeface="Times New Roman" panose="02020603050405020304" pitchFamily="18" charset="0"/>
+              </a:rPr>
+              <a:t>3.</a:t>
+            </a:r>
+            <a:r>
+              <a:rPr lang="zh-TW" altLang="en-US" sz="3200" b="1" dirty="0">
+                <a:latin typeface="標楷體" panose="03000509000000000000" pitchFamily="65" charset="-120"/>
+                <a:ea typeface="標楷體" panose="03000509000000000000" pitchFamily="65" charset="-120"/>
+                <a:cs typeface="Times New Roman" panose="02020603050405020304" pitchFamily="18" charset="0"/>
+              </a:rPr>
+              <a:t>季節性：</a:t>
+            </a:r>
+            <a:r>
+              <a:rPr lang="zh-TW" altLang="en-US" sz="3200" dirty="0">
+                <a:latin typeface="標楷體" panose="03000509000000000000" pitchFamily="65" charset="-120"/>
+                <a:ea typeface="標楷體" panose="03000509000000000000" pitchFamily="65" charset="-120"/>
+                <a:cs typeface="Times New Roman" panose="02020603050405020304" pitchFamily="18" charset="0"/>
+              </a:rPr>
+              <a:t>兩組人在夏季騎乘最頻繁。</a:t>
             </a:r>
             <a:endParaRPr lang="en-US" altLang="zh-TW" sz="3200" dirty="0">
               <a:solidFill>
@@ -11956,25 +11983,25 @@
         </p:nvSpPr>
         <p:spPr>
           <a:xfrm>
-            <a:off x="1479314" y="2156460"/>
-            <a:ext cx="1507726" cy="760795"/>
+            <a:off x="5342137" y="-29276"/>
+            <a:ext cx="1725090" cy="760795"/>
           </a:xfrm>
         </p:spPr>
         <p:txBody>
           <a:bodyPr vert="horz" lIns="91440" tIns="45720" rIns="91440" bIns="45720" rtlCol="0" anchor="ctr">
-            <a:normAutofit/>
+            <a:noAutofit/>
           </a:bodyPr>
           <a:lstStyle/>
           <a:p>
             <a:r>
-              <a:rPr lang="zh-TW" altLang="en-US" sz="4400" dirty="0">
+              <a:rPr lang="zh-TW" altLang="en-US" sz="5400" dirty="0">
                 <a:latin typeface="標楷體" panose="03000509000000000000" pitchFamily="65" charset="-120"/>
                 <a:ea typeface="標楷體" panose="03000509000000000000" pitchFamily="65" charset="-120"/>
                 <a:cs typeface="Times New Roman" panose="02020603050405020304" pitchFamily="18" charset="0"/>
               </a:rPr>
               <a:t>行動</a:t>
             </a:r>
-            <a:endParaRPr lang="en-US" altLang="zh-TW" kern="1200" dirty="0">
+            <a:endParaRPr lang="en-US" altLang="zh-TW" sz="4000" kern="1200" dirty="0">
               <a:latin typeface="Times New Roman" panose="02020603050405020304" pitchFamily="18" charset="0"/>
               <a:cs typeface="Times New Roman" panose="02020603050405020304" pitchFamily="18" charset="0"/>
             </a:endParaRPr>
@@ -11999,17 +12026,38 @@
         </p:nvSpPr>
         <p:spPr>
           <a:xfrm>
-            <a:off x="3093720" y="1"/>
-            <a:ext cx="9098280" cy="6126480"/>
+            <a:off x="0" y="731519"/>
+            <a:ext cx="12192000" cy="5394962"/>
           </a:xfrm>
         </p:spPr>
         <p:txBody>
           <a:bodyPr vert="horz" lIns="91440" tIns="45720" rIns="91440" bIns="45720" rtlCol="0" anchor="ctr">
-            <a:normAutofit lnSpcReduction="10000"/>
+            <a:noAutofit/>
           </a:bodyPr>
           <a:lstStyle/>
           <a:p>
-            <a:pPr marL="285750" indent="0" algn="ctr">
+            <a:pPr marL="285750" indent="0">
+              <a:buNone/>
+            </a:pPr>
+            <a:r>
+              <a:rPr lang="en-US" altLang="zh-TW" sz="3200" b="1" dirty="0">
+                <a:latin typeface="標楷體" panose="03000509000000000000" pitchFamily="65" charset="-120"/>
+                <a:ea typeface="標楷體" panose="03000509000000000000" pitchFamily="65" charset="-120"/>
+                <a:cs typeface="Times New Roman" panose="02020603050405020304" pitchFamily="18" charset="0"/>
+              </a:rPr>
+              <a:t>1. </a:t>
+            </a:r>
+            <a:r>
+              <a:rPr lang="zh-TW" altLang="en-US" sz="3200" b="1" dirty="0">
+                <a:latin typeface="標楷體" panose="03000509000000000000" pitchFamily="65" charset="-120"/>
+                <a:ea typeface="標楷體" panose="03000509000000000000" pitchFamily="65" charset="-120"/>
+                <a:cs typeface="Times New Roman" panose="02020603050405020304" pitchFamily="18" charset="0"/>
+              </a:rPr>
+              <a:t>對於臨時使用者：</a:t>
+            </a:r>
+          </a:p>
+          <a:p>
+            <a:pPr marL="285750" indent="0">
               <a:buNone/>
             </a:pPr>
             <a:r>
@@ -12018,9 +12066,88 @@
                 <a:ea typeface="標楷體" panose="03000509000000000000" pitchFamily="65" charset="-120"/>
                 <a:cs typeface="Times New Roman" panose="02020603050405020304" pitchFamily="18" charset="0"/>
               </a:rPr>
-              <a:t>三大建議</a:t>
-            </a:r>
-            <a:endParaRPr lang="en-US" altLang="zh-TW" sz="2400" dirty="0">
+              <a:t>   </a:t>
+            </a:r>
+            <a:r>
+              <a:rPr lang="en-US" altLang="zh-TW" sz="3200" dirty="0">
+                <a:latin typeface="標楷體" panose="03000509000000000000" pitchFamily="65" charset="-120"/>
+                <a:ea typeface="標楷體" panose="03000509000000000000" pitchFamily="65" charset="-120"/>
+                <a:cs typeface="Times New Roman" panose="02020603050405020304" pitchFamily="18" charset="0"/>
+              </a:rPr>
+              <a:t>- </a:t>
+            </a:r>
+            <a:r>
+              <a:rPr lang="zh-TW" altLang="en-US" sz="3200" dirty="0">
+                <a:latin typeface="標楷體" panose="03000509000000000000" pitchFamily="65" charset="-120"/>
+                <a:ea typeface="標楷體" panose="03000509000000000000" pitchFamily="65" charset="-120"/>
+                <a:cs typeface="Times New Roman" panose="02020603050405020304" pitchFamily="18" charset="0"/>
+              </a:rPr>
+              <a:t>提升經典自行車休閒的便利性和可負擔性。</a:t>
+            </a:r>
+          </a:p>
+          <a:p>
+            <a:pPr marL="285750" indent="0">
+              <a:buNone/>
+            </a:pPr>
+            <a:r>
+              <a:rPr lang="zh-TW" altLang="en-US" sz="3200" dirty="0">
+                <a:latin typeface="標楷體" panose="03000509000000000000" pitchFamily="65" charset="-120"/>
+                <a:ea typeface="標楷體" panose="03000509000000000000" pitchFamily="65" charset="-120"/>
+                <a:cs typeface="Times New Roman" panose="02020603050405020304" pitchFamily="18" charset="0"/>
+              </a:rPr>
+              <a:t>   </a:t>
+            </a:r>
+            <a:r>
+              <a:rPr lang="en-US" altLang="zh-TW" sz="3200" dirty="0">
+                <a:latin typeface="標楷體" panose="03000509000000000000" pitchFamily="65" charset="-120"/>
+                <a:ea typeface="標楷體" panose="03000509000000000000" pitchFamily="65" charset="-120"/>
+                <a:cs typeface="Times New Roman" panose="02020603050405020304" pitchFamily="18" charset="0"/>
+              </a:rPr>
+              <a:t>- </a:t>
+            </a:r>
+            <a:r>
+              <a:rPr lang="zh-TW" altLang="en-US" sz="3200" dirty="0">
+                <a:latin typeface="標楷體" panose="03000509000000000000" pitchFamily="65" charset="-120"/>
+                <a:ea typeface="標楷體" panose="03000509000000000000" pitchFamily="65" charset="-120"/>
+                <a:cs typeface="Times New Roman" panose="02020603050405020304" pitchFamily="18" charset="0"/>
+              </a:rPr>
+              <a:t>提供週末促銷或折扣。</a:t>
+            </a:r>
+          </a:p>
+          <a:p>
+            <a:pPr marL="285750" indent="0">
+              <a:buNone/>
+            </a:pPr>
+            <a:r>
+              <a:rPr lang="zh-TW" altLang="en-US" sz="3200" dirty="0">
+                <a:latin typeface="標楷體" panose="03000509000000000000" pitchFamily="65" charset="-120"/>
+                <a:ea typeface="標楷體" panose="03000509000000000000" pitchFamily="65" charset="-120"/>
+                <a:cs typeface="Times New Roman" panose="02020603050405020304" pitchFamily="18" charset="0"/>
+              </a:rPr>
+              <a:t>   </a:t>
+            </a:r>
+            <a:r>
+              <a:rPr lang="en-US" altLang="zh-TW" sz="3200" dirty="0">
+                <a:latin typeface="標楷體" panose="03000509000000000000" pitchFamily="65" charset="-120"/>
+                <a:ea typeface="標楷體" panose="03000509000000000000" pitchFamily="65" charset="-120"/>
+                <a:cs typeface="Times New Roman" panose="02020603050405020304" pitchFamily="18" charset="0"/>
+              </a:rPr>
+              <a:t>- </a:t>
+            </a:r>
+            <a:r>
+              <a:rPr lang="zh-TW" altLang="en-US" sz="3200" dirty="0">
+                <a:latin typeface="標楷體" panose="03000509000000000000" pitchFamily="65" charset="-120"/>
+                <a:ea typeface="標楷體" panose="03000509000000000000" pitchFamily="65" charset="-120"/>
+                <a:cs typeface="Times New Roman" panose="02020603050405020304" pitchFamily="18" charset="0"/>
+              </a:rPr>
+              <a:t>在熱門的觀光或休閒區域定位停放自行車的使用情況。</a:t>
+            </a:r>
+          </a:p>
+          <a:p>
+            <a:pPr marL="285750" indent="0">
+              <a:buNone/>
+            </a:pPr>
+            <a:endParaRPr lang="zh-TW" altLang="en-US" sz="3200" dirty="0">
               <a:latin typeface="標楷體" panose="03000509000000000000" pitchFamily="65" charset="-120"/>
               <a:ea typeface="標楷體" panose="03000509000000000000" pitchFamily="65" charset="-120"/>
               <a:cs typeface="Times New Roman" panose="02020603050405020304" pitchFamily="18" charset="0"/>
@@ -12031,126 +12158,109 @@
               <a:buNone/>
             </a:pPr>
             <a:r>
-              <a:rPr lang="zh-TW" altLang="en-US" sz="2400" dirty="0">
+              <a:rPr lang="en-US" altLang="zh-TW" sz="3200" b="1" dirty="0">
                 <a:latin typeface="標楷體" panose="03000509000000000000" pitchFamily="65" charset="-120"/>
                 <a:ea typeface="標楷體" panose="03000509000000000000" pitchFamily="65" charset="-120"/>
                 <a:cs typeface="Times New Roman" panose="02020603050405020304" pitchFamily="18" charset="0"/>
               </a:rPr>
-              <a:t>針對散客：</a:t>
-            </a:r>
-          </a:p>
-          <a:p>
-            <a:pPr marL="742950" indent="-457200">
-              <a:buFont typeface="+mj-lt"/>
-              <a:buAutoNum type="arabicPeriod"/>
-            </a:pPr>
-            <a:r>
-              <a:rPr lang="zh-TW" altLang="en-US" sz="2400" dirty="0">
+              <a:t>2. </a:t>
+            </a:r>
+            <a:r>
+              <a:rPr lang="zh-TW" altLang="en-US" sz="3200" b="1" dirty="0">
                 <a:latin typeface="標楷體" panose="03000509000000000000" pitchFamily="65" charset="-120"/>
                 <a:ea typeface="標楷體" panose="03000509000000000000" pitchFamily="65" charset="-120"/>
                 <a:cs typeface="Times New Roman" panose="02020603050405020304" pitchFamily="18" charset="0"/>
               </a:rPr>
-              <a:t>突顯經典自行車在休閒活動中的便利性和經濟性。</a:t>
-            </a:r>
-          </a:p>
-          <a:p>
-            <a:pPr marL="742950" indent="-457200">
-              <a:buFont typeface="+mj-lt"/>
-              <a:buAutoNum type="arabicPeriod"/>
+              <a:t>將臨時使用者轉為會員：</a:t>
+            </a:r>
+          </a:p>
+          <a:p>
+            <a:pPr marL="285750" indent="0">
+              <a:buNone/>
             </a:pPr>
             <a:r>
-              <a:rPr lang="zh-TW" altLang="en-US" sz="2400" dirty="0">
+              <a:rPr lang="zh-TW" altLang="en-US" sz="3200" dirty="0">
                 <a:latin typeface="標楷體" panose="03000509000000000000" pitchFamily="65" charset="-120"/>
                 <a:ea typeface="標楷體" panose="03000509000000000000" pitchFamily="65" charset="-120"/>
                 <a:cs typeface="Times New Roman" panose="02020603050405020304" pitchFamily="18" charset="0"/>
               </a:rPr>
-              <a:t>提供週末促銷或折扣，鼓勵更多的人使用。</a:t>
-            </a:r>
-          </a:p>
-          <a:p>
-            <a:pPr marL="742950" indent="-457200">
-              <a:buFont typeface="+mj-lt"/>
-              <a:buAutoNum type="arabicPeriod"/>
-            </a:pPr>
-            <a:r>
-              <a:rPr lang="zh-TW" altLang="en-US" sz="2400" dirty="0">
+              <a:t>   </a:t>
+            </a:r>
+            <a:r>
+              <a:rPr lang="en-US" altLang="zh-TW" sz="3200" dirty="0">
                 <a:latin typeface="標楷體" panose="03000509000000000000" pitchFamily="65" charset="-120"/>
                 <a:ea typeface="標楷體" panose="03000509000000000000" pitchFamily="65" charset="-120"/>
                 <a:cs typeface="Times New Roman" panose="02020603050405020304" pitchFamily="18" charset="0"/>
               </a:rPr>
-              <a:t>考慮在觀光或休閒的熱門地區推廣。</a:t>
-            </a:r>
-            <a:endParaRPr lang="en-US" altLang="zh-TW" sz="2400" dirty="0">
-              <a:latin typeface="標楷體" panose="03000509000000000000" pitchFamily="65" charset="-120"/>
-              <a:ea typeface="標楷體" panose="03000509000000000000" pitchFamily="65" charset="-120"/>
-              <a:cs typeface="Times New Roman" panose="02020603050405020304" pitchFamily="18" charset="0"/>
-            </a:endParaRPr>
-          </a:p>
-          <a:p>
-            <a:pPr marL="285750" indent="0">
-              <a:buNone/>
-            </a:pPr>
-            <a:endParaRPr lang="en-US" altLang="zh-TW" sz="2400" dirty="0">
-              <a:latin typeface="標楷體" panose="03000509000000000000" pitchFamily="65" charset="-120"/>
-              <a:ea typeface="標楷體" panose="03000509000000000000" pitchFamily="65" charset="-120"/>
-              <a:cs typeface="Times New Roman" panose="02020603050405020304" pitchFamily="18" charset="0"/>
-            </a:endParaRPr>
-          </a:p>
-          <a:p>
-            <a:pPr marL="285750" indent="0">
-              <a:buNone/>
-            </a:pPr>
-            <a:r>
-              <a:rPr lang="zh-TW" altLang="en-US" sz="2400" dirty="0">
+              <a:t>- </a:t>
+            </a:r>
+            <a:r>
+              <a:rPr lang="zh-TW" altLang="en-US" sz="3200" dirty="0">
                 <a:latin typeface="標楷體" panose="03000509000000000000" pitchFamily="65" charset="-120"/>
                 <a:ea typeface="標楷體" panose="03000509000000000000" pitchFamily="65" charset="-120"/>
                 <a:cs typeface="Times New Roman" panose="02020603050405020304" pitchFamily="18" charset="0"/>
               </a:rPr>
-              <a:t>將散客轉變為年度會員：</a:t>
-            </a:r>
-          </a:p>
-          <a:p>
-            <a:pPr marL="742950" indent="-457200">
-              <a:buFont typeface="+mj-lt"/>
-              <a:buAutoNum type="arabicPeriod"/>
+              <a:t>強調會員資格比頻繁臨時使用節省的成本。</a:t>
+            </a:r>
+          </a:p>
+          <a:p>
+            <a:pPr marL="285750" indent="0">
+              <a:buNone/>
             </a:pPr>
             <a:r>
-              <a:rPr lang="zh-TW" altLang="en-US" sz="2400" dirty="0">
+              <a:rPr lang="zh-TW" altLang="en-US" sz="3200" dirty="0">
                 <a:latin typeface="標楷體" panose="03000509000000000000" pitchFamily="65" charset="-120"/>
                 <a:ea typeface="標楷體" panose="03000509000000000000" pitchFamily="65" charset="-120"/>
                 <a:cs typeface="Times New Roman" panose="02020603050405020304" pitchFamily="18" charset="0"/>
               </a:rPr>
-              <a:t>告知高頻率使用的散客，年度會員可以節省成本。</a:t>
-            </a:r>
-          </a:p>
-          <a:p>
-            <a:pPr marL="742950" indent="-457200">
-              <a:buFont typeface="+mj-lt"/>
-              <a:buAutoNum type="arabicPeriod"/>
-            </a:pPr>
-            <a:r>
-              <a:rPr lang="zh-TW" altLang="en-US" sz="2400" dirty="0">
+              <a:t>   </a:t>
+            </a:r>
+            <a:r>
+              <a:rPr lang="en-US" altLang="zh-TW" sz="3200" dirty="0">
                 <a:latin typeface="標楷體" panose="03000509000000000000" pitchFamily="65" charset="-120"/>
                 <a:ea typeface="標楷體" panose="03000509000000000000" pitchFamily="65" charset="-120"/>
                 <a:cs typeface="Times New Roman" panose="02020603050405020304" pitchFamily="18" charset="0"/>
               </a:rPr>
-              <a:t>展示經典自行車和電動自行車在通勤、差事和休閒方面的多功能性。</a:t>
-            </a:r>
-          </a:p>
-          <a:p>
-            <a:pPr marL="742950" indent="-457200">
-              <a:buFont typeface="+mj-lt"/>
-              <a:buAutoNum type="arabicPeriod"/>
-            </a:pPr>
-            <a:r>
-              <a:rPr lang="zh-TW" altLang="en-US" sz="2400" dirty="0">
+              <a:t>- </a:t>
+            </a:r>
+            <a:r>
+              <a:rPr lang="zh-TW" altLang="en-US" sz="3200" dirty="0">
                 <a:latin typeface="標楷體" panose="03000509000000000000" pitchFamily="65" charset="-120"/>
                 <a:ea typeface="標楷體" panose="03000509000000000000" pitchFamily="65" charset="-120"/>
                 <a:cs typeface="Times New Roman" panose="02020603050405020304" pitchFamily="18" charset="0"/>
               </a:rPr>
-              <a:t>在自行車運動最受歡迎的夏季進行有針對性的行銷活動。</a:t>
-            </a:r>
-            <a:endParaRPr lang="en-US" altLang="zh-TW" dirty="0">
+              <a:t>展示經典自行車和電動自行車的多種用途的多功能性。   </a:t>
+            </a:r>
+          </a:p>
+          <a:p>
+            <a:pPr marL="285750" indent="0">
+              <a:buNone/>
+            </a:pPr>
+            <a:r>
+              <a:rPr lang="zh-TW" altLang="en-US" sz="3200" dirty="0">
+                <a:latin typeface="標楷體" panose="03000509000000000000" pitchFamily="65" charset="-120"/>
+                <a:ea typeface="標楷體" panose="03000509000000000000" pitchFamily="65" charset="-120"/>
+                <a:cs typeface="Times New Roman" panose="02020603050405020304" pitchFamily="18" charset="0"/>
+              </a:rPr>
+              <a:t>   </a:t>
+            </a:r>
+            <a:r>
+              <a:rPr lang="en-US" altLang="zh-TW" sz="3200" dirty="0">
+                <a:latin typeface="標楷體" panose="03000509000000000000" pitchFamily="65" charset="-120"/>
+                <a:ea typeface="標楷體" panose="03000509000000000000" pitchFamily="65" charset="-120"/>
+                <a:cs typeface="Times New Roman" panose="02020603050405020304" pitchFamily="18" charset="0"/>
+              </a:rPr>
+              <a:t>- </a:t>
+            </a:r>
+            <a:r>
+              <a:rPr lang="zh-TW" altLang="en-US" sz="3200" dirty="0">
+                <a:latin typeface="標楷體" panose="03000509000000000000" pitchFamily="65" charset="-120"/>
+                <a:ea typeface="標楷體" panose="03000509000000000000" pitchFamily="65" charset="-120"/>
+                <a:cs typeface="Times New Roman" panose="02020603050405020304" pitchFamily="18" charset="0"/>
+              </a:rPr>
+              <a:t>在夏季高峰期間集中行銷工作。</a:t>
+            </a:r>
+            <a:endParaRPr lang="en-US" altLang="zh-TW" sz="3200" dirty="0">
               <a:solidFill>
                 <a:srgbClr val="1F1F1F"/>
               </a:solidFill>
@@ -12326,172 +12436,91 @@
         </p:spPr>
         <p:txBody>
           <a:bodyPr vert="horz" lIns="91440" tIns="45720" rIns="91440" bIns="45720" rtlCol="0" anchor="ctr">
-            <a:normAutofit fontScale="92500" lnSpcReduction="20000"/>
+            <a:normAutofit lnSpcReduction="10000"/>
           </a:bodyPr>
           <a:lstStyle/>
           <a:p>
             <a:r>
-              <a:rPr lang="zh-TW" altLang="en-US" sz="2400" dirty="0">
+              <a:rPr lang="zh-TW" altLang="en-US" sz="2400" b="1" kern="100" dirty="0">
                 <a:effectLst/>
                 <a:latin typeface="標楷體" panose="03000509000000000000" pitchFamily="65" charset="-120"/>
                 <a:ea typeface="標楷體" panose="03000509000000000000" pitchFamily="65" charset="-120"/>
                 <a:cs typeface="Times New Roman" panose="02020603050405020304" pitchFamily="18" charset="0"/>
               </a:rPr>
-              <a:t>共享單車</a:t>
-            </a:r>
-            <a:r>
-              <a:rPr lang="zh-TW" altLang="en-US" sz="2400" dirty="0">
-                <a:latin typeface="標楷體" panose="03000509000000000000" pitchFamily="65" charset="-120"/>
-                <a:ea typeface="標楷體" panose="03000509000000000000" pitchFamily="65" charset="-120"/>
-                <a:cs typeface="Times New Roman" panose="02020603050405020304" pitchFamily="18" charset="0"/>
-              </a:rPr>
-              <a:t>：</a:t>
-            </a:r>
-            <a:r>
-              <a:rPr lang="zh-TW" altLang="en-US" sz="2400" dirty="0">
+              <a:t>關於公司</a:t>
+            </a:r>
+          </a:p>
+          <a:p>
+            <a:r>
+              <a:rPr lang="zh-TW" altLang="en-US" sz="2400" kern="100" dirty="0">
                 <a:effectLst/>
                 <a:latin typeface="標楷體" panose="03000509000000000000" pitchFamily="65" charset="-120"/>
                 <a:ea typeface="標楷體" panose="03000509000000000000" pitchFamily="65" charset="-120"/>
                 <a:cs typeface="Times New Roman" panose="02020603050405020304" pitchFamily="18" charset="0"/>
               </a:rPr>
-              <a:t>在全市千個站</a:t>
-            </a:r>
-            <a:r>
-              <a:rPr lang="zh-TW" altLang="en-US" sz="2400">
+              <a:t>全市範圍內提供自行車共享服務，在千個站點擁有一萬多輛自行車。我們提供靈活的定價選項，包括單程日票和年度會員資格。</a:t>
+            </a:r>
+          </a:p>
+          <a:p>
+            <a:endParaRPr lang="zh-TW" altLang="en-US" sz="2400" b="1" kern="100" dirty="0">
+              <a:effectLst/>
+              <a:latin typeface="標楷體" panose="03000509000000000000" pitchFamily="65" charset="-120"/>
+              <a:ea typeface="標楷體" panose="03000509000000000000" pitchFamily="65" charset="-120"/>
+              <a:cs typeface="Times New Roman" panose="02020603050405020304" pitchFamily="18" charset="0"/>
+            </a:endParaRPr>
+          </a:p>
+          <a:p>
+            <a:r>
+              <a:rPr lang="zh-TW" altLang="en-US" sz="2400" b="1" kern="100" dirty="0">
                 <a:effectLst/>
                 <a:latin typeface="標楷體" panose="03000509000000000000" pitchFamily="65" charset="-120"/>
                 <a:ea typeface="標楷體" panose="03000509000000000000" pitchFamily="65" charset="-120"/>
                 <a:cs typeface="Times New Roman" panose="02020603050405020304" pitchFamily="18" charset="0"/>
               </a:rPr>
-              <a:t>點提供</a:t>
-            </a:r>
-            <a:r>
-              <a:rPr lang="zh-TW" altLang="en-US" sz="2400">
-                <a:latin typeface="標楷體" panose="03000509000000000000" pitchFamily="65" charset="-120"/>
-                <a:ea typeface="標楷體" panose="03000509000000000000" pitchFamily="65" charset="-120"/>
-                <a:cs typeface="Times New Roman" panose="02020603050405020304" pitchFamily="18" charset="0"/>
-              </a:rPr>
-              <a:t>萬</a:t>
-            </a:r>
-            <a:r>
-              <a:rPr lang="zh-TW" altLang="en-US" sz="2400">
+              <a:t>問題陳述</a:t>
+            </a:r>
+          </a:p>
+          <a:p>
+            <a:r>
+              <a:rPr lang="zh-TW" altLang="en-US" sz="2400" kern="100" dirty="0">
                 <a:effectLst/>
                 <a:latin typeface="標楷體" panose="03000509000000000000" pitchFamily="65" charset="-120"/>
                 <a:ea typeface="標楷體" panose="03000509000000000000" pitchFamily="65" charset="-120"/>
                 <a:cs typeface="Times New Roman" panose="02020603050405020304" pitchFamily="18" charset="0"/>
               </a:rPr>
-              <a:t>輛</a:t>
-            </a:r>
-            <a:r>
-              <a:rPr lang="zh-TW" altLang="en-US" sz="2400" dirty="0">
+              <a:t>目標是增加年度會員的數量，因為他們的利潤更高。</a:t>
+            </a:r>
+          </a:p>
+          <a:p>
+            <a:endParaRPr lang="zh-TW" altLang="en-US" sz="2400" b="1" kern="100" dirty="0">
+              <a:effectLst/>
+              <a:latin typeface="標楷體" panose="03000509000000000000" pitchFamily="65" charset="-120"/>
+              <a:ea typeface="標楷體" panose="03000509000000000000" pitchFamily="65" charset="-120"/>
+              <a:cs typeface="Times New Roman" panose="02020603050405020304" pitchFamily="18" charset="0"/>
+            </a:endParaRPr>
+          </a:p>
+          <a:p>
+            <a:r>
+              <a:rPr lang="zh-TW" altLang="en-US" sz="2400" b="1" kern="100" dirty="0">
                 <a:effectLst/>
                 <a:latin typeface="標楷體" panose="03000509000000000000" pitchFamily="65" charset="-120"/>
                 <a:ea typeface="標楷體" panose="03000509000000000000" pitchFamily="65" charset="-120"/>
                 <a:cs typeface="Times New Roman" panose="02020603050405020304" pitchFamily="18" charset="0"/>
               </a:rPr>
-              <a:t>共享單車。他們依靠單次騎行、日票和年度會員等靈活的定價方式。</a:t>
-            </a:r>
-            <a:endParaRPr lang="en-US" altLang="zh-TW" sz="2400" dirty="0">
-              <a:effectLst/>
-              <a:latin typeface="標楷體" panose="03000509000000000000" pitchFamily="65" charset="-120"/>
-              <a:ea typeface="標楷體" panose="03000509000000000000" pitchFamily="65" charset="-120"/>
-              <a:cs typeface="Times New Roman" panose="02020603050405020304" pitchFamily="18" charset="0"/>
-            </a:endParaRPr>
-          </a:p>
-          <a:p>
-            <a:endParaRPr lang="zh-TW" altLang="en-US" sz="2400" dirty="0">
-              <a:effectLst/>
-              <a:latin typeface="標楷體" panose="03000509000000000000" pitchFamily="65" charset="-120"/>
-              <a:ea typeface="標楷體" panose="03000509000000000000" pitchFamily="65" charset="-120"/>
-              <a:cs typeface="Times New Roman" panose="02020603050405020304" pitchFamily="18" charset="0"/>
-            </a:endParaRPr>
-          </a:p>
-          <a:p>
-            <a:r>
-              <a:rPr lang="zh-TW" altLang="en-US" sz="2400" dirty="0">
+              <a:t>建議的解決方案</a:t>
+            </a:r>
+          </a:p>
+          <a:p>
+            <a:r>
+              <a:rPr lang="zh-TW" altLang="en-US" sz="2400" kern="100" dirty="0">
                 <a:effectLst/>
                 <a:latin typeface="標楷體" panose="03000509000000000000" pitchFamily="65" charset="-120"/>
                 <a:ea typeface="標楷體" panose="03000509000000000000" pitchFamily="65" charset="-120"/>
                 <a:cs typeface="Times New Roman" panose="02020603050405020304" pitchFamily="18" charset="0"/>
               </a:rPr>
-              <a:t>問題：在吸引顧客的同時，我們希望增加年費會員，因為年費會員的利潤更高。</a:t>
-            </a:r>
-            <a:endParaRPr lang="en-US" altLang="zh-TW" sz="2400" dirty="0">
-              <a:effectLst/>
-              <a:latin typeface="標楷體" panose="03000509000000000000" pitchFamily="65" charset="-120"/>
-              <a:ea typeface="標楷體" panose="03000509000000000000" pitchFamily="65" charset="-120"/>
-              <a:cs typeface="Times New Roman" panose="02020603050405020304" pitchFamily="18" charset="0"/>
-            </a:endParaRPr>
-          </a:p>
-          <a:p>
-            <a:endParaRPr lang="zh-TW" altLang="en-US" sz="2400" dirty="0">
-              <a:effectLst/>
-              <a:latin typeface="標楷體" panose="03000509000000000000" pitchFamily="65" charset="-120"/>
-              <a:ea typeface="標楷體" panose="03000509000000000000" pitchFamily="65" charset="-120"/>
-              <a:cs typeface="Times New Roman" panose="02020603050405020304" pitchFamily="18" charset="0"/>
-            </a:endParaRPr>
-          </a:p>
-          <a:p>
-            <a:r>
-              <a:rPr lang="zh-TW" altLang="en-US" sz="2400" dirty="0">
-                <a:effectLst/>
-                <a:latin typeface="標楷體" panose="03000509000000000000" pitchFamily="65" charset="-120"/>
-                <a:ea typeface="標楷體" panose="03000509000000000000" pitchFamily="65" charset="-120"/>
-                <a:cs typeface="Times New Roman" panose="02020603050405020304" pitchFamily="18" charset="0"/>
-              </a:rPr>
-              <a:t>解決方案：將現有的散客轉化為會員。散客已經知道並了解如何使用產品，因此他們是首要目標。</a:t>
-            </a:r>
-            <a:endParaRPr lang="en-US" altLang="zh-TW" sz="2400" dirty="0">
-              <a:effectLst/>
-              <a:latin typeface="標楷體" panose="03000509000000000000" pitchFamily="65" charset="-120"/>
-              <a:ea typeface="標楷體" panose="03000509000000000000" pitchFamily="65" charset="-120"/>
-              <a:cs typeface="Times New Roman" panose="02020603050405020304" pitchFamily="18" charset="0"/>
-            </a:endParaRPr>
-          </a:p>
-          <a:p>
-            <a:endParaRPr lang="zh-TW" altLang="en-US" sz="2400" dirty="0">
-              <a:effectLst/>
-              <a:latin typeface="標楷體" panose="03000509000000000000" pitchFamily="65" charset="-120"/>
-              <a:ea typeface="標楷體" panose="03000509000000000000" pitchFamily="65" charset="-120"/>
-              <a:cs typeface="Times New Roman" panose="02020603050405020304" pitchFamily="18" charset="0"/>
-            </a:endParaRPr>
-          </a:p>
-          <a:p>
-            <a:r>
-              <a:rPr lang="zh-TW" altLang="en-US" sz="2400" dirty="0">
-                <a:effectLst/>
-                <a:latin typeface="標楷體" panose="03000509000000000000" pitchFamily="65" charset="-120"/>
-                <a:ea typeface="標楷體" panose="03000509000000000000" pitchFamily="65" charset="-120"/>
-                <a:cs typeface="Times New Roman" panose="02020603050405020304" pitchFamily="18" charset="0"/>
-              </a:rPr>
-              <a:t>目標：設計針對散客轉換的行銷策略。</a:t>
-            </a:r>
-            <a:endParaRPr lang="en-US" altLang="zh-TW" sz="2400" dirty="0">
-              <a:effectLst/>
-              <a:latin typeface="標楷體" panose="03000509000000000000" pitchFamily="65" charset="-120"/>
-              <a:ea typeface="標楷體" panose="03000509000000000000" pitchFamily="65" charset="-120"/>
-              <a:cs typeface="Times New Roman" panose="02020603050405020304" pitchFamily="18" charset="0"/>
-            </a:endParaRPr>
-          </a:p>
-          <a:p>
-            <a:endParaRPr lang="zh-TW" altLang="en-US" sz="2400" dirty="0">
-              <a:effectLst/>
-              <a:latin typeface="標楷體" panose="03000509000000000000" pitchFamily="65" charset="-120"/>
-              <a:ea typeface="標楷體" panose="03000509000000000000" pitchFamily="65" charset="-120"/>
-              <a:cs typeface="Times New Roman" panose="02020603050405020304" pitchFamily="18" charset="0"/>
-            </a:endParaRPr>
-          </a:p>
-          <a:p>
-            <a:r>
-              <a:rPr lang="zh-TW" altLang="en-US" sz="2400" dirty="0">
-                <a:effectLst/>
-                <a:latin typeface="標楷體" panose="03000509000000000000" pitchFamily="65" charset="-120"/>
-                <a:ea typeface="標楷體" panose="03000509000000000000" pitchFamily="65" charset="-120"/>
-                <a:cs typeface="Times New Roman" panose="02020603050405020304" pitchFamily="18" charset="0"/>
-              </a:rPr>
-              <a:t>行動： 分析歷史數據，了解散客與會員之間的差異、成為會員的動機、數位媒體的影響。</a:t>
-            </a:r>
-            <a:endParaRPr lang="en-US" altLang="zh-TW" sz="2400" dirty="0">
+              <a:t>策略是將現有的休閒騎士轉變為年度會員。休閒騎手已經熟悉我們的服務，這使他們成為會員的主要目標。</a:t>
+            </a:r>
+            <a:endParaRPr lang="zh-TW" altLang="zh-TW" sz="2400" kern="100" dirty="0">
               <a:effectLst/>
               <a:latin typeface="標楷體" panose="03000509000000000000" pitchFamily="65" charset="-120"/>
               <a:ea typeface="標楷體" panose="03000509000000000000" pitchFamily="65" charset="-120"/>
@@ -12734,7 +12763,7 @@
           <a:lstStyle/>
           <a:p>
             <a:r>
-              <a:rPr lang="zh-TW" altLang="en-US" sz="4400" dirty="0">
+              <a:rPr lang="zh-TW" altLang="en-US" sz="5400" dirty="0">
                 <a:latin typeface="標楷體" panose="03000509000000000000" pitchFamily="65" charset="-120"/>
                 <a:ea typeface="標楷體" panose="03000509000000000000" pitchFamily="65" charset="-120"/>
                 <a:cs typeface="Times New Roman" panose="02020603050405020304" pitchFamily="18" charset="0"/>
@@ -12915,14 +12944,14 @@
           <a:lstStyle/>
           <a:p>
             <a:r>
-              <a:rPr lang="zh-TW" altLang="en-US" sz="4400" dirty="0">
+              <a:rPr lang="zh-TW" altLang="en-US" sz="5400" dirty="0">
                 <a:latin typeface="標楷體" panose="03000509000000000000" pitchFamily="65" charset="-120"/>
                 <a:ea typeface="標楷體" panose="03000509000000000000" pitchFamily="65" charset="-120"/>
                 <a:cs typeface="Times New Roman" panose="02020603050405020304" pitchFamily="18" charset="0"/>
               </a:rPr>
               <a:t>準備</a:t>
             </a:r>
-            <a:endParaRPr lang="en-US" altLang="zh-TW" kern="1200" dirty="0">
+            <a:endParaRPr lang="en-US" altLang="zh-TW" sz="5400" kern="1200" dirty="0">
               <a:latin typeface="Times New Roman" panose="02020603050405020304" pitchFamily="18" charset="0"/>
               <a:cs typeface="Times New Roman" panose="02020603050405020304" pitchFamily="18" charset="0"/>
             </a:endParaRPr>
@@ -12964,7 +12993,7 @@
                 <a:ea typeface="標楷體" panose="03000509000000000000" pitchFamily="65" charset="-120"/>
                 <a:cs typeface="Times New Roman" panose="02020603050405020304" pitchFamily="18" charset="0"/>
               </a:rPr>
-              <a:t>所有資料來源的說明</a:t>
+              <a:t>資料來源</a:t>
             </a:r>
             <a:endParaRPr lang="en-US" altLang="zh-TW" sz="2400" dirty="0">
               <a:latin typeface="標楷體" panose="03000509000000000000" pitchFamily="65" charset="-120"/>
@@ -13131,14 +13160,14 @@
           <a:lstStyle/>
           <a:p>
             <a:r>
-              <a:rPr lang="zh-TW" altLang="en-US" sz="4400" dirty="0">
+              <a:rPr lang="zh-TW" altLang="en-US" sz="5400" dirty="0">
                 <a:latin typeface="標楷體" panose="03000509000000000000" pitchFamily="65" charset="-120"/>
                 <a:ea typeface="標楷體" panose="03000509000000000000" pitchFamily="65" charset="-120"/>
                 <a:cs typeface="Times New Roman" panose="02020603050405020304" pitchFamily="18" charset="0"/>
               </a:rPr>
               <a:t>處理</a:t>
             </a:r>
-            <a:endParaRPr lang="en-US" altLang="zh-TW" kern="1200" dirty="0">
+            <a:endParaRPr lang="en-US" altLang="zh-TW" sz="5400" kern="1200" dirty="0">
               <a:latin typeface="Times New Roman" panose="02020603050405020304" pitchFamily="18" charset="0"/>
               <a:cs typeface="Times New Roman" panose="02020603050405020304" pitchFamily="18" charset="0"/>
             </a:endParaRPr>
@@ -13175,28 +13204,23 @@
           <a:p>
             <a:pPr algn="ctr"/>
             <a:r>
-              <a:rPr lang="zh-TW" altLang="en-US" dirty="0">
-                <a:latin typeface="標楷體" panose="03000509000000000000" pitchFamily="65" charset="-120"/>
-                <a:ea typeface="標楷體" panose="03000509000000000000" pitchFamily="65" charset="-120"/>
-                <a:cs typeface="Times New Roman" panose="02020603050405020304" pitchFamily="18" charset="0"/>
-              </a:rPr>
-              <a:t>任何資料清理或處理的記錄</a:t>
-            </a:r>
-            <a:endParaRPr lang="en-US" altLang="zh-TW" dirty="0">
-              <a:latin typeface="標楷體" panose="03000509000000000000" pitchFamily="65" charset="-120"/>
-              <a:ea typeface="標楷體" panose="03000509000000000000" pitchFamily="65" charset="-120"/>
-              <a:cs typeface="Times New Roman" panose="02020603050405020304" pitchFamily="18" charset="0"/>
-            </a:endParaRPr>
-          </a:p>
-          <a:p>
-            <a:pPr marL="514350"/>
-            <a:r>
               <a:rPr lang="zh-TW" altLang="en-US" sz="2400" dirty="0">
                 <a:latin typeface="標楷體" panose="03000509000000000000" pitchFamily="65" charset="-120"/>
                 <a:ea typeface="標楷體" panose="03000509000000000000" pitchFamily="65" charset="-120"/>
                 <a:cs typeface="Times New Roman" panose="02020603050405020304" pitchFamily="18" charset="0"/>
               </a:rPr>
-              <a:t>在</a:t>
+              <a:t>資料清理</a:t>
+            </a:r>
+          </a:p>
+          <a:p>
+            <a:pPr marL="514350"/>
+            <a:r>
+              <a:rPr lang="zh-TW" altLang="en-US" sz="2400" dirty="0">
+                <a:latin typeface="標楷體" panose="03000509000000000000" pitchFamily="65" charset="-120"/>
+                <a:ea typeface="標楷體" panose="03000509000000000000" pitchFamily="65" charset="-120"/>
+                <a:cs typeface="Times New Roman" panose="02020603050405020304" pitchFamily="18" charset="0"/>
+              </a:rPr>
+              <a:t>在 </a:t>
             </a:r>
             <a:r>
               <a:rPr lang="en-US" altLang="zh-TW" sz="2400" dirty="0" err="1">
@@ -13212,7 +13236,7 @@
                 <a:ea typeface="標楷體" panose="03000509000000000000" pitchFamily="65" charset="-120"/>
                 <a:cs typeface="Times New Roman" panose="02020603050405020304" pitchFamily="18" charset="0"/>
               </a:rPr>
-              <a:t> Notebook</a:t>
+              <a:t> Notebook </a:t>
             </a:r>
             <a:r>
               <a:rPr lang="zh-TW" altLang="en-US" sz="2400" dirty="0">
@@ -13220,7 +13244,7 @@
                 <a:ea typeface="標楷體" panose="03000509000000000000" pitchFamily="65" charset="-120"/>
                 <a:cs typeface="Times New Roman" panose="02020603050405020304" pitchFamily="18" charset="0"/>
               </a:rPr>
-              <a:t>中使用</a:t>
+              <a:t>中使用 </a:t>
             </a:r>
             <a:r>
               <a:rPr lang="en-US" altLang="zh-TW" sz="2400" dirty="0">
@@ -13228,7 +13252,7 @@
                 <a:ea typeface="標楷體" panose="03000509000000000000" pitchFamily="65" charset="-120"/>
                 <a:cs typeface="Times New Roman" panose="02020603050405020304" pitchFamily="18" charset="0"/>
               </a:rPr>
-              <a:t>python</a:t>
+              <a:t>Python </a:t>
             </a:r>
             <a:r>
               <a:rPr lang="zh-TW" altLang="en-US" sz="2400" dirty="0">
@@ -13236,7 +13260,18 @@
                 <a:ea typeface="標楷體" panose="03000509000000000000" pitchFamily="65" charset="-120"/>
                 <a:cs typeface="Times New Roman" panose="02020603050405020304" pitchFamily="18" charset="0"/>
               </a:rPr>
-              <a:t>有助於在短時間內通知和調整，透過在短時間內運行數行程式碼，並在運行後給出結果，節省了大量時間，因此我可以時不時地查看數據，並且可以記錄我採取的每一個步驟。</a:t>
+              <a:t>進行高效率的資料清理和操作。</a:t>
+            </a:r>
+          </a:p>
+          <a:p>
+            <a:pPr marL="514350"/>
+            <a:r>
+              <a:rPr lang="zh-TW" altLang="en-US" sz="2400" dirty="0">
+                <a:latin typeface="標楷體" panose="03000509000000000000" pitchFamily="65" charset="-120"/>
+                <a:ea typeface="標楷體" panose="03000509000000000000" pitchFamily="65" charset="-120"/>
+                <a:cs typeface="Times New Roman" panose="02020603050405020304" pitchFamily="18" charset="0"/>
+              </a:rPr>
+              <a:t>記錄每個步驟以確保可重複性和透明度。</a:t>
             </a:r>
             <a:endParaRPr lang="en-US" altLang="zh-TW" sz="2400" dirty="0">
               <a:latin typeface="標楷體" panose="03000509000000000000" pitchFamily="65" charset="-120"/>
@@ -13344,7 +13379,7 @@
         </p:nvSpPr>
         <p:spPr>
           <a:xfrm>
-            <a:off x="8671560" y="2476500"/>
+            <a:off x="9136510" y="2244026"/>
             <a:ext cx="1097280" cy="464902"/>
           </a:xfrm>
         </p:spPr>
@@ -13387,8 +13422,8 @@
         </p:nvSpPr>
         <p:spPr>
           <a:xfrm>
-            <a:off x="5600700" y="1462327"/>
-            <a:ext cx="6591300" cy="4206073"/>
+            <a:off x="5842861" y="2941401"/>
+            <a:ext cx="6349139" cy="2188537"/>
           </a:xfrm>
         </p:spPr>
         <p:txBody>
@@ -13399,14 +13434,14 @@
           <a:p>
             <a:pPr marL="628650" indent="-342900"/>
             <a:r>
-              <a:rPr lang="zh-TW" altLang="en-US" sz="2200" dirty="0">
+              <a:rPr lang="zh-TW" altLang="en-US" sz="3200" dirty="0">
                 <a:latin typeface="標楷體" panose="03000509000000000000" pitchFamily="65" charset="-120"/>
                 <a:ea typeface="標楷體" panose="03000509000000000000" pitchFamily="65" charset="-120"/>
                 <a:cs typeface="Times New Roman" panose="02020603050405020304" pitchFamily="18" charset="0"/>
               </a:rPr>
               <a:t>散客的平均騎乘時間比會員的平均騎乘時間少。</a:t>
             </a:r>
-            <a:endParaRPr lang="en-US" altLang="zh-TW" sz="2200" dirty="0">
+            <a:endParaRPr lang="en-US" altLang="zh-TW" sz="3200" dirty="0">
               <a:latin typeface="標楷體" panose="03000509000000000000" pitchFamily="65" charset="-120"/>
               <a:ea typeface="標楷體" panose="03000509000000000000" pitchFamily="65" charset="-120"/>
               <a:cs typeface="Times New Roman" panose="02020603050405020304" pitchFamily="18" charset="0"/>
@@ -13512,25 +13547,25 @@
         </p:nvSpPr>
         <p:spPr>
           <a:xfrm>
-            <a:off x="8846820" y="1882140"/>
-            <a:ext cx="1097280" cy="464902"/>
+            <a:off x="8691836" y="1963007"/>
+            <a:ext cx="1754021" cy="768070"/>
           </a:xfrm>
         </p:spPr>
         <p:txBody>
           <a:bodyPr vert="horz" lIns="91440" tIns="45720" rIns="91440" bIns="45720" rtlCol="0" anchor="ctr">
-            <a:normAutofit fontScale="90000"/>
+            <a:noAutofit/>
           </a:bodyPr>
           <a:lstStyle/>
           <a:p>
             <a:r>
-              <a:rPr lang="zh-TW" altLang="en-US" dirty="0">
+              <a:rPr lang="zh-TW" altLang="en-US" sz="5400" dirty="0">
                 <a:latin typeface="標楷體" panose="03000509000000000000" pitchFamily="65" charset="-120"/>
                 <a:ea typeface="標楷體" panose="03000509000000000000" pitchFamily="65" charset="-120"/>
                 <a:cs typeface="Times New Roman" panose="02020603050405020304" pitchFamily="18" charset="0"/>
               </a:rPr>
               <a:t>分析</a:t>
             </a:r>
-            <a:endParaRPr lang="en-US" altLang="zh-TW" dirty="0">
+            <a:endParaRPr lang="en-US" altLang="zh-TW" sz="5400" dirty="0">
               <a:latin typeface="Times New Roman" panose="02020603050405020304" pitchFamily="18" charset="0"/>
               <a:cs typeface="Times New Roman" panose="02020603050405020304" pitchFamily="18" charset="0"/>
             </a:endParaRPr>
@@ -13555,8 +13590,8 @@
         </p:nvSpPr>
         <p:spPr>
           <a:xfrm>
-            <a:off x="6568440" y="1462327"/>
-            <a:ext cx="5623560" cy="4206073"/>
+            <a:off x="6568440" y="2347042"/>
+            <a:ext cx="5623560" cy="3049234"/>
           </a:xfrm>
         </p:spPr>
         <p:txBody>
@@ -13567,14 +13602,14 @@
           <a:p>
             <a:pPr marL="628650" indent="-342900"/>
             <a:r>
-              <a:rPr lang="zh-TW" altLang="en-US" sz="2200" dirty="0">
+              <a:rPr lang="zh-TW" altLang="en-US" sz="3200" dirty="0">
                 <a:latin typeface="標楷體" panose="03000509000000000000" pitchFamily="65" charset="-120"/>
                 <a:ea typeface="標楷體" panose="03000509000000000000" pitchFamily="65" charset="-120"/>
                 <a:cs typeface="Times New Roman" panose="02020603050405020304" pitchFamily="18" charset="0"/>
               </a:rPr>
               <a:t>夏季，散客和會員的旅行次數都達到了最高水準。</a:t>
             </a:r>
-            <a:endParaRPr lang="en-US" altLang="zh-TW" sz="2200" b="0" i="0" dirty="0">
+            <a:endParaRPr lang="en-US" altLang="zh-TW" sz="3200" b="0" i="0" dirty="0">
               <a:solidFill>
                 <a:srgbClr val="3C4043"/>
               </a:solidFill>
@@ -13662,53 +13697,6 @@
       </p:pic>
       <p:sp>
         <p:nvSpPr>
-          <p:cNvPr id="2" name="標題 1">
-            <a:extLst>
-              <a:ext uri="{FF2B5EF4-FFF2-40B4-BE49-F238E27FC236}">
-                <a16:creationId xmlns:a16="http://schemas.microsoft.com/office/drawing/2014/main" id="{62EA6DC5-E21C-514E-0ABF-346F0216418F}"/>
-              </a:ext>
-            </a:extLst>
-          </p:cNvPr>
-          <p:cNvSpPr>
-            <a:spLocks noGrp="1"/>
-          </p:cNvSpPr>
-          <p:nvPr>
-            <p:ph type="title"/>
-          </p:nvPr>
-        </p:nvSpPr>
-        <p:spPr>
-          <a:xfrm>
-            <a:off x="8230734" y="2143353"/>
-            <a:ext cx="1232171" cy="813881"/>
-          </a:xfrm>
-        </p:spPr>
-        <p:txBody>
-          <a:bodyPr vert="horz" lIns="91440" tIns="45720" rIns="91440" bIns="45720" rtlCol="0" anchor="ctr">
-            <a:normAutofit/>
-          </a:bodyPr>
-          <a:lstStyle/>
-          <a:p>
-            <a:pPr algn="ctr"/>
-            <a:r>
-              <a:rPr lang="zh-TW" altLang="en-US" dirty="0">
-                <a:latin typeface="標楷體" panose="03000509000000000000" pitchFamily="65" charset="-120"/>
-                <a:ea typeface="標楷體" panose="03000509000000000000" pitchFamily="65" charset="-120"/>
-                <a:cs typeface="Times New Roman" panose="02020603050405020304" pitchFamily="18" charset="0"/>
-              </a:rPr>
-              <a:t>分析</a:t>
-            </a:r>
-            <a:endParaRPr lang="en-US" altLang="zh-TW" kern="1200" dirty="0">
-              <a:solidFill>
-                <a:schemeClr val="tx1"/>
-              </a:solidFill>
-              <a:latin typeface="Times New Roman" panose="02020603050405020304" pitchFamily="18" charset="0"/>
-              <a:cs typeface="Times New Roman" panose="02020603050405020304" pitchFamily="18" charset="0"/>
-            </a:endParaRPr>
-          </a:p>
-        </p:txBody>
-      </p:sp>
-      <p:sp>
-        <p:nvSpPr>
           <p:cNvPr id="3" name="文字版面配置區 2">
             <a:extLst>
               <a:ext uri="{FF2B5EF4-FFF2-40B4-BE49-F238E27FC236}">
@@ -13725,8 +13713,8 @@
         </p:nvSpPr>
         <p:spPr>
           <a:xfrm>
-            <a:off x="6824276" y="2885375"/>
-            <a:ext cx="4045085" cy="1087249"/>
+            <a:off x="6343829" y="2774238"/>
+            <a:ext cx="4954436" cy="1330164"/>
           </a:xfrm>
         </p:spPr>
         <p:txBody>
@@ -13737,13 +13725,76 @@
           <a:p>
             <a:pPr marL="628650" indent="-342900"/>
             <a:r>
-              <a:rPr lang="zh-TW" altLang="en-US" sz="2200" dirty="0">
+              <a:rPr lang="zh-TW" altLang="en-US" sz="3200" dirty="0">
                 <a:latin typeface="標楷體" panose="03000509000000000000" pitchFamily="65" charset="-120"/>
                 <a:ea typeface="標楷體" panose="03000509000000000000" pitchFamily="65" charset="-120"/>
                 <a:cs typeface="Times New Roman" panose="02020603050405020304" pitchFamily="18" charset="0"/>
               </a:rPr>
-              <a:t>大多數騎乘者都是會員。</a:t>
-            </a:r>
+              <a:t>大多數使用者都是會員。</a:t>
+            </a:r>
+          </a:p>
+        </p:txBody>
+      </p:sp>
+      <p:sp>
+        <p:nvSpPr>
+          <p:cNvPr id="5" name="標題 1">
+            <a:extLst>
+              <a:ext uri="{FF2B5EF4-FFF2-40B4-BE49-F238E27FC236}">
+                <a16:creationId xmlns:a16="http://schemas.microsoft.com/office/drawing/2014/main" id="{32FCBA78-66F4-B487-6306-64ABBFC4375B}"/>
+              </a:ext>
+            </a:extLst>
+          </p:cNvPr>
+          <p:cNvSpPr txBox="1">
+            <a:spLocks/>
+          </p:cNvSpPr>
+          <p:nvPr/>
+        </p:nvSpPr>
+        <p:spPr>
+          <a:xfrm>
+            <a:off x="8133897" y="1985529"/>
+            <a:ext cx="1754021" cy="768070"/>
+          </a:xfrm>
+          <a:prstGeom prst="rect">
+            <a:avLst/>
+          </a:prstGeom>
+        </p:spPr>
+        <p:txBody>
+          <a:bodyPr vert="horz" lIns="91440" tIns="45720" rIns="91440" bIns="45720" rtlCol="0" anchor="ctr">
+            <a:noAutofit/>
+          </a:bodyPr>
+          <a:lstStyle>
+            <a:lvl1pPr algn="l" defTabSz="914400" rtl="0" eaLnBrk="1" latinLnBrk="0" hangingPunct="1">
+              <a:lnSpc>
+                <a:spcPct val="90000"/>
+              </a:lnSpc>
+              <a:spcBef>
+                <a:spcPct val="0"/>
+              </a:spcBef>
+              <a:buNone/>
+              <a:defRPr sz="3200" b="0" i="0" kern="1200" cap="all">
+                <a:solidFill>
+                  <a:schemeClr val="tx1"/>
+                </a:solidFill>
+                <a:effectLst/>
+                <a:latin typeface="+mj-lt"/>
+                <a:ea typeface="+mj-ea"/>
+                <a:cs typeface="+mj-cs"/>
+              </a:defRPr>
+            </a:lvl1pPr>
+          </a:lstStyle>
+          <a:p>
+            <a:r>
+              <a:rPr lang="zh-TW" altLang="en-US" sz="5400" dirty="0">
+                <a:latin typeface="標楷體" panose="03000509000000000000" pitchFamily="65" charset="-120"/>
+                <a:ea typeface="標楷體" panose="03000509000000000000" pitchFamily="65" charset="-120"/>
+                <a:cs typeface="Times New Roman" panose="02020603050405020304" pitchFamily="18" charset="0"/>
+              </a:rPr>
+              <a:t>分析</a:t>
+            </a:r>
+            <a:endParaRPr lang="en-US" altLang="zh-TW" sz="5400" dirty="0">
+              <a:latin typeface="Times New Roman" panose="02020603050405020304" pitchFamily="18" charset="0"/>
+              <a:cs typeface="Times New Roman" panose="02020603050405020304" pitchFamily="18" charset="0"/>
+            </a:endParaRPr>
           </a:p>
         </p:txBody>
       </p:sp>

--- a/Analyze_project/Bike_Share/共享單車如何成功.pptx
+++ b/Analyze_project/Bike_Share/共享單車如何成功.pptx
@@ -912,11 +912,11 @@
 </file>
 
 <file path=ppt/diagrams/colors2.xml><?xml version="1.0" encoding="utf-8"?>
-<dgm:colorsDef xmlns:dgm="http://schemas.openxmlformats.org/drawingml/2006/diagram" xmlns:a="http://schemas.openxmlformats.org/drawingml/2006/main" uniqueId="urn:microsoft.com/office/officeart/2018/5/colors/Iconchunking_neutralicon_colorful1">
+<dgm:colorsDef xmlns:dgm="http://schemas.openxmlformats.org/drawingml/2006/diagram" xmlns:a="http://schemas.openxmlformats.org/drawingml/2006/main" uniqueId="urn:microsoft.com/office/officeart/2005/8/colors/accent1_2">
   <dgm:title val=""/>
   <dgm:desc val=""/>
   <dgm:catLst>
-    <dgm:cat type="colorful" pri="10100"/>
+    <dgm:cat type="accent1" pri="11200"/>
   </dgm:catLst>
   <dgm:styleLbl name="node0">
     <dgm:fillClrLst meth="repeat">
@@ -930,49 +930,21 @@
     <dgm:txFillClrLst/>
     <dgm:txEffectClrLst/>
   </dgm:styleLbl>
-  <dgm:styleLbl name="node1">
+  <dgm:styleLbl name="alignNode1">
     <dgm:fillClrLst meth="repeat">
-      <a:schemeClr val="bg1"/>
+      <a:schemeClr val="accent1"/>
     </dgm:fillClrLst>
     <dgm:linClrLst meth="repeat">
-      <a:schemeClr val="lt1">
-        <a:alpha val="0"/>
-      </a:schemeClr>
-    </dgm:linClrLst>
-    <dgm:effectClrLst/>
-    <dgm:txLinClrLst/>
-    <dgm:txFillClrLst meth="repeat">
-      <a:schemeClr val="dk1"/>
-    </dgm:txFillClrLst>
-    <dgm:txEffectClrLst/>
-  </dgm:styleLbl>
-  <dgm:styleLbl name="alignNode1">
-    <dgm:fillClrLst meth="repeat">
-      <a:schemeClr val="accent2"/>
-      <a:schemeClr val="accent3"/>
-      <a:schemeClr val="accent4"/>
-      <a:schemeClr val="accent5"/>
-      <a:schemeClr val="accent6"/>
-    </dgm:fillClrLst>
-    <dgm:linClrLst meth="repeat">
-      <a:schemeClr val="accent2"/>
-      <a:schemeClr val="accent3"/>
-      <a:schemeClr val="accent4"/>
-      <a:schemeClr val="accent5"/>
-      <a:schemeClr val="accent6"/>
+      <a:schemeClr val="accent1"/>
     </dgm:linClrLst>
     <dgm:effectClrLst/>
     <dgm:txLinClrLst/>
     <dgm:txFillClrLst/>
     <dgm:txEffectClrLst/>
   </dgm:styleLbl>
-  <dgm:styleLbl name="lnNode1">
+  <dgm:styleLbl name="node1">
     <dgm:fillClrLst meth="repeat">
-      <a:schemeClr val="accent2"/>
-      <a:schemeClr val="accent3"/>
-      <a:schemeClr val="accent4"/>
-      <a:schemeClr val="accent5"/>
-      <a:schemeClr val="accent6"/>
+      <a:schemeClr val="accent1"/>
     </dgm:fillClrLst>
     <dgm:linClrLst meth="repeat">
       <a:schemeClr val="lt1"/>
@@ -982,21 +954,21 @@
     <dgm:txFillClrLst/>
     <dgm:txEffectClrLst/>
   </dgm:styleLbl>
+  <dgm:styleLbl name="lnNode1">
+    <dgm:fillClrLst meth="repeat">
+      <a:schemeClr val="accent1"/>
+    </dgm:fillClrLst>
+    <dgm:linClrLst meth="repeat">
+      <a:schemeClr val="lt1"/>
+    </dgm:linClrLst>
+    <dgm:effectClrLst/>
+    <dgm:txLinClrLst/>
+    <dgm:txFillClrLst/>
+    <dgm:txEffectClrLst/>
+  </dgm:styleLbl>
   <dgm:styleLbl name="vennNode1">
     <dgm:fillClrLst meth="repeat">
-      <a:schemeClr val="accent2">
-        <a:alpha val="50000"/>
-      </a:schemeClr>
-      <a:schemeClr val="accent3">
-        <a:alpha val="50000"/>
-      </a:schemeClr>
-      <a:schemeClr val="accent4">
-        <a:alpha val="50000"/>
-      </a:schemeClr>
-      <a:schemeClr val="accent5">
-        <a:alpha val="50000"/>
-      </a:schemeClr>
-      <a:schemeClr val="accent6">
+      <a:schemeClr val="accent1">
         <a:alpha val="50000"/>
       </a:schemeClr>
     </dgm:fillClrLst>
@@ -1009,8 +981,8 @@
     <dgm:txEffectClrLst/>
   </dgm:styleLbl>
   <dgm:styleLbl name="node2">
-    <dgm:fillClrLst>
-      <a:schemeClr val="accent2"/>
+    <dgm:fillClrLst meth="repeat">
+      <a:schemeClr val="accent1"/>
     </dgm:fillClrLst>
     <dgm:linClrLst meth="repeat">
       <a:schemeClr val="lt1"/>
@@ -1021,8 +993,8 @@
     <dgm:txEffectClrLst/>
   </dgm:styleLbl>
   <dgm:styleLbl name="node3">
-    <dgm:fillClrLst>
-      <a:schemeClr val="accent3"/>
+    <dgm:fillClrLst meth="repeat">
+      <a:schemeClr val="accent1"/>
     </dgm:fillClrLst>
     <dgm:linClrLst meth="repeat">
       <a:schemeClr val="lt1"/>
@@ -1033,8 +1005,8 @@
     <dgm:txEffectClrLst/>
   </dgm:styleLbl>
   <dgm:styleLbl name="node4">
-    <dgm:fillClrLst>
-      <a:schemeClr val="accent4"/>
+    <dgm:fillClrLst meth="repeat">
+      <a:schemeClr val="accent1"/>
     </dgm:fillClrLst>
     <dgm:linClrLst meth="repeat">
       <a:schemeClr val="lt1"/>
@@ -1046,19 +1018,7 @@
   </dgm:styleLbl>
   <dgm:styleLbl name="fgImgPlace1">
     <dgm:fillClrLst meth="repeat">
-      <a:schemeClr val="accent2">
-        <a:tint val="50000"/>
-      </a:schemeClr>
-      <a:schemeClr val="accent3">
-        <a:tint val="50000"/>
-      </a:schemeClr>
-      <a:schemeClr val="accent4">
-        <a:tint val="50000"/>
-      </a:schemeClr>
-      <a:schemeClr val="accent5">
-        <a:tint val="50000"/>
-      </a:schemeClr>
-      <a:schemeClr val="accent6">
+      <a:schemeClr val="accent1">
         <a:tint val="50000"/>
       </a:schemeClr>
     </dgm:fillClrLst>
@@ -1073,12 +1033,9 @@
     <dgm:txEffectClrLst/>
   </dgm:styleLbl>
   <dgm:styleLbl name="alignImgPlace1">
-    <dgm:fillClrLst>
+    <dgm:fillClrLst meth="repeat">
       <a:schemeClr val="accent1">
         <a:tint val="50000"/>
-      </a:schemeClr>
-      <a:schemeClr val="accent2">
-        <a:tint val="20000"/>
       </a:schemeClr>
     </dgm:fillClrLst>
     <dgm:linClrLst meth="repeat">
@@ -1092,12 +1049,9 @@
     <dgm:txEffectClrLst/>
   </dgm:styleLbl>
   <dgm:styleLbl name="bgImgPlace1">
-    <dgm:fillClrLst>
+    <dgm:fillClrLst meth="repeat">
       <a:schemeClr val="accent1">
         <a:tint val="50000"/>
-      </a:schemeClr>
-      <a:schemeClr val="accent2">
-        <a:tint val="20000"/>
       </a:schemeClr>
     </dgm:fillClrLst>
     <dgm:linClrLst meth="repeat">
@@ -1112,14 +1066,14 @@
   </dgm:styleLbl>
   <dgm:styleLbl name="sibTrans2D1">
     <dgm:fillClrLst meth="repeat">
-      <a:schemeClr val="accent2"/>
-      <a:schemeClr val="accent3"/>
-      <a:schemeClr val="accent4"/>
-      <a:schemeClr val="accent5"/>
-      <a:schemeClr val="accent6"/>
+      <a:schemeClr val="accent1">
+        <a:tint val="60000"/>
+      </a:schemeClr>
     </dgm:fillClrLst>
-    <dgm:linClrLst meth="cycle">
-      <a:schemeClr val="lt1"/>
+    <dgm:linClrLst meth="repeat">
+      <a:schemeClr val="accent1">
+        <a:tint val="60000"/>
+      </a:schemeClr>
     </dgm:linClrLst>
     <dgm:effectClrLst/>
     <dgm:txLinClrLst/>
@@ -1128,54 +1082,42 @@
   </dgm:styleLbl>
   <dgm:styleLbl name="fgSibTrans2D1">
     <dgm:fillClrLst meth="repeat">
-      <a:schemeClr val="accent2"/>
-      <a:schemeClr val="accent3"/>
-      <a:schemeClr val="accent4"/>
-      <a:schemeClr val="accent5"/>
-      <a:schemeClr val="accent6"/>
+      <a:schemeClr val="accent1">
+        <a:tint val="60000"/>
+      </a:schemeClr>
     </dgm:fillClrLst>
-    <dgm:linClrLst meth="cycle">
-      <a:schemeClr val="lt1"/>
+    <dgm:linClrLst meth="repeat">
+      <a:schemeClr val="accent1">
+        <a:tint val="60000"/>
+      </a:schemeClr>
     </dgm:linClrLst>
     <dgm:effectClrLst/>
     <dgm:txLinClrLst/>
-    <dgm:txFillClrLst meth="repeat">
-      <a:schemeClr val="lt1"/>
-    </dgm:txFillClrLst>
+    <dgm:txFillClrLst/>
     <dgm:txEffectClrLst/>
   </dgm:styleLbl>
   <dgm:styleLbl name="bgSibTrans2D1">
     <dgm:fillClrLst meth="repeat">
-      <a:schemeClr val="accent2"/>
-      <a:schemeClr val="accent3"/>
-      <a:schemeClr val="accent4"/>
-      <a:schemeClr val="accent5"/>
-      <a:schemeClr val="accent6"/>
+      <a:schemeClr val="accent1">
+        <a:tint val="60000"/>
+      </a:schemeClr>
     </dgm:fillClrLst>
-    <dgm:linClrLst meth="cycle">
-      <a:schemeClr val="lt1"/>
+    <dgm:linClrLst meth="repeat">
+      <a:schemeClr val="accent1">
+        <a:tint val="60000"/>
+      </a:schemeClr>
     </dgm:linClrLst>
     <dgm:effectClrLst/>
     <dgm:txLinClrLst/>
-    <dgm:txFillClrLst meth="repeat">
-      <a:schemeClr val="lt1"/>
-    </dgm:txFillClrLst>
+    <dgm:txFillClrLst/>
     <dgm:txEffectClrLst/>
   </dgm:styleLbl>
   <dgm:styleLbl name="sibTrans1D1">
     <dgm:fillClrLst meth="repeat">
-      <a:schemeClr val="accent2"/>
-      <a:schemeClr val="accent3"/>
-      <a:schemeClr val="accent4"/>
-      <a:schemeClr val="accent5"/>
-      <a:schemeClr val="accent6"/>
+      <a:schemeClr val="accent1"/>
     </dgm:fillClrLst>
     <dgm:linClrLst meth="repeat">
-      <a:schemeClr val="accent2"/>
-      <a:schemeClr val="accent3"/>
-      <a:schemeClr val="accent4"/>
-      <a:schemeClr val="accent5"/>
-      <a:schemeClr val="accent6"/>
+      <a:schemeClr val="accent1"/>
     </dgm:linClrLst>
     <dgm:effectClrLst/>
     <dgm:txLinClrLst/>
@@ -1186,10 +1128,10 @@
   </dgm:styleLbl>
   <dgm:styleLbl name="callout">
     <dgm:fillClrLst meth="repeat">
-      <a:schemeClr val="accent2"/>
+      <a:schemeClr val="accent1"/>
     </dgm:fillClrLst>
     <dgm:linClrLst meth="repeat">
-      <a:schemeClr val="accent2">
+      <a:schemeClr val="accent1">
         <a:tint val="50000"/>
       </a:schemeClr>
     </dgm:linClrLst>
@@ -1214,7 +1156,7 @@
   </dgm:styleLbl>
   <dgm:styleLbl name="asst1">
     <dgm:fillClrLst meth="repeat">
-      <a:schemeClr val="accent2"/>
+      <a:schemeClr val="accent1"/>
     </dgm:fillClrLst>
     <dgm:linClrLst meth="repeat">
       <a:schemeClr val="lt1"/>
@@ -1225,8 +1167,8 @@
     <dgm:txEffectClrLst/>
   </dgm:styleLbl>
   <dgm:styleLbl name="asst2">
-    <dgm:fillClrLst>
-      <a:schemeClr val="accent3"/>
+    <dgm:fillClrLst meth="repeat">
+      <a:schemeClr val="accent1"/>
     </dgm:fillClrLst>
     <dgm:linClrLst meth="repeat">
       <a:schemeClr val="lt1"/>
@@ -1237,8 +1179,8 @@
     <dgm:txEffectClrLst/>
   </dgm:styleLbl>
   <dgm:styleLbl name="asst3">
-    <dgm:fillClrLst>
-      <a:schemeClr val="accent4"/>
+    <dgm:fillClrLst meth="repeat">
+      <a:schemeClr val="accent1"/>
     </dgm:fillClrLst>
     <dgm:linClrLst meth="repeat">
       <a:schemeClr val="lt1"/>
@@ -1249,8 +1191,8 @@
     <dgm:txEffectClrLst/>
   </dgm:styleLbl>
   <dgm:styleLbl name="asst4">
-    <dgm:fillClrLst>
-      <a:schemeClr val="accent5"/>
+    <dgm:fillClrLst meth="repeat">
+      <a:schemeClr val="accent1"/>
     </dgm:fillClrLst>
     <dgm:linClrLst meth="repeat">
       <a:schemeClr val="lt1"/>
@@ -1262,10 +1204,14 @@
   </dgm:styleLbl>
   <dgm:styleLbl name="parChTrans2D1">
     <dgm:fillClrLst meth="repeat">
-      <a:schemeClr val="accent2"/>
+      <a:schemeClr val="accent1">
+        <a:tint val="60000"/>
+      </a:schemeClr>
     </dgm:fillClrLst>
     <dgm:linClrLst meth="repeat">
-      <a:schemeClr val="lt1"/>
+      <a:schemeClr val="accent1">
+        <a:tint val="60000"/>
+      </a:schemeClr>
     </dgm:linClrLst>
     <dgm:effectClrLst/>
     <dgm:txLinClrLst/>
@@ -1276,34 +1222,10 @@
   </dgm:styleLbl>
   <dgm:styleLbl name="parChTrans2D2">
     <dgm:fillClrLst meth="repeat">
-      <a:schemeClr val="accent3"/>
+      <a:schemeClr val="accent1"/>
     </dgm:fillClrLst>
     <dgm:linClrLst meth="repeat">
-      <a:schemeClr val="lt1"/>
-    </dgm:linClrLst>
-    <dgm:effectClrLst/>
-    <dgm:txLinClrLst/>
-    <dgm:txFillClrLst/>
-    <dgm:txEffectClrLst/>
-  </dgm:styleLbl>
-  <dgm:styleLbl name="parChTrans2D3">
-    <dgm:fillClrLst meth="repeat">
-      <a:schemeClr val="accent4"/>
-    </dgm:fillClrLst>
-    <dgm:linClrLst meth="repeat">
-      <a:schemeClr val="lt1"/>
-    </dgm:linClrLst>
-    <dgm:effectClrLst/>
-    <dgm:txLinClrLst/>
-    <dgm:txFillClrLst/>
-    <dgm:txEffectClrLst/>
-  </dgm:styleLbl>
-  <dgm:styleLbl name="parChTrans2D4">
-    <dgm:fillClrLst meth="repeat">
-      <a:schemeClr val="accent5"/>
-    </dgm:fillClrLst>
-    <dgm:linClrLst meth="repeat">
-      <a:schemeClr val="lt1"/>
+      <a:schemeClr val="accent1"/>
     </dgm:linClrLst>
     <dgm:effectClrLst/>
     <dgm:txLinClrLst/>
@@ -1312,9 +1234,9 @@
     </dgm:txFillClrLst>
     <dgm:txEffectClrLst/>
   </dgm:styleLbl>
-  <dgm:styleLbl name="parChTrans1D1">
+  <dgm:styleLbl name="parChTrans2D3">
     <dgm:fillClrLst meth="repeat">
-      <a:schemeClr val="accent2"/>
+      <a:schemeClr val="accent1"/>
     </dgm:fillClrLst>
     <dgm:linClrLst meth="repeat">
       <a:schemeClr val="accent1"/>
@@ -1322,18 +1244,32 @@
     <dgm:effectClrLst/>
     <dgm:txLinClrLst/>
     <dgm:txFillClrLst meth="repeat">
-      <a:schemeClr val="tx1"/>
+      <a:schemeClr val="lt1"/>
     </dgm:txFillClrLst>
     <dgm:txEffectClrLst/>
   </dgm:styleLbl>
-  <dgm:styleLbl name="parChTrans1D2">
+  <dgm:styleLbl name="parChTrans2D4">
     <dgm:fillClrLst meth="repeat">
-      <a:schemeClr val="accent3">
-        <a:tint val="90000"/>
-      </a:schemeClr>
+      <a:schemeClr val="accent1"/>
     </dgm:fillClrLst>
     <dgm:linClrLst meth="repeat">
-      <a:schemeClr val="accent2"/>
+      <a:schemeClr val="accent1"/>
+    </dgm:linClrLst>
+    <dgm:effectClrLst/>
+    <dgm:txLinClrLst/>
+    <dgm:txFillClrLst meth="repeat">
+      <a:schemeClr val="lt1"/>
+    </dgm:txFillClrLst>
+    <dgm:txEffectClrLst/>
+  </dgm:styleLbl>
+  <dgm:styleLbl name="parChTrans1D1">
+    <dgm:fillClrLst meth="repeat">
+      <a:schemeClr val="accent1"/>
+    </dgm:fillClrLst>
+    <dgm:linClrLst meth="repeat">
+      <a:schemeClr val="accent1">
+        <a:shade val="60000"/>
+      </a:schemeClr>
     </dgm:linClrLst>
     <dgm:effectClrLst/>
     <dgm:txLinClrLst/>
@@ -1342,14 +1278,14 @@
     </dgm:txFillClrLst>
     <dgm:txEffectClrLst/>
   </dgm:styleLbl>
-  <dgm:styleLbl name="parChTrans1D3">
+  <dgm:styleLbl name="parChTrans1D2">
     <dgm:fillClrLst meth="repeat">
-      <a:schemeClr val="accent4">
-        <a:tint val="70000"/>
-      </a:schemeClr>
+      <a:schemeClr val="accent1"/>
     </dgm:fillClrLst>
     <dgm:linClrLst meth="repeat">
-      <a:schemeClr val="accent3"/>
+      <a:schemeClr val="accent1">
+        <a:shade val="60000"/>
+      </a:schemeClr>
     </dgm:linClrLst>
     <dgm:effectClrLst/>
     <dgm:txLinClrLst/>
@@ -1358,14 +1294,14 @@
     </dgm:txFillClrLst>
     <dgm:txEffectClrLst/>
   </dgm:styleLbl>
-  <dgm:styleLbl name="parChTrans1D4">
+  <dgm:styleLbl name="parChTrans1D3">
     <dgm:fillClrLst meth="repeat">
-      <a:schemeClr val="accent5">
-        <a:tint val="50000"/>
-      </a:schemeClr>
+      <a:schemeClr val="accent1"/>
     </dgm:fillClrLst>
     <dgm:linClrLst meth="repeat">
-      <a:schemeClr val="accent4"/>
+      <a:schemeClr val="accent1">
+        <a:shade val="80000"/>
+      </a:schemeClr>
     </dgm:linClrLst>
     <dgm:effectClrLst/>
     <dgm:txLinClrLst/>
@@ -1374,6 +1310,22 @@
     </dgm:txFillClrLst>
     <dgm:txEffectClrLst/>
   </dgm:styleLbl>
+  <dgm:styleLbl name="parChTrans1D4">
+    <dgm:fillClrLst meth="repeat">
+      <a:schemeClr val="accent1"/>
+    </dgm:fillClrLst>
+    <dgm:linClrLst meth="repeat">
+      <a:schemeClr val="accent1">
+        <a:shade val="80000"/>
+      </a:schemeClr>
+    </dgm:linClrLst>
+    <dgm:effectClrLst/>
+    <dgm:txLinClrLst/>
+    <dgm:txFillClrLst meth="repeat">
+      <a:schemeClr val="tx1"/>
+    </dgm:txFillClrLst>
+    <dgm:txEffectClrLst/>
+  </dgm:styleLbl>
   <dgm:styleLbl name="fgAcc1">
     <dgm:fillClrLst meth="repeat">
       <a:schemeClr val="lt1">
@@ -1381,11 +1333,7 @@
       </a:schemeClr>
     </dgm:fillClrLst>
     <dgm:linClrLst meth="repeat">
-      <a:schemeClr val="accent2"/>
-      <a:schemeClr val="accent3"/>
-      <a:schemeClr val="accent4"/>
-      <a:schemeClr val="accent5"/>
-      <a:schemeClr val="accent6"/>
+      <a:schemeClr val="accent1"/>
     </dgm:linClrLst>
     <dgm:effectClrLst/>
     <dgm:txLinClrLst/>
@@ -1401,11 +1349,7 @@
       </a:schemeClr>
     </dgm:fillClrLst>
     <dgm:linClrLst meth="repeat">
-      <a:schemeClr val="accent2"/>
-      <a:schemeClr val="accent3"/>
-      <a:schemeClr val="accent4"/>
-      <a:schemeClr val="accent5"/>
-      <a:schemeClr val="accent6"/>
+      <a:schemeClr val="accent1"/>
     </dgm:linClrLst>
     <dgm:effectClrLst/>
     <dgm:txLinClrLst/>
@@ -1421,11 +1365,7 @@
       </a:schemeClr>
     </dgm:fillClrLst>
     <dgm:linClrLst meth="repeat">
-      <a:schemeClr val="accent2"/>
-      <a:schemeClr val="accent3"/>
-      <a:schemeClr val="accent4"/>
-      <a:schemeClr val="accent5"/>
-      <a:schemeClr val="accent6"/>
+      <a:schemeClr val="accent1"/>
     </dgm:linClrLst>
     <dgm:effectClrLst/>
     <dgm:txLinClrLst/>
@@ -1457,11 +1397,7 @@
       </a:schemeClr>
     </dgm:fillClrLst>
     <dgm:linClrLst meth="repeat">
-      <a:schemeClr val="accent2"/>
-      <a:schemeClr val="accent3"/>
-      <a:schemeClr val="accent4"/>
-      <a:schemeClr val="accent5"/>
-      <a:schemeClr val="accent6"/>
+      <a:schemeClr val="accent1"/>
     </dgm:linClrLst>
     <dgm:effectClrLst/>
     <dgm:txLinClrLst/>
@@ -1475,11 +1411,7 @@
       <a:schemeClr val="lt1"/>
     </dgm:fillClrLst>
     <dgm:linClrLst meth="repeat">
-      <a:schemeClr val="accent2"/>
-      <a:schemeClr val="accent3"/>
-      <a:schemeClr val="accent4"/>
-      <a:schemeClr val="accent5"/>
-      <a:schemeClr val="accent6"/>
+      <a:schemeClr val="accent1"/>
     </dgm:linClrLst>
     <dgm:effectClrLst/>
     <dgm:txLinClrLst/>
@@ -1493,11 +1425,7 @@
       <a:schemeClr val="lt1"/>
     </dgm:fillClrLst>
     <dgm:linClrLst meth="repeat">
-      <a:schemeClr val="accent2"/>
-      <a:schemeClr val="accent3"/>
-      <a:schemeClr val="accent4"/>
-      <a:schemeClr val="accent5"/>
-      <a:schemeClr val="accent6"/>
+      <a:schemeClr val="accent1"/>
     </dgm:linClrLst>
     <dgm:effectClrLst/>
     <dgm:txLinClrLst/>
@@ -1511,11 +1439,7 @@
       <a:schemeClr val="lt1"/>
     </dgm:fillClrLst>
     <dgm:linClrLst meth="repeat">
-      <a:schemeClr val="accent2"/>
-      <a:schemeClr val="accent3"/>
-      <a:schemeClr val="accent4"/>
-      <a:schemeClr val="accent5"/>
-      <a:schemeClr val="accent6"/>
+      <a:schemeClr val="accent1"/>
     </dgm:linClrLst>
     <dgm:effectClrLst/>
     <dgm:txLinClrLst/>
@@ -1526,47 +1450,15 @@
   </dgm:styleLbl>
   <dgm:styleLbl name="fgAccFollowNode1">
     <dgm:fillClrLst meth="repeat">
-      <a:schemeClr val="accent2">
+      <a:schemeClr val="accent1">
+        <a:alpha val="90000"/>
         <a:tint val="40000"/>
-        <a:alpha val="90000"/>
-      </a:schemeClr>
-      <a:schemeClr val="accent3">
-        <a:tint val="40000"/>
-        <a:alpha val="90000"/>
-      </a:schemeClr>
-      <a:schemeClr val="accent4">
-        <a:tint val="40000"/>
-        <a:alpha val="90000"/>
-      </a:schemeClr>
-      <a:schemeClr val="accent5">
-        <a:tint val="40000"/>
-        <a:alpha val="90000"/>
-      </a:schemeClr>
-      <a:schemeClr val="accent6">
-        <a:tint val="40000"/>
-        <a:alpha val="90000"/>
       </a:schemeClr>
     </dgm:fillClrLst>
     <dgm:linClrLst meth="repeat">
-      <a:schemeClr val="accent2">
+      <a:schemeClr val="accent1">
+        <a:alpha val="90000"/>
         <a:tint val="40000"/>
-        <a:alpha val="90000"/>
-      </a:schemeClr>
-      <a:schemeClr val="accent3">
-        <a:tint val="40000"/>
-        <a:alpha val="90000"/>
-      </a:schemeClr>
-      <a:schemeClr val="accent4">
-        <a:tint val="40000"/>
-        <a:alpha val="90000"/>
-      </a:schemeClr>
-      <a:schemeClr val="accent5">
-        <a:tint val="40000"/>
-        <a:alpha val="90000"/>
-      </a:schemeClr>
-      <a:schemeClr val="accent6">
-        <a:tint val="40000"/>
-        <a:alpha val="90000"/>
       </a:schemeClr>
     </dgm:linClrLst>
     <dgm:effectClrLst/>
@@ -1578,47 +1470,15 @@
   </dgm:styleLbl>
   <dgm:styleLbl name="alignAccFollowNode1">
     <dgm:fillClrLst meth="repeat">
-      <a:schemeClr val="accent2">
+      <a:schemeClr val="accent1">
+        <a:alpha val="90000"/>
         <a:tint val="40000"/>
-        <a:alpha val="90000"/>
-      </a:schemeClr>
-      <a:schemeClr val="accent3">
-        <a:tint val="40000"/>
-        <a:alpha val="90000"/>
-      </a:schemeClr>
-      <a:schemeClr val="accent4">
-        <a:tint val="40000"/>
-        <a:alpha val="90000"/>
-      </a:schemeClr>
-      <a:schemeClr val="accent5">
-        <a:tint val="40000"/>
-        <a:alpha val="90000"/>
-      </a:schemeClr>
-      <a:schemeClr val="accent6">
-        <a:tint val="40000"/>
-        <a:alpha val="90000"/>
       </a:schemeClr>
     </dgm:fillClrLst>
     <dgm:linClrLst meth="repeat">
-      <a:schemeClr val="accent2">
+      <a:schemeClr val="accent1">
+        <a:alpha val="90000"/>
         <a:tint val="40000"/>
-        <a:alpha val="90000"/>
-      </a:schemeClr>
-      <a:schemeClr val="accent3">
-        <a:tint val="40000"/>
-        <a:alpha val="90000"/>
-      </a:schemeClr>
-      <a:schemeClr val="accent4">
-        <a:tint val="40000"/>
-        <a:alpha val="90000"/>
-      </a:schemeClr>
-      <a:schemeClr val="accent5">
-        <a:tint val="40000"/>
-        <a:alpha val="90000"/>
-      </a:schemeClr>
-      <a:schemeClr val="accent6">
-        <a:tint val="40000"/>
-        <a:alpha val="90000"/>
       </a:schemeClr>
     </dgm:linClrLst>
     <dgm:effectClrLst/>
@@ -1630,47 +1490,15 @@
   </dgm:styleLbl>
   <dgm:styleLbl name="bgAccFollowNode1">
     <dgm:fillClrLst meth="repeat">
-      <a:schemeClr val="accent2">
+      <a:schemeClr val="accent1">
+        <a:alpha val="90000"/>
         <a:tint val="40000"/>
-        <a:alpha val="90000"/>
-      </a:schemeClr>
-      <a:schemeClr val="accent3">
-        <a:tint val="40000"/>
-        <a:alpha val="90000"/>
-      </a:schemeClr>
-      <a:schemeClr val="accent4">
-        <a:tint val="40000"/>
-        <a:alpha val="90000"/>
-      </a:schemeClr>
-      <a:schemeClr val="accent5">
-        <a:tint val="40000"/>
-        <a:alpha val="90000"/>
-      </a:schemeClr>
-      <a:schemeClr val="accent6">
-        <a:tint val="40000"/>
-        <a:alpha val="90000"/>
       </a:schemeClr>
     </dgm:fillClrLst>
     <dgm:linClrLst meth="repeat">
-      <a:schemeClr val="accent2">
+      <a:schemeClr val="accent1">
+        <a:alpha val="90000"/>
         <a:tint val="40000"/>
-        <a:alpha val="90000"/>
-      </a:schemeClr>
-      <a:schemeClr val="accent3">
-        <a:tint val="40000"/>
-        <a:alpha val="90000"/>
-      </a:schemeClr>
-      <a:schemeClr val="accent4">
-        <a:tint val="40000"/>
-        <a:alpha val="90000"/>
-      </a:schemeClr>
-      <a:schemeClr val="accent5">
-        <a:tint val="40000"/>
-        <a:alpha val="90000"/>
-      </a:schemeClr>
-      <a:schemeClr val="accent6">
-        <a:tint val="40000"/>
-        <a:alpha val="90000"/>
       </a:schemeClr>
     </dgm:linClrLst>
     <dgm:effectClrLst/>
@@ -1686,7 +1514,7 @@
         <a:alpha val="90000"/>
       </a:schemeClr>
     </dgm:fillClrLst>
-    <dgm:linClrLst>
+    <dgm:linClrLst meth="repeat">
       <a:schemeClr val="accent1"/>
     </dgm:linClrLst>
     <dgm:effectClrLst/>
@@ -1702,8 +1530,8 @@
         <a:alpha val="90000"/>
       </a:schemeClr>
     </dgm:fillClrLst>
-    <dgm:linClrLst>
-      <a:schemeClr val="accent2"/>
+    <dgm:linClrLst meth="repeat">
+      <a:schemeClr val="accent1"/>
     </dgm:linClrLst>
     <dgm:effectClrLst/>
     <dgm:txLinClrLst/>
@@ -1718,8 +1546,8 @@
         <a:alpha val="90000"/>
       </a:schemeClr>
     </dgm:fillClrLst>
-    <dgm:linClrLst>
-      <a:schemeClr val="accent3"/>
+    <dgm:linClrLst meth="repeat">
+      <a:schemeClr val="accent1"/>
     </dgm:linClrLst>
     <dgm:effectClrLst/>
     <dgm:txLinClrLst/>
@@ -1734,8 +1562,8 @@
         <a:alpha val="90000"/>
       </a:schemeClr>
     </dgm:fillClrLst>
-    <dgm:linClrLst>
-      <a:schemeClr val="accent4"/>
+    <dgm:linClrLst meth="repeat">
+      <a:schemeClr val="accent1"/>
     </dgm:linClrLst>
     <dgm:effectClrLst/>
     <dgm:txLinClrLst/>
@@ -1746,30 +1574,28 @@
   </dgm:styleLbl>
   <dgm:styleLbl name="bgShp">
     <dgm:fillClrLst meth="repeat">
-      <a:schemeClr val="accent2"/>
-      <a:schemeClr val="accent3"/>
-      <a:schemeClr val="accent4"/>
-      <a:schemeClr val="accent5"/>
-      <a:schemeClr val="accent6"/>
+      <a:schemeClr val="accent1">
+        <a:tint val="40000"/>
+      </a:schemeClr>
     </dgm:fillClrLst>
     <dgm:linClrLst meth="repeat">
-      <a:schemeClr val="lt1">
-        <a:alpha val="0"/>
-      </a:schemeClr>
+      <a:schemeClr val="accent1"/>
     </dgm:linClrLst>
     <dgm:effectClrLst/>
     <dgm:txLinClrLst/>
-    <dgm:txFillClrLst/>
+    <dgm:txFillClrLst meth="repeat">
+      <a:schemeClr val="dk1"/>
+    </dgm:txFillClrLst>
     <dgm:txEffectClrLst/>
   </dgm:styleLbl>
   <dgm:styleLbl name="dkBgShp">
     <dgm:fillClrLst meth="repeat">
-      <a:schemeClr val="accent2">
-        <a:shade val="90000"/>
+      <a:schemeClr val="accent1">
+        <a:shade val="80000"/>
       </a:schemeClr>
     </dgm:fillClrLst>
     <dgm:linClrLst meth="repeat">
-      <a:schemeClr val="dk1"/>
+      <a:schemeClr val="accent1"/>
     </dgm:linClrLst>
     <dgm:effectClrLst/>
     <dgm:txLinClrLst/>
@@ -1786,7 +1612,7 @@
       </a:schemeClr>
     </dgm:fillClrLst>
     <dgm:linClrLst meth="repeat">
-      <a:schemeClr val="accent2"/>
+      <a:schemeClr val="accent1"/>
     </dgm:linClrLst>
     <dgm:effectClrLst/>
     <dgm:txLinClrLst/>
@@ -1797,8 +1623,8 @@
   </dgm:styleLbl>
   <dgm:styleLbl name="fgShp">
     <dgm:fillClrLst meth="repeat">
-      <a:schemeClr val="accent2">
-        <a:tint val="40000"/>
+      <a:schemeClr val="accent1">
+        <a:tint val="60000"/>
       </a:schemeClr>
     </dgm:fillClrLst>
     <dgm:linClrLst meth="repeat">
@@ -2292,7 +2118,7 @@
 <dgm:dataModel xmlns:dgm="http://schemas.openxmlformats.org/drawingml/2006/diagram" xmlns:a="http://schemas.openxmlformats.org/drawingml/2006/main">
   <dgm:ptLst>
     <dgm:pt modelId="{54099E61-6EA9-40C9-B9F8-A3589E994783}" type="doc">
-      <dgm:prSet loTypeId="urn:microsoft.com/office/officeart/2018/5/layout/IconCircleLabelList" loCatId="icon" qsTypeId="urn:microsoft.com/office/officeart/2005/8/quickstyle/simple1" qsCatId="simple" csTypeId="urn:microsoft.com/office/officeart/2018/5/colors/Iconchunking_neutralicon_colorful1" csCatId="colorful" phldr="1"/>
+      <dgm:prSet loTypeId="urn:microsoft.com/office/officeart/2018/5/layout/IconCircleLabelList" loCatId="icon" qsTypeId="urn:microsoft.com/office/officeart/2005/8/quickstyle/simple1" qsCatId="simple" csTypeId="urn:microsoft.com/office/officeart/2005/8/colors/accent1_2" csCatId="accent1" phldr="1"/>
       <dgm:spPr/>
       <dgm:t>
         <a:bodyPr/>
@@ -2309,7 +2135,7 @@
         <a:bodyPr/>
         <a:lstStyle/>
         <a:p>
-          <a:pPr>
+          <a:pPr algn="ctr">
             <a:lnSpc>
               <a:spcPct val="100000"/>
             </a:lnSpc>
@@ -2317,11 +2143,106 @@
           </a:pPr>
           <a:r>
             <a:rPr lang="en-US" sz="2400" dirty="0">
-              <a:latin typeface="Times New Roman" panose="02020603050405020304" pitchFamily="18" charset="0"/>
-              <a:cs typeface="Times New Roman" panose="02020603050405020304" pitchFamily="18" charset="0"/>
+              <a:latin typeface="標楷體" panose="03000509000000000000" pitchFamily="65" charset="-120"/>
+              <a:ea typeface="標楷體" panose="03000509000000000000" pitchFamily="65" charset="-120"/>
             </a:rPr>
-            <a:t>hanks for listening</a:t>
+            <a:t>A</a:t>
           </a:r>
+          <a:r>
+            <a:rPr lang="zh-TW" sz="2400" dirty="0">
+              <a:latin typeface="標楷體" panose="03000509000000000000" pitchFamily="65" charset="-120"/>
+              <a:ea typeface="標楷體" panose="03000509000000000000" pitchFamily="65" charset="-120"/>
+            </a:rPr>
+            <a:t>：了解使用模式（分析流程）</a:t>
+          </a:r>
+        </a:p>
+        <a:p>
+          <a:pPr algn="l">
+            <a:lnSpc>
+              <a:spcPct val="100000"/>
+            </a:lnSpc>
+          </a:pPr>
+          <a:r>
+            <a:rPr lang="en-US" altLang="zh-TW" sz="2400" dirty="0">
+              <a:latin typeface="標楷體" panose="03000509000000000000" pitchFamily="65" charset="-120"/>
+              <a:ea typeface="標楷體" panose="03000509000000000000" pitchFamily="65" charset="-120"/>
+            </a:rPr>
+            <a:t>- </a:t>
+          </a:r>
+          <a:r>
+            <a:rPr lang="zh-TW" sz="2400" dirty="0">
+              <a:latin typeface="標楷體" panose="03000509000000000000" pitchFamily="65" charset="-120"/>
+              <a:ea typeface="標楷體" panose="03000509000000000000" pitchFamily="65" charset="-120"/>
+            </a:rPr>
+            <a:t>行程持續時間</a:t>
+          </a:r>
+        </a:p>
+        <a:p>
+          <a:pPr algn="l">
+            <a:lnSpc>
+              <a:spcPct val="100000"/>
+            </a:lnSpc>
+          </a:pPr>
+          <a:r>
+            <a:rPr lang="en-US" sz="2400" dirty="0">
+              <a:latin typeface="標楷體" panose="03000509000000000000" pitchFamily="65" charset="-120"/>
+              <a:ea typeface="標楷體" panose="03000509000000000000" pitchFamily="65" charset="-120"/>
+            </a:rPr>
+            <a:t>- </a:t>
+          </a:r>
+          <a:r>
+            <a:rPr lang="zh-TW" sz="2400" dirty="0">
+              <a:latin typeface="標楷體" panose="03000509000000000000" pitchFamily="65" charset="-120"/>
+              <a:ea typeface="標楷體" panose="03000509000000000000" pitchFamily="65" charset="-120"/>
+            </a:rPr>
+            <a:t>季節性趨勢</a:t>
+          </a:r>
+        </a:p>
+        <a:p>
+          <a:pPr algn="l">
+            <a:lnSpc>
+              <a:spcPct val="100000"/>
+            </a:lnSpc>
+          </a:pPr>
+          <a:r>
+            <a:rPr lang="en-US" sz="2400" dirty="0">
+              <a:latin typeface="標楷體" panose="03000509000000000000" pitchFamily="65" charset="-120"/>
+              <a:ea typeface="標楷體" panose="03000509000000000000" pitchFamily="65" charset="-120"/>
+            </a:rPr>
+            <a:t>- </a:t>
+          </a:r>
+          <a:r>
+            <a:rPr lang="zh-TW" sz="2400" dirty="0">
+              <a:latin typeface="標楷體" panose="03000509000000000000" pitchFamily="65" charset="-120"/>
+              <a:ea typeface="標楷體" panose="03000509000000000000" pitchFamily="65" charset="-120"/>
+            </a:rPr>
+            <a:t>自行車偏好</a:t>
+          </a:r>
+        </a:p>
+        <a:p>
+          <a:pPr algn="l">
+            <a:lnSpc>
+              <a:spcPct val="100000"/>
+            </a:lnSpc>
+          </a:pPr>
+          <a:r>
+            <a:rPr lang="en-US" sz="2400" dirty="0">
+              <a:latin typeface="標楷體" panose="03000509000000000000" pitchFamily="65" charset="-120"/>
+              <a:ea typeface="標楷體" panose="03000509000000000000" pitchFamily="65" charset="-120"/>
+            </a:rPr>
+            <a:t>- </a:t>
+          </a:r>
+          <a:r>
+            <a:rPr lang="zh-TW" sz="2400" dirty="0">
+              <a:latin typeface="標楷體" panose="03000509000000000000" pitchFamily="65" charset="-120"/>
+              <a:ea typeface="標楷體" panose="03000509000000000000" pitchFamily="65" charset="-120"/>
+            </a:rPr>
+            <a:t>每週趨勢</a:t>
+          </a:r>
+          <a:endParaRPr lang="zh-TW" altLang="en-US" sz="2400" dirty="0">
+            <a:latin typeface="標楷體" panose="03000509000000000000" pitchFamily="65" charset="-120"/>
+            <a:ea typeface="標楷體" panose="03000509000000000000" pitchFamily="65" charset="-120"/>
+          </a:endParaRPr>
         </a:p>
       </dgm:t>
     </dgm:pt>
@@ -2348,35 +2269,98 @@
       </dgm:t>
     </dgm:pt>
     <dgm:pt modelId="{A80C09FC-30F6-41E2-9A93-979C38CAB5BC}">
-      <dgm:prSet custT="1"/>
+      <dgm:prSet/>
       <dgm:spPr/>
       <dgm:t>
         <a:bodyPr/>
         <a:lstStyle/>
         <a:p>
-          <a:pPr>
+          <a:pPr algn="ctr">
             <a:lnSpc>
               <a:spcPct val="100000"/>
             </a:lnSpc>
             <a:defRPr cap="all"/>
           </a:pPr>
           <a:r>
-            <a:rPr lang="en-US" altLang="zh-TW" sz="2400" dirty="0" err="1">
-              <a:latin typeface="Times New Roman" panose="02020603050405020304" pitchFamily="18" charset="0"/>
-              <a:cs typeface="Times New Roman" panose="02020603050405020304" pitchFamily="18" charset="0"/>
+            <a:rPr lang="en-US" dirty="0">
+              <a:latin typeface="標楷體" panose="03000509000000000000" pitchFamily="65" charset="-120"/>
+              <a:ea typeface="標楷體" panose="03000509000000000000" pitchFamily="65" charset="-120"/>
             </a:rPr>
-            <a:t>elcome</a:t>
+            <a:t>B</a:t>
           </a:r>
           <a:r>
-            <a:rPr lang="en-US" altLang="zh-TW" sz="2400" dirty="0">
-              <a:latin typeface="Times New Roman" panose="02020603050405020304" pitchFamily="18" charset="0"/>
-              <a:cs typeface="Times New Roman" panose="02020603050405020304" pitchFamily="18" charset="0"/>
+            <a:rPr lang="zh-TW" dirty="0">
+              <a:latin typeface="標楷體" panose="03000509000000000000" pitchFamily="65" charset="-120"/>
+              <a:ea typeface="標楷體" panose="03000509000000000000" pitchFamily="65" charset="-120"/>
             </a:rPr>
-            <a:t> to ask questions</a:t>
+            <a:t>：針對性的行銷策略（行動過程）</a:t>
           </a:r>
-          <a:endParaRPr lang="en-US" sz="2400" dirty="0">
-            <a:latin typeface="Times New Roman" panose="02020603050405020304" pitchFamily="18" charset="0"/>
-            <a:cs typeface="Times New Roman" panose="02020603050405020304" pitchFamily="18" charset="0"/>
+        </a:p>
+        <a:p>
+          <a:pPr algn="l">
+            <a:lnSpc>
+              <a:spcPct val="100000"/>
+            </a:lnSpc>
+          </a:pPr>
+          <a:r>
+            <a:rPr lang="en-US" dirty="0">
+              <a:latin typeface="標楷體" panose="03000509000000000000" pitchFamily="65" charset="-120"/>
+              <a:ea typeface="標楷體" panose="03000509000000000000" pitchFamily="65" charset="-120"/>
+            </a:rPr>
+            <a:t>- </a:t>
+          </a:r>
+          <a:r>
+            <a:rPr lang="zh-TW" dirty="0">
+              <a:latin typeface="標楷體" panose="03000509000000000000" pitchFamily="65" charset="-120"/>
+              <a:ea typeface="標楷體" panose="03000509000000000000" pitchFamily="65" charset="-120"/>
+            </a:rPr>
+            <a:t>促銷和折扣</a:t>
+          </a:r>
+        </a:p>
+        <a:p>
+          <a:pPr algn="l">
+            <a:lnSpc>
+              <a:spcPct val="100000"/>
+            </a:lnSpc>
+          </a:pPr>
+          <a:r>
+            <a:rPr lang="en-US" dirty="0">
+              <a:latin typeface="標楷體" panose="03000509000000000000" pitchFamily="65" charset="-120"/>
+              <a:ea typeface="標楷體" panose="03000509000000000000" pitchFamily="65" charset="-120"/>
+            </a:rPr>
+            <a:t>- </a:t>
+          </a:r>
+          <a:r>
+            <a:rPr lang="zh-TW" dirty="0">
+              <a:latin typeface="標楷體" panose="03000509000000000000" pitchFamily="65" charset="-120"/>
+              <a:ea typeface="標楷體" panose="03000509000000000000" pitchFamily="65" charset="-120"/>
+            </a:rPr>
+            <a:t>強調成本節約</a:t>
+          </a:r>
+        </a:p>
+        <a:p>
+          <a:pPr algn="l">
+            <a:lnSpc>
+              <a:spcPct val="100000"/>
+            </a:lnSpc>
+          </a:pPr>
+          <a:r>
+            <a:rPr lang="en-US" dirty="0">
+              <a:latin typeface="標楷體" panose="03000509000000000000" pitchFamily="65" charset="-120"/>
+              <a:ea typeface="標楷體" panose="03000509000000000000" pitchFamily="65" charset="-120"/>
+            </a:rPr>
+            <a:t>- </a:t>
+          </a:r>
+          <a:r>
+            <a:rPr lang="zh-TW" dirty="0">
+              <a:latin typeface="標楷體" panose="03000509000000000000" pitchFamily="65" charset="-120"/>
+              <a:ea typeface="標楷體" panose="03000509000000000000" pitchFamily="65" charset="-120"/>
+            </a:rPr>
+            <a:t>季節性行銷活動</a:t>
+          </a:r>
+          <a:endParaRPr lang="en-US" dirty="0">
+            <a:latin typeface="標楷體" panose="03000509000000000000" pitchFamily="65" charset="-120"/>
+            <a:ea typeface="標楷體" panose="03000509000000000000" pitchFamily="65" charset="-120"/>
           </a:endParaRPr>
         </a:p>
       </dgm:t>
@@ -2404,28 +2388,98 @@
       </dgm:t>
     </dgm:pt>
     <dgm:pt modelId="{116E1105-B867-4515-8215-50D5AD6DB750}">
-      <dgm:prSet custT="1"/>
+      <dgm:prSet/>
       <dgm:spPr/>
       <dgm:t>
         <a:bodyPr/>
         <a:lstStyle/>
         <a:p>
-          <a:pPr>
+          <a:pPr algn="ctr">
             <a:lnSpc>
               <a:spcPct val="100000"/>
             </a:lnSpc>
             <a:defRPr cap="all"/>
           </a:pPr>
           <a:r>
-            <a:rPr lang="en-US" altLang="zh-TW" sz="2400" dirty="0">
-              <a:latin typeface="Times New Roman" panose="02020603050405020304" pitchFamily="18" charset="0"/>
-              <a:cs typeface="Times New Roman" panose="02020603050405020304" pitchFamily="18" charset="0"/>
+            <a:rPr lang="en-US" dirty="0">
+              <a:latin typeface="標楷體" panose="03000509000000000000" pitchFamily="65" charset="-120"/>
+              <a:ea typeface="標楷體" panose="03000509000000000000" pitchFamily="65" charset="-120"/>
             </a:rPr>
-            <a:t>If the answer to this question is incomplete, please let me know.</a:t>
+            <a:t>C</a:t>
           </a:r>
-          <a:endParaRPr lang="en-US" sz="2400" dirty="0">
-            <a:latin typeface="Times New Roman" panose="02020603050405020304" pitchFamily="18" charset="0"/>
-            <a:cs typeface="Times New Roman" panose="02020603050405020304" pitchFamily="18" charset="0"/>
+          <a:r>
+            <a:rPr lang="zh-TW" dirty="0">
+              <a:latin typeface="標楷體" panose="03000509000000000000" pitchFamily="65" charset="-120"/>
+              <a:ea typeface="標楷體" panose="03000509000000000000" pitchFamily="65" charset="-120"/>
+            </a:rPr>
+            <a:t>：年度會員數量增加並取得成功</a:t>
+          </a:r>
+        </a:p>
+        <a:p>
+          <a:pPr algn="l">
+            <a:lnSpc>
+              <a:spcPct val="100000"/>
+            </a:lnSpc>
+          </a:pPr>
+          <a:r>
+            <a:rPr lang="en-US" dirty="0">
+              <a:latin typeface="標楷體" panose="03000509000000000000" pitchFamily="65" charset="-120"/>
+              <a:ea typeface="標楷體" panose="03000509000000000000" pitchFamily="65" charset="-120"/>
+            </a:rPr>
+            <a:t>- </a:t>
+          </a:r>
+          <a:r>
+            <a:rPr lang="zh-TW" dirty="0">
+              <a:latin typeface="標楷體" panose="03000509000000000000" pitchFamily="65" charset="-120"/>
+              <a:ea typeface="標楷體" panose="03000509000000000000" pitchFamily="65" charset="-120"/>
+            </a:rPr>
+            <a:t>更高的獲利能力</a:t>
+          </a:r>
+        </a:p>
+        <a:p>
+          <a:pPr algn="l">
+            <a:lnSpc>
+              <a:spcPct val="100000"/>
+            </a:lnSpc>
+          </a:pPr>
+          <a:r>
+            <a:rPr lang="en-US" dirty="0">
+              <a:latin typeface="標楷體" panose="03000509000000000000" pitchFamily="65" charset="-120"/>
+              <a:ea typeface="標楷體" panose="03000509000000000000" pitchFamily="65" charset="-120"/>
+            </a:rPr>
+            <a:t>- </a:t>
+          </a:r>
+          <a:r>
+            <a:rPr lang="zh-TW" dirty="0">
+              <a:latin typeface="標楷體" panose="03000509000000000000" pitchFamily="65" charset="-120"/>
+              <a:ea typeface="標楷體" panose="03000509000000000000" pitchFamily="65" charset="-120"/>
+            </a:rPr>
+            <a:t>增強客戶參與度</a:t>
+          </a:r>
+        </a:p>
+        <a:p>
+          <a:pPr algn="l">
+            <a:lnSpc>
+              <a:spcPct val="100000"/>
+            </a:lnSpc>
+          </a:pPr>
+          <a:r>
+            <a:rPr lang="en-US" dirty="0">
+              <a:latin typeface="標楷體" panose="03000509000000000000" pitchFamily="65" charset="-120"/>
+              <a:ea typeface="標楷體" panose="03000509000000000000" pitchFamily="65" charset="-120"/>
+            </a:rPr>
+            <a:t>- </a:t>
+          </a:r>
+          <a:r>
+            <a:rPr lang="zh-TW" dirty="0">
+              <a:latin typeface="標楷體" panose="03000509000000000000" pitchFamily="65" charset="-120"/>
+              <a:ea typeface="標楷體" panose="03000509000000000000" pitchFamily="65" charset="-120"/>
+            </a:rPr>
+            <a:t>公司永續發展</a:t>
+          </a:r>
+          <a:endParaRPr lang="en-US" dirty="0">
+            <a:latin typeface="標楷體" panose="03000509000000000000" pitchFamily="65" charset="-120"/>
+            <a:ea typeface="標楷體" panose="03000509000000000000" pitchFamily="65" charset="-120"/>
           </a:endParaRPr>
         </a:p>
       </dgm:t>
@@ -2478,7 +2532,7 @@
       <dgm:spPr/>
     </dgm:pt>
     <dgm:pt modelId="{F1E1E894-D8D8-40FE-9118-4EC989685A29}" type="pres">
-      <dgm:prSet presAssocID="{6269A14A-2525-4E4F-AB23-9C6DDB1382A4}" presName="textRect" presStyleLbl="revTx" presStyleIdx="0" presStyleCnt="3" custScaleY="67522">
+      <dgm:prSet presAssocID="{6269A14A-2525-4E4F-AB23-9C6DDB1382A4}" presName="textRect" presStyleLbl="revTx" presStyleIdx="0" presStyleCnt="3">
         <dgm:presLayoutVars>
           <dgm:chMax val="1"/>
           <dgm:chPref val="1"/>
@@ -2536,7 +2590,7 @@
       <dgm:spPr/>
     </dgm:pt>
     <dgm:pt modelId="{1F820FB1-E2D1-48FE-A645-D9EE27D1247E}" type="pres">
-      <dgm:prSet presAssocID="{116E1105-B867-4515-8215-50D5AD6DB750}" presName="textRect" presStyleLbl="revTx" presStyleIdx="2" presStyleCnt="3" custScaleX="134691">
+      <dgm:prSet presAssocID="{116E1105-B867-4515-8215-50D5AD6DB750}" presName="textRect" presStyleLbl="revTx" presStyleIdx="2" presStyleCnt="3">
         <dgm:presLayoutVars>
           <dgm:chMax val="1"/>
           <dgm:chPref val="1"/>
@@ -3559,14 +3613,15 @@
       </dsp:nvSpPr>
       <dsp:spPr>
         <a:xfrm>
-          <a:off x="701603" y="1117572"/>
-          <a:ext cx="1990125" cy="1990125"/>
+          <a:off x="768000" y="142664"/>
+          <a:ext cx="2196000" cy="2196000"/>
         </a:xfrm>
         <a:prstGeom prst="ellipse">
           <a:avLst/>
         </a:prstGeom>
         <a:solidFill>
-          <a:schemeClr val="accent2">
+          <a:schemeClr val="accent1">
+            <a:tint val="40000"/>
             <a:hueOff val="0"/>
             <a:satOff val="0"/>
             <a:lumOff val="0"/>
@@ -3598,14 +3653,14 @@
       </dsp:nvSpPr>
       <dsp:spPr>
         <a:xfrm>
-          <a:off x="1125728" y="1541697"/>
-          <a:ext cx="1141875" cy="1141875"/>
+          <a:off x="1236000" y="610664"/>
+          <a:ext cx="1260000" cy="1260000"/>
         </a:xfrm>
         <a:prstGeom prst="rect">
           <a:avLst/>
         </a:prstGeom>
         <a:solidFill>
-          <a:schemeClr val="bg1">
+          <a:schemeClr val="accent1">
             <a:hueOff val="0"/>
             <a:satOff val="0"/>
             <a:lumOff val="0"/>
@@ -3615,7 +3670,6 @@
         <a:ln w="15875" cap="flat" cmpd="sng" algn="ctr">
           <a:solidFill>
             <a:schemeClr val="lt1">
-              <a:alpha val="0"/>
               <a:hueOff val="0"/>
               <a:satOff val="0"/>
               <a:lumOff val="0"/>
@@ -3648,8 +3702,8 @@
       </dsp:nvSpPr>
       <dsp:spPr>
         <a:xfrm>
-          <a:off x="65415" y="3812275"/>
-          <a:ext cx="3262500" cy="352196"/>
+          <a:off x="66000" y="3022664"/>
+          <a:ext cx="3600000" cy="2970000"/>
         </a:xfrm>
         <a:prstGeom prst="rect">
           <a:avLst/>
@@ -3693,16 +3747,139 @@
           </a:pPr>
           <a:r>
             <a:rPr lang="en-US" sz="2400" kern="1200" dirty="0">
-              <a:latin typeface="Times New Roman" panose="02020603050405020304" pitchFamily="18" charset="0"/>
-              <a:cs typeface="Times New Roman" panose="02020603050405020304" pitchFamily="18" charset="0"/>
+              <a:latin typeface="標楷體" panose="03000509000000000000" pitchFamily="65" charset="-120"/>
+              <a:ea typeface="標楷體" panose="03000509000000000000" pitchFamily="65" charset="-120"/>
             </a:rPr>
-            <a:t>hanks for listening</a:t>
+            <a:t>A</a:t>
           </a:r>
+          <a:r>
+            <a:rPr lang="zh-TW" sz="2400" kern="1200" dirty="0">
+              <a:latin typeface="標楷體" panose="03000509000000000000" pitchFamily="65" charset="-120"/>
+              <a:ea typeface="標楷體" panose="03000509000000000000" pitchFamily="65" charset="-120"/>
+            </a:rPr>
+            <a:t>：了解使用模式（分析流程）</a:t>
+          </a:r>
+        </a:p>
+        <a:p>
+          <a:pPr marL="0" lvl="0" indent="0" algn="l" defTabSz="1066800">
+            <a:lnSpc>
+              <a:spcPct val="100000"/>
+            </a:lnSpc>
+            <a:spcBef>
+              <a:spcPct val="0"/>
+            </a:spcBef>
+            <a:spcAft>
+              <a:spcPct val="35000"/>
+            </a:spcAft>
+            <a:buNone/>
+          </a:pPr>
+          <a:r>
+            <a:rPr lang="en-US" altLang="zh-TW" sz="2400" kern="1200" dirty="0">
+              <a:latin typeface="標楷體" panose="03000509000000000000" pitchFamily="65" charset="-120"/>
+              <a:ea typeface="標楷體" panose="03000509000000000000" pitchFamily="65" charset="-120"/>
+            </a:rPr>
+            <a:t>- </a:t>
+          </a:r>
+          <a:r>
+            <a:rPr lang="zh-TW" sz="2400" kern="1200" dirty="0">
+              <a:latin typeface="標楷體" panose="03000509000000000000" pitchFamily="65" charset="-120"/>
+              <a:ea typeface="標楷體" panose="03000509000000000000" pitchFamily="65" charset="-120"/>
+            </a:rPr>
+            <a:t>行程持續時間</a:t>
+          </a:r>
+        </a:p>
+        <a:p>
+          <a:pPr marL="0" lvl="0" indent="0" algn="l" defTabSz="1066800">
+            <a:lnSpc>
+              <a:spcPct val="100000"/>
+            </a:lnSpc>
+            <a:spcBef>
+              <a:spcPct val="0"/>
+            </a:spcBef>
+            <a:spcAft>
+              <a:spcPct val="35000"/>
+            </a:spcAft>
+            <a:buNone/>
+          </a:pPr>
+          <a:r>
+            <a:rPr lang="en-US" sz="2400" kern="1200" dirty="0">
+              <a:latin typeface="標楷體" panose="03000509000000000000" pitchFamily="65" charset="-120"/>
+              <a:ea typeface="標楷體" panose="03000509000000000000" pitchFamily="65" charset="-120"/>
+            </a:rPr>
+            <a:t>- </a:t>
+          </a:r>
+          <a:r>
+            <a:rPr lang="zh-TW" sz="2400" kern="1200" dirty="0">
+              <a:latin typeface="標楷體" panose="03000509000000000000" pitchFamily="65" charset="-120"/>
+              <a:ea typeface="標楷體" panose="03000509000000000000" pitchFamily="65" charset="-120"/>
+            </a:rPr>
+            <a:t>季節性趨勢</a:t>
+          </a:r>
+        </a:p>
+        <a:p>
+          <a:pPr marL="0" lvl="0" indent="0" algn="l" defTabSz="1066800">
+            <a:lnSpc>
+              <a:spcPct val="100000"/>
+            </a:lnSpc>
+            <a:spcBef>
+              <a:spcPct val="0"/>
+            </a:spcBef>
+            <a:spcAft>
+              <a:spcPct val="35000"/>
+            </a:spcAft>
+            <a:buNone/>
+          </a:pPr>
+          <a:r>
+            <a:rPr lang="en-US" sz="2400" kern="1200" dirty="0">
+              <a:latin typeface="標楷體" panose="03000509000000000000" pitchFamily="65" charset="-120"/>
+              <a:ea typeface="標楷體" panose="03000509000000000000" pitchFamily="65" charset="-120"/>
+            </a:rPr>
+            <a:t>- </a:t>
+          </a:r>
+          <a:r>
+            <a:rPr lang="zh-TW" sz="2400" kern="1200" dirty="0">
+              <a:latin typeface="標楷體" panose="03000509000000000000" pitchFamily="65" charset="-120"/>
+              <a:ea typeface="標楷體" panose="03000509000000000000" pitchFamily="65" charset="-120"/>
+            </a:rPr>
+            <a:t>自行車偏好</a:t>
+          </a:r>
+        </a:p>
+        <a:p>
+          <a:pPr marL="0" lvl="0" indent="0" algn="l" defTabSz="1066800">
+            <a:lnSpc>
+              <a:spcPct val="100000"/>
+            </a:lnSpc>
+            <a:spcBef>
+              <a:spcPct val="0"/>
+            </a:spcBef>
+            <a:spcAft>
+              <a:spcPct val="35000"/>
+            </a:spcAft>
+            <a:buNone/>
+          </a:pPr>
+          <a:r>
+            <a:rPr lang="en-US" sz="2400" kern="1200" dirty="0">
+              <a:latin typeface="標楷體" panose="03000509000000000000" pitchFamily="65" charset="-120"/>
+              <a:ea typeface="標楷體" panose="03000509000000000000" pitchFamily="65" charset="-120"/>
+            </a:rPr>
+            <a:t>- </a:t>
+          </a:r>
+          <a:r>
+            <a:rPr lang="zh-TW" sz="2400" kern="1200" dirty="0">
+              <a:latin typeface="標楷體" panose="03000509000000000000" pitchFamily="65" charset="-120"/>
+              <a:ea typeface="標楷體" panose="03000509000000000000" pitchFamily="65" charset="-120"/>
+            </a:rPr>
+            <a:t>每週趨勢</a:t>
+          </a:r>
+          <a:endParaRPr lang="zh-TW" altLang="en-US" sz="2400" kern="1200" dirty="0">
+            <a:latin typeface="標楷體" panose="03000509000000000000" pitchFamily="65" charset="-120"/>
+            <a:ea typeface="標楷體" panose="03000509000000000000" pitchFamily="65" charset="-120"/>
+          </a:endParaRPr>
         </a:p>
       </dsp:txBody>
       <dsp:txXfrm>
-        <a:off x="65415" y="3812275"/>
-        <a:ext cx="3262500" cy="352196"/>
+        <a:off x="66000" y="3022664"/>
+        <a:ext cx="3600000" cy="2970000"/>
       </dsp:txXfrm>
     </dsp:sp>
     <dsp:sp modelId="{E25D46DA-3CCC-4690-B645-92B8158A50C4}">
@@ -3712,14 +3889,15 @@
       </dsp:nvSpPr>
       <dsp:spPr>
         <a:xfrm>
-          <a:off x="4535040" y="1075220"/>
-          <a:ext cx="1990125" cy="1990125"/>
+          <a:off x="4998000" y="142664"/>
+          <a:ext cx="2196000" cy="2196000"/>
         </a:xfrm>
         <a:prstGeom prst="ellipse">
           <a:avLst/>
         </a:prstGeom>
         <a:solidFill>
-          <a:schemeClr val="accent3">
+          <a:schemeClr val="accent1">
+            <a:tint val="40000"/>
             <a:hueOff val="0"/>
             <a:satOff val="0"/>
             <a:lumOff val="0"/>
@@ -3751,14 +3929,14 @@
       </dsp:nvSpPr>
       <dsp:spPr>
         <a:xfrm>
-          <a:off x="4959165" y="1499345"/>
-          <a:ext cx="1141875" cy="1141875"/>
+          <a:off x="5466000" y="610664"/>
+          <a:ext cx="1260000" cy="1260000"/>
         </a:xfrm>
         <a:prstGeom prst="rect">
           <a:avLst/>
         </a:prstGeom>
         <a:solidFill>
-          <a:schemeClr val="bg1">
+          <a:schemeClr val="accent1">
             <a:hueOff val="0"/>
             <a:satOff val="0"/>
             <a:lumOff val="0"/>
@@ -3768,7 +3946,6 @@
         <a:ln w="15875" cap="flat" cmpd="sng" algn="ctr">
           <a:solidFill>
             <a:schemeClr val="lt1">
-              <a:alpha val="0"/>
               <a:hueOff val="0"/>
               <a:satOff val="0"/>
               <a:lumOff val="0"/>
@@ -3801,8 +3978,8 @@
       </dsp:nvSpPr>
       <dsp:spPr>
         <a:xfrm>
-          <a:off x="3898853" y="3685220"/>
-          <a:ext cx="3262500" cy="521603"/>
+          <a:off x="4296000" y="3022664"/>
+          <a:ext cx="3600000" cy="2970000"/>
         </a:xfrm>
         <a:prstGeom prst="rect">
           <a:avLst/>
@@ -3831,7 +4008,7 @@
         </a:bodyPr>
         <a:lstStyle/>
         <a:p>
-          <a:pPr marL="0" lvl="0" indent="0" algn="ctr" defTabSz="1066800">
+          <a:pPr marL="0" lvl="0" indent="0" algn="ctr" defTabSz="1289050">
             <a:lnSpc>
               <a:spcPct val="100000"/>
             </a:lnSpc>
@@ -3845,28 +4022,112 @@
             <a:defRPr cap="all"/>
           </a:pPr>
           <a:r>
-            <a:rPr lang="en-US" altLang="zh-TW" sz="2400" kern="1200" dirty="0" err="1">
-              <a:latin typeface="Times New Roman" panose="02020603050405020304" pitchFamily="18" charset="0"/>
-              <a:cs typeface="Times New Roman" panose="02020603050405020304" pitchFamily="18" charset="0"/>
+            <a:rPr lang="en-US" sz="2900" kern="1200" dirty="0">
+              <a:latin typeface="標楷體" panose="03000509000000000000" pitchFamily="65" charset="-120"/>
+              <a:ea typeface="標楷體" panose="03000509000000000000" pitchFamily="65" charset="-120"/>
             </a:rPr>
-            <a:t>elcome</a:t>
+            <a:t>B</a:t>
           </a:r>
           <a:r>
-            <a:rPr lang="en-US" altLang="zh-TW" sz="2400" kern="1200" dirty="0">
-              <a:latin typeface="Times New Roman" panose="02020603050405020304" pitchFamily="18" charset="0"/>
-              <a:cs typeface="Times New Roman" panose="02020603050405020304" pitchFamily="18" charset="0"/>
+            <a:rPr lang="zh-TW" sz="2900" kern="1200" dirty="0">
+              <a:latin typeface="標楷體" panose="03000509000000000000" pitchFamily="65" charset="-120"/>
+              <a:ea typeface="標楷體" panose="03000509000000000000" pitchFamily="65" charset="-120"/>
             </a:rPr>
-            <a:t> to ask questions</a:t>
+            <a:t>：針對性的行銷策略（行動過程）</a:t>
           </a:r>
-          <a:endParaRPr lang="en-US" sz="2400" kern="1200" dirty="0">
-            <a:latin typeface="Times New Roman" panose="02020603050405020304" pitchFamily="18" charset="0"/>
-            <a:cs typeface="Times New Roman" panose="02020603050405020304" pitchFamily="18" charset="0"/>
+        </a:p>
+        <a:p>
+          <a:pPr marL="0" lvl="0" indent="0" algn="l" defTabSz="1289050">
+            <a:lnSpc>
+              <a:spcPct val="100000"/>
+            </a:lnSpc>
+            <a:spcBef>
+              <a:spcPct val="0"/>
+            </a:spcBef>
+            <a:spcAft>
+              <a:spcPct val="35000"/>
+            </a:spcAft>
+            <a:buNone/>
+          </a:pPr>
+          <a:r>
+            <a:rPr lang="en-US" sz="2900" kern="1200" dirty="0">
+              <a:latin typeface="標楷體" panose="03000509000000000000" pitchFamily="65" charset="-120"/>
+              <a:ea typeface="標楷體" panose="03000509000000000000" pitchFamily="65" charset="-120"/>
+            </a:rPr>
+            <a:t>- </a:t>
+          </a:r>
+          <a:r>
+            <a:rPr lang="zh-TW" sz="2900" kern="1200" dirty="0">
+              <a:latin typeface="標楷體" panose="03000509000000000000" pitchFamily="65" charset="-120"/>
+              <a:ea typeface="標楷體" panose="03000509000000000000" pitchFamily="65" charset="-120"/>
+            </a:rPr>
+            <a:t>促銷和折扣</a:t>
+          </a:r>
+        </a:p>
+        <a:p>
+          <a:pPr marL="0" lvl="0" indent="0" algn="l" defTabSz="1289050">
+            <a:lnSpc>
+              <a:spcPct val="100000"/>
+            </a:lnSpc>
+            <a:spcBef>
+              <a:spcPct val="0"/>
+            </a:spcBef>
+            <a:spcAft>
+              <a:spcPct val="35000"/>
+            </a:spcAft>
+            <a:buNone/>
+          </a:pPr>
+          <a:r>
+            <a:rPr lang="en-US" sz="2900" kern="1200" dirty="0">
+              <a:latin typeface="標楷體" panose="03000509000000000000" pitchFamily="65" charset="-120"/>
+              <a:ea typeface="標楷體" panose="03000509000000000000" pitchFamily="65" charset="-120"/>
+            </a:rPr>
+            <a:t>- </a:t>
+          </a:r>
+          <a:r>
+            <a:rPr lang="zh-TW" sz="2900" kern="1200" dirty="0">
+              <a:latin typeface="標楷體" panose="03000509000000000000" pitchFamily="65" charset="-120"/>
+              <a:ea typeface="標楷體" panose="03000509000000000000" pitchFamily="65" charset="-120"/>
+            </a:rPr>
+            <a:t>強調成本節約</a:t>
+          </a:r>
+        </a:p>
+        <a:p>
+          <a:pPr marL="0" lvl="0" indent="0" algn="l" defTabSz="1289050">
+            <a:lnSpc>
+              <a:spcPct val="100000"/>
+            </a:lnSpc>
+            <a:spcBef>
+              <a:spcPct val="0"/>
+            </a:spcBef>
+            <a:spcAft>
+              <a:spcPct val="35000"/>
+            </a:spcAft>
+            <a:buNone/>
+          </a:pPr>
+          <a:r>
+            <a:rPr lang="en-US" sz="2900" kern="1200" dirty="0">
+              <a:latin typeface="標楷體" panose="03000509000000000000" pitchFamily="65" charset="-120"/>
+              <a:ea typeface="標楷體" panose="03000509000000000000" pitchFamily="65" charset="-120"/>
+            </a:rPr>
+            <a:t>- </a:t>
+          </a:r>
+          <a:r>
+            <a:rPr lang="zh-TW" sz="2900" kern="1200" dirty="0">
+              <a:latin typeface="標楷體" panose="03000509000000000000" pitchFamily="65" charset="-120"/>
+              <a:ea typeface="標楷體" panose="03000509000000000000" pitchFamily="65" charset="-120"/>
+            </a:rPr>
+            <a:t>季節性行銷活動</a:t>
+          </a:r>
+          <a:endParaRPr lang="en-US" sz="2900" kern="1200" dirty="0">
+            <a:latin typeface="標楷體" panose="03000509000000000000" pitchFamily="65" charset="-120"/>
+            <a:ea typeface="標楷體" panose="03000509000000000000" pitchFamily="65" charset="-120"/>
           </a:endParaRPr>
         </a:p>
       </dsp:txBody>
       <dsp:txXfrm>
-        <a:off x="3898853" y="3685220"/>
-        <a:ext cx="3262500" cy="521603"/>
+        <a:off x="4296000" y="3022664"/>
+        <a:ext cx="3600000" cy="2970000"/>
       </dsp:txXfrm>
     </dsp:sp>
     <dsp:sp modelId="{172B5539-CDB8-4AAF-88C5-F1BFC720604B}">
@@ -3876,14 +4137,15 @@
       </dsp:nvSpPr>
       <dsp:spPr>
         <a:xfrm>
-          <a:off x="8934375" y="1075220"/>
-          <a:ext cx="1990125" cy="1990125"/>
+          <a:off x="9228000" y="142664"/>
+          <a:ext cx="2196000" cy="2196000"/>
         </a:xfrm>
         <a:prstGeom prst="ellipse">
           <a:avLst/>
         </a:prstGeom>
         <a:solidFill>
-          <a:schemeClr val="accent4">
+          <a:schemeClr val="accent1">
+            <a:tint val="40000"/>
             <a:hueOff val="0"/>
             <a:satOff val="0"/>
             <a:lumOff val="0"/>
@@ -3915,14 +4177,14 @@
       </dsp:nvSpPr>
       <dsp:spPr>
         <a:xfrm>
-          <a:off x="9358500" y="1499345"/>
-          <a:ext cx="1141875" cy="1141875"/>
+          <a:off x="9696000" y="610664"/>
+          <a:ext cx="1260000" cy="1260000"/>
         </a:xfrm>
         <a:prstGeom prst="rect">
           <a:avLst/>
         </a:prstGeom>
         <a:solidFill>
-          <a:schemeClr val="bg1">
+          <a:schemeClr val="accent1">
             <a:hueOff val="0"/>
             <a:satOff val="0"/>
             <a:lumOff val="0"/>
@@ -3932,7 +4194,6 @@
         <a:ln w="15875" cap="flat" cmpd="sng" algn="ctr">
           <a:solidFill>
             <a:schemeClr val="lt1">
-              <a:alpha val="0"/>
               <a:hueOff val="0"/>
               <a:satOff val="0"/>
               <a:lumOff val="0"/>
@@ -3965,8 +4226,8 @@
       </dsp:nvSpPr>
       <dsp:spPr>
         <a:xfrm>
-          <a:off x="7732290" y="3685220"/>
-          <a:ext cx="4394293" cy="521603"/>
+          <a:off x="8526000" y="3022664"/>
+          <a:ext cx="3600000" cy="2970000"/>
         </a:xfrm>
         <a:prstGeom prst="rect">
           <a:avLst/>
@@ -3995,7 +4256,7 @@
         </a:bodyPr>
         <a:lstStyle/>
         <a:p>
-          <a:pPr marL="0" lvl="0" indent="0" algn="ctr" defTabSz="1066800">
+          <a:pPr marL="0" lvl="0" indent="0" algn="ctr" defTabSz="1289050">
             <a:lnSpc>
               <a:spcPct val="100000"/>
             </a:lnSpc>
@@ -4009,21 +4270,112 @@
             <a:defRPr cap="all"/>
           </a:pPr>
           <a:r>
-            <a:rPr lang="en-US" altLang="zh-TW" sz="2400" kern="1200" dirty="0">
-              <a:latin typeface="Times New Roman" panose="02020603050405020304" pitchFamily="18" charset="0"/>
-              <a:cs typeface="Times New Roman" panose="02020603050405020304" pitchFamily="18" charset="0"/>
+            <a:rPr lang="en-US" sz="2900" kern="1200" dirty="0">
+              <a:latin typeface="標楷體" panose="03000509000000000000" pitchFamily="65" charset="-120"/>
+              <a:ea typeface="標楷體" panose="03000509000000000000" pitchFamily="65" charset="-120"/>
             </a:rPr>
-            <a:t>If the answer to this question is incomplete, please let me know.</a:t>
+            <a:t>C</a:t>
           </a:r>
-          <a:endParaRPr lang="en-US" sz="2400" kern="1200" dirty="0">
-            <a:latin typeface="Times New Roman" panose="02020603050405020304" pitchFamily="18" charset="0"/>
-            <a:cs typeface="Times New Roman" panose="02020603050405020304" pitchFamily="18" charset="0"/>
+          <a:r>
+            <a:rPr lang="zh-TW" sz="2900" kern="1200" dirty="0">
+              <a:latin typeface="標楷體" panose="03000509000000000000" pitchFamily="65" charset="-120"/>
+              <a:ea typeface="標楷體" panose="03000509000000000000" pitchFamily="65" charset="-120"/>
+            </a:rPr>
+            <a:t>：年度會員數量增加並取得成功</a:t>
+          </a:r>
+        </a:p>
+        <a:p>
+          <a:pPr marL="0" lvl="0" indent="0" algn="l" defTabSz="1289050">
+            <a:lnSpc>
+              <a:spcPct val="100000"/>
+            </a:lnSpc>
+            <a:spcBef>
+              <a:spcPct val="0"/>
+            </a:spcBef>
+            <a:spcAft>
+              <a:spcPct val="35000"/>
+            </a:spcAft>
+            <a:buNone/>
+          </a:pPr>
+          <a:r>
+            <a:rPr lang="en-US" sz="2900" kern="1200" dirty="0">
+              <a:latin typeface="標楷體" panose="03000509000000000000" pitchFamily="65" charset="-120"/>
+              <a:ea typeface="標楷體" panose="03000509000000000000" pitchFamily="65" charset="-120"/>
+            </a:rPr>
+            <a:t>- </a:t>
+          </a:r>
+          <a:r>
+            <a:rPr lang="zh-TW" sz="2900" kern="1200" dirty="0">
+              <a:latin typeface="標楷體" panose="03000509000000000000" pitchFamily="65" charset="-120"/>
+              <a:ea typeface="標楷體" panose="03000509000000000000" pitchFamily="65" charset="-120"/>
+            </a:rPr>
+            <a:t>更高的獲利能力</a:t>
+          </a:r>
+        </a:p>
+        <a:p>
+          <a:pPr marL="0" lvl="0" indent="0" algn="l" defTabSz="1289050">
+            <a:lnSpc>
+              <a:spcPct val="100000"/>
+            </a:lnSpc>
+            <a:spcBef>
+              <a:spcPct val="0"/>
+            </a:spcBef>
+            <a:spcAft>
+              <a:spcPct val="35000"/>
+            </a:spcAft>
+            <a:buNone/>
+          </a:pPr>
+          <a:r>
+            <a:rPr lang="en-US" sz="2900" kern="1200" dirty="0">
+              <a:latin typeface="標楷體" panose="03000509000000000000" pitchFamily="65" charset="-120"/>
+              <a:ea typeface="標楷體" panose="03000509000000000000" pitchFamily="65" charset="-120"/>
+            </a:rPr>
+            <a:t>- </a:t>
+          </a:r>
+          <a:r>
+            <a:rPr lang="zh-TW" sz="2900" kern="1200" dirty="0">
+              <a:latin typeface="標楷體" panose="03000509000000000000" pitchFamily="65" charset="-120"/>
+              <a:ea typeface="標楷體" panose="03000509000000000000" pitchFamily="65" charset="-120"/>
+            </a:rPr>
+            <a:t>增強客戶參與度</a:t>
+          </a:r>
+        </a:p>
+        <a:p>
+          <a:pPr marL="0" lvl="0" indent="0" algn="l" defTabSz="1289050">
+            <a:lnSpc>
+              <a:spcPct val="100000"/>
+            </a:lnSpc>
+            <a:spcBef>
+              <a:spcPct val="0"/>
+            </a:spcBef>
+            <a:spcAft>
+              <a:spcPct val="35000"/>
+            </a:spcAft>
+            <a:buNone/>
+          </a:pPr>
+          <a:r>
+            <a:rPr lang="en-US" sz="2900" kern="1200" dirty="0">
+              <a:latin typeface="標楷體" panose="03000509000000000000" pitchFamily="65" charset="-120"/>
+              <a:ea typeface="標楷體" panose="03000509000000000000" pitchFamily="65" charset="-120"/>
+            </a:rPr>
+            <a:t>- </a:t>
+          </a:r>
+          <a:r>
+            <a:rPr lang="zh-TW" sz="2900" kern="1200" dirty="0">
+              <a:latin typeface="標楷體" panose="03000509000000000000" pitchFamily="65" charset="-120"/>
+              <a:ea typeface="標楷體" panose="03000509000000000000" pitchFamily="65" charset="-120"/>
+            </a:rPr>
+            <a:t>公司永續發展</a:t>
+          </a:r>
+          <a:endParaRPr lang="en-US" sz="2900" kern="1200" dirty="0">
+            <a:latin typeface="標楷體" panose="03000509000000000000" pitchFamily="65" charset="-120"/>
+            <a:ea typeface="標楷體" panose="03000509000000000000" pitchFamily="65" charset="-120"/>
           </a:endParaRPr>
         </a:p>
       </dsp:txBody>
       <dsp:txXfrm>
-        <a:off x="7732290" y="3685220"/>
-        <a:ext cx="4394293" cy="521603"/>
+        <a:off x="8526000" y="3022664"/>
+        <a:ext cx="3600000" cy="2970000"/>
       </dsp:txXfrm>
     </dsp:sp>
   </dsp:spTree>
@@ -12310,19 +12662,25 @@
       </p:grpSpPr>
       <p:graphicFrame>
         <p:nvGraphicFramePr>
-          <p:cNvPr id="3" name="文字版面配置區 2">
+          <p:cNvPr id="2" name="文字版面配置區 2">
             <a:extLst>
               <a:ext uri="{FF2B5EF4-FFF2-40B4-BE49-F238E27FC236}">
-                <a16:creationId xmlns:a16="http://schemas.microsoft.com/office/drawing/2014/main" id="{C9A6399B-224C-EF2C-C8D9-9AAA28CE9651}"/>
+                <a16:creationId xmlns:a16="http://schemas.microsoft.com/office/drawing/2014/main" id="{FF703D66-E224-5084-9438-B18B667CD3B8}"/>
               </a:ext>
             </a:extLst>
           </p:cNvPr>
           <p:cNvGraphicFramePr/>
-          <p:nvPr/>
+          <p:nvPr>
+            <p:extLst>
+              <p:ext uri="{D42A27DB-BD31-4B8C-83A1-F6EECF244321}">
+                <p14:modId xmlns:p14="http://schemas.microsoft.com/office/powerpoint/2010/main" val="1347100252"/>
+              </p:ext>
+            </p:extLst>
+          </p:nvPr>
         </p:nvGraphicFramePr>
         <p:xfrm>
-          <a:off x="0" y="1575955"/>
-          <a:ext cx="12192000" cy="5282045"/>
+          <a:off x="0" y="0"/>
+          <a:ext cx="12192000" cy="6135329"/>
         </p:xfrm>
         <a:graphic>
           <a:graphicData uri="http://schemas.openxmlformats.org/drawingml/2006/diagram">

--- a/Analyze_project/Bike_Share/共享單車如何成功.pptx
+++ b/Analyze_project/Bike_Share/共享單車如何成功.pptx
@@ -5,7 +5,7 @@
     <p:sldMasterId id="2147483661" r:id="rId1"/>
   </p:sldMasterIdLst>
   <p:notesMasterIdLst>
-    <p:notesMasterId r:id="rId17"/>
+    <p:notesMasterId r:id="rId18"/>
   </p:notesMasterIdLst>
   <p:sldIdLst>
     <p:sldId id="256" r:id="rId2"/>
@@ -22,7 +22,8 @@
     <p:sldId id="287" r:id="rId13"/>
     <p:sldId id="264" r:id="rId14"/>
     <p:sldId id="265" r:id="rId15"/>
-    <p:sldId id="286" r:id="rId16"/>
+    <p:sldId id="291" r:id="rId16"/>
+    <p:sldId id="290" r:id="rId17"/>
   </p:sldIdLst>
   <p:sldSz cx="12192000" cy="6858000"/>
   <p:notesSz cx="6858000" cy="9144000"/>
@@ -1746,7 +1747,7 @@
               <a:ea typeface="標楷體" panose="03000509000000000000" pitchFamily="65" charset="-120"/>
               <a:cs typeface="Times New Roman" panose="02020603050405020304" pitchFamily="18" charset="0"/>
             </a:rPr>
-            <a:t>：所有資料來源的說明</a:t>
+            <a:t>：所有資料來源說明</a:t>
           </a:r>
         </a:p>
       </dgm:t>
@@ -1794,7 +1795,7 @@
               <a:ea typeface="標楷體" panose="03000509000000000000" pitchFamily="65" charset="-120"/>
               <a:cs typeface="Times New Roman" panose="02020603050405020304" pitchFamily="18" charset="0"/>
             </a:rPr>
-            <a:t>：任何資料清理或處理的記錄</a:t>
+            <a:t>：任何資料清理或處理記錄</a:t>
           </a:r>
         </a:p>
       </dgm:t>
@@ -1842,7 +1843,7 @@
               <a:ea typeface="標楷體" panose="03000509000000000000" pitchFamily="65" charset="-120"/>
               <a:cs typeface="Times New Roman" panose="02020603050405020304" pitchFamily="18" charset="0"/>
             </a:rPr>
-            <a:t>：我的分析摘要</a:t>
+            <a:t>：我分析摘要</a:t>
           </a:r>
         </a:p>
       </dgm:t>
@@ -1938,7 +1939,7 @@
               <a:ea typeface="標楷體" panose="03000509000000000000" pitchFamily="65" charset="-120"/>
               <a:cs typeface="Times New Roman" panose="02020603050405020304" pitchFamily="18" charset="0"/>
             </a:rPr>
-            <a:t>：我根據分析提出的三大建議</a:t>
+            <a:t>：我分析提出三大建議</a:t>
           </a:r>
         </a:p>
       </dgm:t>
@@ -2135,39 +2136,49 @@
         <a:bodyPr/>
         <a:lstStyle/>
         <a:p>
-          <a:pPr algn="ctr">
+          <a:pPr>
             <a:lnSpc>
               <a:spcPct val="100000"/>
             </a:lnSpc>
             <a:defRPr cap="all"/>
           </a:pPr>
           <a:r>
-            <a:rPr lang="en-US" sz="2400" dirty="0">
+            <a:rPr lang="zh-TW" sz="2800" b="1" dirty="0">
               <a:latin typeface="標楷體" panose="03000509000000000000" pitchFamily="65" charset="-120"/>
               <a:ea typeface="標楷體" panose="03000509000000000000" pitchFamily="65" charset="-120"/>
             </a:rPr>
-            <a:t>A</a:t>
+            <a:t>了解使用模式</a:t>
           </a:r>
-          <a:r>
-            <a:rPr lang="zh-TW" sz="2400" dirty="0">
-              <a:latin typeface="標楷體" panose="03000509000000000000" pitchFamily="65" charset="-120"/>
-              <a:ea typeface="標楷體" panose="03000509000000000000" pitchFamily="65" charset="-120"/>
-            </a:rPr>
-            <a:t>：了解使用模式（分析流程）</a:t>
-          </a:r>
+          <a:endParaRPr lang="en-US" altLang="zh-TW" sz="2800" b="1" dirty="0">
+            <a:latin typeface="標楷體" panose="03000509000000000000" pitchFamily="65" charset="-120"/>
+            <a:ea typeface="標楷體" panose="03000509000000000000" pitchFamily="65" charset="-120"/>
+          </a:endParaRPr>
         </a:p>
         <a:p>
-          <a:pPr algn="l">
+          <a:pPr>
             <a:lnSpc>
               <a:spcPct val="100000"/>
             </a:lnSpc>
+            <a:defRPr cap="all"/>
+          </a:pPr>
+          <a:endParaRPr lang="en-US" altLang="zh-TW" sz="2400" dirty="0">
+            <a:latin typeface="標楷體" panose="03000509000000000000" pitchFamily="65" charset="-120"/>
+            <a:ea typeface="標楷體" panose="03000509000000000000" pitchFamily="65" charset="-120"/>
+          </a:endParaRPr>
+        </a:p>
+        <a:p>
+          <a:pPr>
+            <a:lnSpc>
+              <a:spcPct val="100000"/>
+            </a:lnSpc>
+            <a:defRPr cap="all"/>
           </a:pPr>
           <a:r>
             <a:rPr lang="en-US" altLang="zh-TW" sz="2400" dirty="0">
               <a:latin typeface="標楷體" panose="03000509000000000000" pitchFamily="65" charset="-120"/>
               <a:ea typeface="標楷體" panose="03000509000000000000" pitchFamily="65" charset="-120"/>
             </a:rPr>
-            <a:t>- </a:t>
+            <a:t>-</a:t>
           </a:r>
           <a:r>
             <a:rPr lang="zh-TW" sz="2400" dirty="0">
@@ -2178,7 +2189,7 @@
           </a:r>
         </a:p>
         <a:p>
-          <a:pPr algn="l">
+          <a:pPr>
             <a:lnSpc>
               <a:spcPct val="100000"/>
             </a:lnSpc>
@@ -2188,7 +2199,7 @@
               <a:latin typeface="標楷體" panose="03000509000000000000" pitchFamily="65" charset="-120"/>
               <a:ea typeface="標楷體" panose="03000509000000000000" pitchFamily="65" charset="-120"/>
             </a:rPr>
-            <a:t>- </a:t>
+            <a:t>-</a:t>
           </a:r>
           <a:r>
             <a:rPr lang="zh-TW" sz="2400" dirty="0">
@@ -2199,7 +2210,7 @@
           </a:r>
         </a:p>
         <a:p>
-          <a:pPr algn="l">
+          <a:pPr>
             <a:lnSpc>
               <a:spcPct val="100000"/>
             </a:lnSpc>
@@ -2209,7 +2220,7 @@
               <a:latin typeface="標楷體" panose="03000509000000000000" pitchFamily="65" charset="-120"/>
               <a:ea typeface="標楷體" panose="03000509000000000000" pitchFamily="65" charset="-120"/>
             </a:rPr>
-            <a:t>- </a:t>
+            <a:t>-</a:t>
           </a:r>
           <a:r>
             <a:rPr lang="zh-TW" sz="2400" dirty="0">
@@ -2220,7 +2231,7 @@
           </a:r>
         </a:p>
         <a:p>
-          <a:pPr algn="l">
+          <a:pPr>
             <a:lnSpc>
               <a:spcPct val="100000"/>
             </a:lnSpc>
@@ -2230,7 +2241,7 @@
               <a:latin typeface="標楷體" panose="03000509000000000000" pitchFamily="65" charset="-120"/>
               <a:ea typeface="標楷體" panose="03000509000000000000" pitchFamily="65" charset="-120"/>
             </a:rPr>
-            <a:t>- </a:t>
+            <a:t>-</a:t>
           </a:r>
           <a:r>
             <a:rPr lang="zh-TW" sz="2400" dirty="0">
@@ -2239,9 +2250,9 @@
             </a:rPr>
             <a:t>每週趨勢</a:t>
           </a:r>
-          <a:endParaRPr lang="zh-TW" altLang="en-US" sz="2400" dirty="0">
-            <a:latin typeface="標楷體" panose="03000509000000000000" pitchFamily="65" charset="-120"/>
-            <a:ea typeface="標楷體" panose="03000509000000000000" pitchFamily="65" charset="-120"/>
+          <a:endParaRPr lang="zh-TW" altLang="en-US" sz="1800" b="0" dirty="0">
+            <a:latin typeface="Times New Roman" panose="02020603050405020304" pitchFamily="18" charset="0"/>
+            <a:cs typeface="Times New Roman" panose="02020603050405020304" pitchFamily="18" charset="0"/>
           </a:endParaRPr>
         </a:p>
       </dgm:t>
@@ -2269,48 +2280,58 @@
       </dgm:t>
     </dgm:pt>
     <dgm:pt modelId="{A80C09FC-30F6-41E2-9A93-979C38CAB5BC}">
-      <dgm:prSet/>
+      <dgm:prSet custT="1"/>
       <dgm:spPr/>
       <dgm:t>
         <a:bodyPr/>
         <a:lstStyle/>
         <a:p>
-          <a:pPr algn="ctr">
+          <a:pPr>
             <a:lnSpc>
               <a:spcPct val="100000"/>
             </a:lnSpc>
             <a:defRPr cap="all"/>
           </a:pPr>
           <a:r>
-            <a:rPr lang="en-US" dirty="0">
+            <a:rPr lang="zh-TW" sz="2800" b="1" dirty="0">
               <a:latin typeface="標楷體" panose="03000509000000000000" pitchFamily="65" charset="-120"/>
               <a:ea typeface="標楷體" panose="03000509000000000000" pitchFamily="65" charset="-120"/>
             </a:rPr>
-            <a:t>B</a:t>
+            <a:t>針對性行銷策略</a:t>
           </a:r>
+          <a:endParaRPr lang="en-US" altLang="zh-TW" sz="2800" b="1" dirty="0">
+            <a:latin typeface="標楷體" panose="03000509000000000000" pitchFamily="65" charset="-120"/>
+            <a:ea typeface="標楷體" panose="03000509000000000000" pitchFamily="65" charset="-120"/>
+          </a:endParaRPr>
+        </a:p>
+        <a:p>
+          <a:pPr>
+            <a:lnSpc>
+              <a:spcPct val="100000"/>
+            </a:lnSpc>
+            <a:defRPr cap="all"/>
+          </a:pPr>
+          <a:endParaRPr lang="en-US" altLang="zh-TW" sz="2400" dirty="0">
+            <a:latin typeface="標楷體" panose="03000509000000000000" pitchFamily="65" charset="-120"/>
+            <a:ea typeface="標楷體" panose="03000509000000000000" pitchFamily="65" charset="-120"/>
+          </a:endParaRPr>
+        </a:p>
+        <a:p>
+          <a:pPr>
+            <a:lnSpc>
+              <a:spcPct val="100000"/>
+            </a:lnSpc>
+            <a:defRPr cap="all"/>
+          </a:pPr>
           <a:r>
-            <a:rPr lang="zh-TW" dirty="0">
+            <a:rPr lang="en-US" sz="2400" dirty="0">
               <a:latin typeface="標楷體" panose="03000509000000000000" pitchFamily="65" charset="-120"/>
               <a:ea typeface="標楷體" panose="03000509000000000000" pitchFamily="65" charset="-120"/>
             </a:rPr>
-            <a:t>：針對性的行銷策略（行動過程）</a:t>
-          </a:r>
-        </a:p>
-        <a:p>
-          <a:pPr algn="l">
-            <a:lnSpc>
-              <a:spcPct val="100000"/>
-            </a:lnSpc>
-          </a:pPr>
-          <a:r>
-            <a:rPr lang="en-US" dirty="0">
-              <a:latin typeface="標楷體" panose="03000509000000000000" pitchFamily="65" charset="-120"/>
-              <a:ea typeface="標楷體" panose="03000509000000000000" pitchFamily="65" charset="-120"/>
-            </a:rPr>
-            <a:t>- </a:t>
+            <a:t>-</a:t>
           </a:r>
           <a:r>
-            <a:rPr lang="zh-TW" dirty="0">
+            <a:rPr lang="zh-TW" sz="2400" dirty="0">
               <a:latin typeface="標楷體" panose="03000509000000000000" pitchFamily="65" charset="-120"/>
               <a:ea typeface="標楷體" panose="03000509000000000000" pitchFamily="65" charset="-120"/>
             </a:rPr>
@@ -2318,20 +2339,20 @@
           </a:r>
         </a:p>
         <a:p>
-          <a:pPr algn="l">
+          <a:pPr>
             <a:lnSpc>
               <a:spcPct val="100000"/>
             </a:lnSpc>
           </a:pPr>
           <a:r>
-            <a:rPr lang="en-US" dirty="0">
+            <a:rPr lang="en-US" sz="2400" dirty="0">
               <a:latin typeface="標楷體" panose="03000509000000000000" pitchFamily="65" charset="-120"/>
               <a:ea typeface="標楷體" panose="03000509000000000000" pitchFamily="65" charset="-120"/>
             </a:rPr>
-            <a:t>- </a:t>
+            <a:t>-</a:t>
           </a:r>
           <a:r>
-            <a:rPr lang="zh-TW" dirty="0">
+            <a:rPr lang="zh-TW" sz="2400" dirty="0">
               <a:latin typeface="標楷體" panose="03000509000000000000" pitchFamily="65" charset="-120"/>
               <a:ea typeface="標楷體" panose="03000509000000000000" pitchFamily="65" charset="-120"/>
             </a:rPr>
@@ -2339,28 +2360,28 @@
           </a:r>
         </a:p>
         <a:p>
-          <a:pPr algn="l">
+          <a:pPr>
             <a:lnSpc>
               <a:spcPct val="100000"/>
             </a:lnSpc>
           </a:pPr>
           <a:r>
-            <a:rPr lang="en-US" dirty="0">
+            <a:rPr lang="en-US" sz="2400" dirty="0">
               <a:latin typeface="標楷體" panose="03000509000000000000" pitchFamily="65" charset="-120"/>
               <a:ea typeface="標楷體" panose="03000509000000000000" pitchFamily="65" charset="-120"/>
             </a:rPr>
-            <a:t>- </a:t>
+            <a:t>-</a:t>
           </a:r>
           <a:r>
-            <a:rPr lang="zh-TW" dirty="0">
+            <a:rPr lang="zh-TW" sz="2400" dirty="0">
               <a:latin typeface="標楷體" panose="03000509000000000000" pitchFamily="65" charset="-120"/>
               <a:ea typeface="標楷體" panose="03000509000000000000" pitchFamily="65" charset="-120"/>
             </a:rPr>
             <a:t>季節性行銷活動</a:t>
           </a:r>
-          <a:endParaRPr lang="en-US" dirty="0">
-            <a:latin typeface="標楷體" panose="03000509000000000000" pitchFamily="65" charset="-120"/>
-            <a:ea typeface="標楷體" panose="03000509000000000000" pitchFamily="65" charset="-120"/>
+          <a:endParaRPr lang="en-US" sz="1800" dirty="0">
+            <a:latin typeface="Times New Roman" panose="02020603050405020304" pitchFamily="18" charset="0"/>
+            <a:cs typeface="Times New Roman" panose="02020603050405020304" pitchFamily="18" charset="0"/>
           </a:endParaRPr>
         </a:p>
       </dgm:t>
@@ -2388,69 +2409,78 @@
       </dgm:t>
     </dgm:pt>
     <dgm:pt modelId="{116E1105-B867-4515-8215-50D5AD6DB750}">
-      <dgm:prSet/>
+      <dgm:prSet custT="1"/>
       <dgm:spPr/>
       <dgm:t>
         <a:bodyPr/>
         <a:lstStyle/>
         <a:p>
-          <a:pPr algn="ctr">
+          <a:pPr>
             <a:lnSpc>
               <a:spcPct val="100000"/>
             </a:lnSpc>
             <a:defRPr cap="all"/>
           </a:pPr>
           <a:r>
-            <a:rPr lang="en-US" dirty="0">
+            <a:rPr lang="zh-TW" sz="2800" b="1" dirty="0">
               <a:latin typeface="標楷體" panose="03000509000000000000" pitchFamily="65" charset="-120"/>
               <a:ea typeface="標楷體" panose="03000509000000000000" pitchFamily="65" charset="-120"/>
             </a:rPr>
-            <a:t>C</a:t>
+            <a:t>會員數量增加</a:t>
           </a:r>
-          <a:r>
-            <a:rPr lang="zh-TW" dirty="0">
-              <a:latin typeface="標楷體" panose="03000509000000000000" pitchFamily="65" charset="-120"/>
-              <a:ea typeface="標楷體" panose="03000509000000000000" pitchFamily="65" charset="-120"/>
-            </a:rPr>
-            <a:t>：年度會員數量增加並取得成功</a:t>
-          </a:r>
+          <a:endParaRPr lang="en-US" altLang="zh-TW" sz="2800" b="1" dirty="0">
+            <a:latin typeface="標楷體" panose="03000509000000000000" pitchFamily="65" charset="-120"/>
+            <a:ea typeface="標楷體" panose="03000509000000000000" pitchFamily="65" charset="-120"/>
+          </a:endParaRPr>
         </a:p>
         <a:p>
-          <a:pPr algn="l">
+          <a:pPr>
+            <a:lnSpc>
+              <a:spcPct val="100000"/>
+            </a:lnSpc>
+            <a:defRPr cap="all"/>
+          </a:pPr>
+          <a:endParaRPr lang="zh-TW" sz="2400" dirty="0">
+            <a:latin typeface="標楷體" panose="03000509000000000000" pitchFamily="65" charset="-120"/>
+            <a:ea typeface="標楷體" panose="03000509000000000000" pitchFamily="65" charset="-120"/>
+          </a:endParaRPr>
+        </a:p>
+        <a:p>
+          <a:pPr>
             <a:lnSpc>
               <a:spcPct val="100000"/>
             </a:lnSpc>
           </a:pPr>
           <a:r>
-            <a:rPr lang="en-US" dirty="0">
+            <a:rPr lang="en-US" sz="2400" dirty="0">
               <a:latin typeface="標楷體" panose="03000509000000000000" pitchFamily="65" charset="-120"/>
               <a:ea typeface="標楷體" panose="03000509000000000000" pitchFamily="65" charset="-120"/>
             </a:rPr>
-            <a:t>- </a:t>
+            <a:t>-</a:t>
           </a:r>
           <a:r>
-            <a:rPr lang="zh-TW" dirty="0">
+            <a:rPr lang="zh-TW" sz="2400" dirty="0">
               <a:latin typeface="標楷體" panose="03000509000000000000" pitchFamily="65" charset="-120"/>
               <a:ea typeface="標楷體" panose="03000509000000000000" pitchFamily="65" charset="-120"/>
             </a:rPr>
-            <a:t>更高的獲利能力</a:t>
+            <a:t>更高獲利能力</a:t>
           </a:r>
         </a:p>
         <a:p>
-          <a:pPr algn="l">
+          <a:pPr>
             <a:lnSpc>
               <a:spcPct val="100000"/>
             </a:lnSpc>
           </a:pPr>
           <a:r>
-            <a:rPr lang="en-US" dirty="0">
+            <a:rPr lang="en-US" sz="2400" dirty="0">
               <a:latin typeface="標楷體" panose="03000509000000000000" pitchFamily="65" charset="-120"/>
               <a:ea typeface="標楷體" panose="03000509000000000000" pitchFamily="65" charset="-120"/>
             </a:rPr>
-            <a:t>- </a:t>
+            <a:t>-</a:t>
           </a:r>
           <a:r>
-            <a:rPr lang="zh-TW" dirty="0">
+            <a:rPr lang="zh-TW" sz="2400" dirty="0">
               <a:latin typeface="標楷體" panose="03000509000000000000" pitchFamily="65" charset="-120"/>
               <a:ea typeface="標楷體" panose="03000509000000000000" pitchFamily="65" charset="-120"/>
             </a:rPr>
@@ -2458,26 +2488,26 @@
           </a:r>
         </a:p>
         <a:p>
-          <a:pPr algn="l">
+          <a:pPr>
             <a:lnSpc>
               <a:spcPct val="100000"/>
             </a:lnSpc>
           </a:pPr>
           <a:r>
-            <a:rPr lang="en-US" dirty="0">
+            <a:rPr lang="en-US" sz="2400" dirty="0">
               <a:latin typeface="標楷體" panose="03000509000000000000" pitchFamily="65" charset="-120"/>
               <a:ea typeface="標楷體" panose="03000509000000000000" pitchFamily="65" charset="-120"/>
             </a:rPr>
-            <a:t>- </a:t>
+            <a:t>-</a:t>
           </a:r>
           <a:r>
-            <a:rPr lang="zh-TW" dirty="0">
+            <a:rPr lang="zh-TW" sz="2400" dirty="0">
               <a:latin typeface="標楷體" panose="03000509000000000000" pitchFamily="65" charset="-120"/>
               <a:ea typeface="標楷體" panose="03000509000000000000" pitchFamily="65" charset="-120"/>
             </a:rPr>
             <a:t>公司永續發展</a:t>
           </a:r>
-          <a:endParaRPr lang="en-US" dirty="0">
+          <a:endParaRPr lang="en-US" altLang="zh-TW" sz="2400" dirty="0">
             <a:latin typeface="標楷體" panose="03000509000000000000" pitchFamily="65" charset="-120"/>
             <a:ea typeface="標楷體" panose="03000509000000000000" pitchFamily="65" charset="-120"/>
           </a:endParaRPr>
@@ -2524,15 +2554,58 @@
       <dgm:spPr/>
     </dgm:pt>
     <dgm:pt modelId="{DF3D4E58-E507-44C8-94BF-C8CE9DD00668}" type="pres">
-      <dgm:prSet presAssocID="{6269A14A-2525-4E4F-AB23-9C6DDB1382A4}" presName="iconRect" presStyleLbl="node1" presStyleIdx="0" presStyleCnt="3"/>
-      <dgm:spPr/>
+      <dgm:prSet presAssocID="{6269A14A-2525-4E4F-AB23-9C6DDB1382A4}" presName="iconRect" presStyleLbl="node1" presStyleIdx="0" presStyleCnt="3">
+        <dgm:style>
+          <a:lnRef idx="2">
+            <a:schemeClr val="dk1"/>
+          </a:lnRef>
+          <a:fillRef idx="1">
+            <a:schemeClr val="lt1"/>
+          </a:fillRef>
+          <a:effectRef idx="0">
+            <a:schemeClr val="dk1"/>
+          </a:effectRef>
+          <a:fontRef idx="minor">
+            <a:schemeClr val="dk1"/>
+          </a:fontRef>
+        </dgm:style>
+      </dgm:prSet>
+      <dgm:spPr>
+        <a:prstGeom prst="rect">
+          <a:avLst/>
+        </a:prstGeom>
+        <a:blipFill>
+          <a:blip xmlns:r="http://schemas.openxmlformats.org/officeDocument/2006/relationships" r:embed="rId1">
+            <a:extLst>
+              <a:ext uri="{28A0092B-C50C-407E-A947-70E740481C1C}">
+                <a14:useLocalDpi xmlns:a14="http://schemas.microsoft.com/office/drawing/2010/main" val="0"/>
+              </a:ext>
+              <a:ext uri="{96DAC541-7B7A-43D3-8B79-37D633B846F1}">
+                <asvg:svgBlip xmlns:asvg="http://schemas.microsoft.com/office/drawing/2016/SVG/main" r:embed="rId2"/>
+              </a:ext>
+            </a:extLst>
+          </a:blip>
+          <a:srcRect/>
+          <a:stretch>
+            <a:fillRect/>
+          </a:stretch>
+        </a:blipFill>
+        <a:ln>
+          <a:noFill/>
+        </a:ln>
+      </dgm:spPr>
+      <dgm:extLst>
+        <a:ext uri="{E40237B7-FDA0-4F09-8148-C483321AD2D9}">
+          <dgm14:cNvPr xmlns:dgm14="http://schemas.microsoft.com/office/drawing/2010/diagram" id="0" name="" descr="清單 以實心填滿"/>
+        </a:ext>
+      </dgm:extLst>
     </dgm:pt>
     <dgm:pt modelId="{1F58E6DE-88D6-484D-96D4-20205065798C}" type="pres">
       <dgm:prSet presAssocID="{6269A14A-2525-4E4F-AB23-9C6DDB1382A4}" presName="spaceRect" presStyleCnt="0"/>
       <dgm:spPr/>
     </dgm:pt>
     <dgm:pt modelId="{F1E1E894-D8D8-40FE-9118-4EC989685A29}" type="pres">
-      <dgm:prSet presAssocID="{6269A14A-2525-4E4F-AB23-9C6DDB1382A4}" presName="textRect" presStyleLbl="revTx" presStyleIdx="0" presStyleCnt="3">
+      <dgm:prSet presAssocID="{6269A14A-2525-4E4F-AB23-9C6DDB1382A4}" presName="textRect" presStyleLbl="revTx" presStyleIdx="0" presStyleCnt="3" custScaleX="112576" custScaleY="136343">
         <dgm:presLayoutVars>
           <dgm:chMax val="1"/>
           <dgm:chPref val="1"/>
@@ -2554,14 +2627,39 @@
     </dgm:pt>
     <dgm:pt modelId="{0B17E7FA-8354-47B0-A95A-CF63A1D5B15B}" type="pres">
       <dgm:prSet presAssocID="{A80C09FC-30F6-41E2-9A93-979C38CAB5BC}" presName="iconRect" presStyleLbl="node1" presStyleIdx="1" presStyleCnt="3"/>
-      <dgm:spPr/>
+      <dgm:spPr>
+        <a:blipFill>
+          <a:blip xmlns:r="http://schemas.openxmlformats.org/officeDocument/2006/relationships" r:embed="rId3">
+            <a:extLst>
+              <a:ext uri="{28A0092B-C50C-407E-A947-70E740481C1C}">
+                <a14:useLocalDpi xmlns:a14="http://schemas.microsoft.com/office/drawing/2010/main" val="0"/>
+              </a:ext>
+              <a:ext uri="{96DAC541-7B7A-43D3-8B79-37D633B846F1}">
+                <asvg:svgBlip xmlns:asvg="http://schemas.microsoft.com/office/drawing/2016/SVG/main" r:embed="rId4"/>
+              </a:ext>
+            </a:extLst>
+          </a:blip>
+          <a:srcRect/>
+          <a:stretch>
+            <a:fillRect/>
+          </a:stretch>
+        </a:blipFill>
+        <a:ln>
+          <a:noFill/>
+        </a:ln>
+      </dgm:spPr>
+      <dgm:extLst>
+        <a:ext uri="{E40237B7-FDA0-4F09-8148-C483321AD2D9}">
+          <dgm14:cNvPr xmlns:dgm14="http://schemas.microsoft.com/office/drawing/2010/diagram" id="0" name="" descr="橫條圖簡報 以實心填滿"/>
+        </a:ext>
+      </dgm:extLst>
     </dgm:pt>
     <dgm:pt modelId="{D9F14BB6-3C09-4730-A854-E40D5CCE2E3F}" type="pres">
       <dgm:prSet presAssocID="{A80C09FC-30F6-41E2-9A93-979C38CAB5BC}" presName="spaceRect" presStyleCnt="0"/>
       <dgm:spPr/>
     </dgm:pt>
     <dgm:pt modelId="{B9710D55-CDA9-4389-85FA-CC53D2C7561E}" type="pres">
-      <dgm:prSet presAssocID="{A80C09FC-30F6-41E2-9A93-979C38CAB5BC}" presName="textRect" presStyleLbl="revTx" presStyleIdx="1" presStyleCnt="3">
+      <dgm:prSet presAssocID="{A80C09FC-30F6-41E2-9A93-979C38CAB5BC}" presName="textRect" presStyleLbl="revTx" presStyleIdx="1" presStyleCnt="3" custScaleY="137147">
         <dgm:presLayoutVars>
           <dgm:chMax val="1"/>
           <dgm:chPref val="1"/>
@@ -2583,14 +2681,36 @@
     </dgm:pt>
     <dgm:pt modelId="{0D59B028-73EB-40FA-B027-CFCC17247217}" type="pres">
       <dgm:prSet presAssocID="{116E1105-B867-4515-8215-50D5AD6DB750}" presName="iconRect" presStyleLbl="node1" presStyleIdx="2" presStyleCnt="3"/>
-      <dgm:spPr/>
+      <dgm:spPr>
+        <a:blipFill>
+          <a:blip xmlns:r="http://schemas.openxmlformats.org/officeDocument/2006/relationships" r:embed="rId5">
+            <a:extLst>
+              <a:ext uri="{28A0092B-C50C-407E-A947-70E740481C1C}">
+                <a14:useLocalDpi xmlns:a14="http://schemas.microsoft.com/office/drawing/2010/main" val="0"/>
+              </a:ext>
+              <a:ext uri="{96DAC541-7B7A-43D3-8B79-37D633B846F1}">
+                <asvg:svgBlip xmlns:asvg="http://schemas.microsoft.com/office/drawing/2016/SVG/main" r:embed="rId6"/>
+              </a:ext>
+            </a:extLst>
+          </a:blip>
+          <a:srcRect/>
+          <a:stretch>
+            <a:fillRect/>
+          </a:stretch>
+        </a:blipFill>
+      </dgm:spPr>
+      <dgm:extLst>
+        <a:ext uri="{E40237B7-FDA0-4F09-8148-C483321AD2D9}">
+          <dgm14:cNvPr xmlns:dgm14="http://schemas.microsoft.com/office/drawing/2010/diagram" id="0" name="" descr="上升趨勢的橫條圖 以實心填滿"/>
+        </a:ext>
+      </dgm:extLst>
     </dgm:pt>
     <dgm:pt modelId="{12731DCF-81C5-4CE1-BCB2-D8E1B423A88F}" type="pres">
       <dgm:prSet presAssocID="{116E1105-B867-4515-8215-50D5AD6DB750}" presName="spaceRect" presStyleCnt="0"/>
       <dgm:spPr/>
     </dgm:pt>
     <dgm:pt modelId="{1F820FB1-E2D1-48FE-A645-D9EE27D1247E}" type="pres">
-      <dgm:prSet presAssocID="{116E1105-B867-4515-8215-50D5AD6DB750}" presName="textRect" presStyleLbl="revTx" presStyleIdx="2" presStyleCnt="3">
+      <dgm:prSet presAssocID="{116E1105-B867-4515-8215-50D5AD6DB750}" presName="textRect" presStyleLbl="revTx" presStyleIdx="2" presStyleCnt="3" custScaleY="137936">
         <dgm:presLayoutVars>
           <dgm:chMax val="1"/>
           <dgm:chPref val="1"/>
@@ -2983,7 +3103,7 @@
               <a:ea typeface="標楷體" panose="03000509000000000000" pitchFamily="65" charset="-120"/>
               <a:cs typeface="Times New Roman" panose="02020603050405020304" pitchFamily="18" charset="0"/>
             </a:rPr>
-            <a:t>：所有資料來源的說明</a:t>
+            <a:t>：所有資料來源說明</a:t>
           </a:r>
         </a:p>
       </dsp:txBody>
@@ -3152,7 +3272,7 @@
               <a:ea typeface="標楷體" panose="03000509000000000000" pitchFamily="65" charset="-120"/>
               <a:cs typeface="Times New Roman" panose="02020603050405020304" pitchFamily="18" charset="0"/>
             </a:rPr>
-            <a:t>：任何資料清理或處理的記錄</a:t>
+            <a:t>：任何資料清理或處理記錄</a:t>
           </a:r>
         </a:p>
       </dsp:txBody>
@@ -3327,7 +3447,7 @@
               <a:ea typeface="標楷體" panose="03000509000000000000" pitchFamily="65" charset="-120"/>
               <a:cs typeface="Times New Roman" panose="02020603050405020304" pitchFamily="18" charset="0"/>
             </a:rPr>
-            <a:t>：我的分析摘要</a:t>
+            <a:t>：我分析摘要</a:t>
           </a:r>
         </a:p>
       </dsp:txBody>
@@ -3585,7 +3705,7 @@
               <a:ea typeface="標楷體" panose="03000509000000000000" pitchFamily="65" charset="-120"/>
               <a:cs typeface="Times New Roman" panose="02020603050405020304" pitchFamily="18" charset="0"/>
             </a:rPr>
-            <a:t>：我根據分析提出的三大建議</a:t>
+            <a:t>：我分析提出三大建議</a:t>
           </a:r>
         </a:p>
       </dsp:txBody>
@@ -3613,8 +3733,8 @@
       </dsp:nvSpPr>
       <dsp:spPr>
         <a:xfrm>
-          <a:off x="768000" y="142664"/>
-          <a:ext cx="2196000" cy="2196000"/>
+          <a:off x="934500" y="119622"/>
+          <a:ext cx="2127375" cy="2127375"/>
         </a:xfrm>
         <a:prstGeom prst="ellipse">
           <a:avLst/>
@@ -3653,45 +3773,46 @@
       </dsp:nvSpPr>
       <dsp:spPr>
         <a:xfrm>
-          <a:off x="1236000" y="610664"/>
-          <a:ext cx="1260000" cy="1260000"/>
+          <a:off x="1387875" y="572997"/>
+          <a:ext cx="1220625" cy="1220625"/>
         </a:xfrm>
         <a:prstGeom prst="rect">
           <a:avLst/>
         </a:prstGeom>
-        <a:solidFill>
-          <a:schemeClr val="accent1">
-            <a:hueOff val="0"/>
-            <a:satOff val="0"/>
-            <a:lumOff val="0"/>
-            <a:alphaOff val="0"/>
-          </a:schemeClr>
-        </a:solidFill>
+        <a:blipFill>
+          <a:blip xmlns:r="http://schemas.openxmlformats.org/officeDocument/2006/relationships" r:embed="rId1">
+            <a:extLst>
+              <a:ext uri="{28A0092B-C50C-407E-A947-70E740481C1C}">
+                <a14:useLocalDpi xmlns:a14="http://schemas.microsoft.com/office/drawing/2010/main" val="0"/>
+              </a:ext>
+              <a:ext uri="{96DAC541-7B7A-43D3-8B79-37D633B846F1}">
+                <asvg:svgBlip xmlns:asvg="http://schemas.microsoft.com/office/drawing/2016/SVG/main" r:embed="rId2"/>
+              </a:ext>
+            </a:extLst>
+          </a:blip>
+          <a:srcRect/>
+          <a:stretch>
+            <a:fillRect/>
+          </a:stretch>
+        </a:blipFill>
         <a:ln w="15875" cap="flat" cmpd="sng" algn="ctr">
-          <a:solidFill>
-            <a:schemeClr val="lt1">
-              <a:hueOff val="0"/>
-              <a:satOff val="0"/>
-              <a:lumOff val="0"/>
-              <a:alphaOff val="0"/>
-            </a:schemeClr>
-          </a:solidFill>
+          <a:noFill/>
           <a:prstDash val="solid"/>
         </a:ln>
         <a:effectLst/>
       </dsp:spPr>
       <dsp:style>
         <a:lnRef idx="2">
-          <a:scrgbClr r="0" g="0" b="0"/>
+          <a:schemeClr val="dk1"/>
         </a:lnRef>
         <a:fillRef idx="1">
-          <a:scrgbClr r="0" g="0" b="0"/>
+          <a:schemeClr val="lt1"/>
         </a:fillRef>
         <a:effectRef idx="0">
-          <a:scrgbClr r="0" g="0" b="0"/>
+          <a:schemeClr val="dk1"/>
         </a:effectRef>
         <a:fontRef idx="minor">
-          <a:schemeClr val="lt1"/>
+          <a:schemeClr val="dk1"/>
         </a:fontRef>
       </dsp:style>
     </dsp:sp>
@@ -3702,8 +3823,8 @@
       </dsp:nvSpPr>
       <dsp:spPr>
         <a:xfrm>
-          <a:off x="66000" y="3022664"/>
-          <a:ext cx="3600000" cy="2970000"/>
+          <a:off x="35143" y="2320865"/>
+          <a:ext cx="3926088" cy="4417513"/>
         </a:xfrm>
         <a:prstGeom prst="rect">
           <a:avLst/>
@@ -3732,7 +3853,7 @@
         </a:bodyPr>
         <a:lstStyle/>
         <a:p>
-          <a:pPr marL="0" lvl="0" indent="0" algn="ctr" defTabSz="1066800">
+          <a:pPr marL="0" lvl="0" indent="0" algn="ctr" defTabSz="1244600">
             <a:lnSpc>
               <a:spcPct val="100000"/>
             </a:lnSpc>
@@ -3746,22 +3867,19 @@
             <a:defRPr cap="all"/>
           </a:pPr>
           <a:r>
-            <a:rPr lang="en-US" sz="2400" kern="1200" dirty="0">
+            <a:rPr lang="zh-TW" sz="2800" b="1" kern="1200" dirty="0">
               <a:latin typeface="標楷體" panose="03000509000000000000" pitchFamily="65" charset="-120"/>
               <a:ea typeface="標楷體" panose="03000509000000000000" pitchFamily="65" charset="-120"/>
             </a:rPr>
-            <a:t>A</a:t>
+            <a:t>了解使用模式</a:t>
           </a:r>
-          <a:r>
-            <a:rPr lang="zh-TW" sz="2400" kern="1200" dirty="0">
-              <a:latin typeface="標楷體" panose="03000509000000000000" pitchFamily="65" charset="-120"/>
-              <a:ea typeface="標楷體" panose="03000509000000000000" pitchFamily="65" charset="-120"/>
-            </a:rPr>
-            <a:t>：了解使用模式（分析流程）</a:t>
-          </a:r>
+          <a:endParaRPr lang="en-US" altLang="zh-TW" sz="2800" b="1" kern="1200" dirty="0">
+            <a:latin typeface="標楷體" panose="03000509000000000000" pitchFamily="65" charset="-120"/>
+            <a:ea typeface="標楷體" panose="03000509000000000000" pitchFamily="65" charset="-120"/>
+          </a:endParaRPr>
         </a:p>
         <a:p>
-          <a:pPr marL="0" lvl="0" indent="0" algn="l" defTabSz="1066800">
+          <a:pPr marL="0" lvl="0" indent="0" algn="ctr" defTabSz="1244600">
             <a:lnSpc>
               <a:spcPct val="100000"/>
             </a:lnSpc>
@@ -3772,13 +3890,33 @@
               <a:spcPct val="35000"/>
             </a:spcAft>
             <a:buNone/>
+            <a:defRPr cap="all"/>
+          </a:pPr>
+          <a:endParaRPr lang="en-US" altLang="zh-TW" sz="2400" kern="1200" dirty="0">
+            <a:latin typeface="標楷體" panose="03000509000000000000" pitchFamily="65" charset="-120"/>
+            <a:ea typeface="標楷體" panose="03000509000000000000" pitchFamily="65" charset="-120"/>
+          </a:endParaRPr>
+        </a:p>
+        <a:p>
+          <a:pPr marL="0" lvl="0" indent="0" algn="ctr" defTabSz="1244600">
+            <a:lnSpc>
+              <a:spcPct val="100000"/>
+            </a:lnSpc>
+            <a:spcBef>
+              <a:spcPct val="0"/>
+            </a:spcBef>
+            <a:spcAft>
+              <a:spcPct val="35000"/>
+            </a:spcAft>
+            <a:buNone/>
+            <a:defRPr cap="all"/>
           </a:pPr>
           <a:r>
             <a:rPr lang="en-US" altLang="zh-TW" sz="2400" kern="1200" dirty="0">
               <a:latin typeface="標楷體" panose="03000509000000000000" pitchFamily="65" charset="-120"/>
               <a:ea typeface="標楷體" panose="03000509000000000000" pitchFamily="65" charset="-120"/>
             </a:rPr>
-            <a:t>- </a:t>
+            <a:t>-</a:t>
           </a:r>
           <a:r>
             <a:rPr lang="zh-TW" sz="2400" kern="1200" dirty="0">
@@ -3789,7 +3927,7 @@
           </a:r>
         </a:p>
         <a:p>
-          <a:pPr marL="0" lvl="0" indent="0" algn="l" defTabSz="1066800">
+          <a:pPr marL="0" lvl="0" indent="0" algn="ctr" defTabSz="1244600">
             <a:lnSpc>
               <a:spcPct val="100000"/>
             </a:lnSpc>
@@ -3806,7 +3944,7 @@
               <a:latin typeface="標楷體" panose="03000509000000000000" pitchFamily="65" charset="-120"/>
               <a:ea typeface="標楷體" panose="03000509000000000000" pitchFamily="65" charset="-120"/>
             </a:rPr>
-            <a:t>- </a:t>
+            <a:t>-</a:t>
           </a:r>
           <a:r>
             <a:rPr lang="zh-TW" sz="2400" kern="1200" dirty="0">
@@ -3817,7 +3955,7 @@
           </a:r>
         </a:p>
         <a:p>
-          <a:pPr marL="0" lvl="0" indent="0" algn="l" defTabSz="1066800">
+          <a:pPr marL="0" lvl="0" indent="0" algn="ctr" defTabSz="1244600">
             <a:lnSpc>
               <a:spcPct val="100000"/>
             </a:lnSpc>
@@ -3834,7 +3972,7 @@
               <a:latin typeface="標楷體" panose="03000509000000000000" pitchFamily="65" charset="-120"/>
               <a:ea typeface="標楷體" panose="03000509000000000000" pitchFamily="65" charset="-120"/>
             </a:rPr>
-            <a:t>- </a:t>
+            <a:t>-</a:t>
           </a:r>
           <a:r>
             <a:rPr lang="zh-TW" sz="2400" kern="1200" dirty="0">
@@ -3845,7 +3983,7 @@
           </a:r>
         </a:p>
         <a:p>
-          <a:pPr marL="0" lvl="0" indent="0" algn="l" defTabSz="1066800">
+          <a:pPr marL="0" lvl="0" indent="0" algn="ctr" defTabSz="1244600">
             <a:lnSpc>
               <a:spcPct val="100000"/>
             </a:lnSpc>
@@ -3862,7 +4000,7 @@
               <a:latin typeface="標楷體" panose="03000509000000000000" pitchFamily="65" charset="-120"/>
               <a:ea typeface="標楷體" panose="03000509000000000000" pitchFamily="65" charset="-120"/>
             </a:rPr>
-            <a:t>- </a:t>
+            <a:t>-</a:t>
           </a:r>
           <a:r>
             <a:rPr lang="zh-TW" sz="2400" kern="1200" dirty="0">
@@ -3871,15 +4009,15 @@
             </a:rPr>
             <a:t>每週趨勢</a:t>
           </a:r>
-          <a:endParaRPr lang="zh-TW" altLang="en-US" sz="2400" kern="1200" dirty="0">
-            <a:latin typeface="標楷體" panose="03000509000000000000" pitchFamily="65" charset="-120"/>
-            <a:ea typeface="標楷體" panose="03000509000000000000" pitchFamily="65" charset="-120"/>
+          <a:endParaRPr lang="zh-TW" altLang="en-US" sz="1800" b="0" kern="1200" dirty="0">
+            <a:latin typeface="Times New Roman" panose="02020603050405020304" pitchFamily="18" charset="0"/>
+            <a:cs typeface="Times New Roman" panose="02020603050405020304" pitchFamily="18" charset="0"/>
           </a:endParaRPr>
         </a:p>
       </dsp:txBody>
       <dsp:txXfrm>
-        <a:off x="66000" y="3022664"/>
-        <a:ext cx="3600000" cy="2970000"/>
+        <a:off x="35143" y="2320865"/>
+        <a:ext cx="3926088" cy="4417513"/>
       </dsp:txXfrm>
     </dsp:sp>
     <dsp:sp modelId="{E25D46DA-3CCC-4690-B645-92B8158A50C4}">
@@ -3889,8 +4027,8 @@
       </dsp:nvSpPr>
       <dsp:spPr>
         <a:xfrm>
-          <a:off x="4998000" y="142664"/>
-          <a:ext cx="2196000" cy="2196000"/>
+          <a:off x="5251606" y="113109"/>
+          <a:ext cx="2127375" cy="2127375"/>
         </a:xfrm>
         <a:prstGeom prst="ellipse">
           <a:avLst/>
@@ -3929,29 +4067,30 @@
       </dsp:nvSpPr>
       <dsp:spPr>
         <a:xfrm>
-          <a:off x="5466000" y="610664"/>
-          <a:ext cx="1260000" cy="1260000"/>
+          <a:off x="5704981" y="566484"/>
+          <a:ext cx="1220625" cy="1220625"/>
         </a:xfrm>
         <a:prstGeom prst="rect">
           <a:avLst/>
         </a:prstGeom>
-        <a:solidFill>
-          <a:schemeClr val="accent1">
-            <a:hueOff val="0"/>
-            <a:satOff val="0"/>
-            <a:lumOff val="0"/>
-            <a:alphaOff val="0"/>
-          </a:schemeClr>
-        </a:solidFill>
+        <a:blipFill>
+          <a:blip xmlns:r="http://schemas.openxmlformats.org/officeDocument/2006/relationships" r:embed="rId3">
+            <a:extLst>
+              <a:ext uri="{28A0092B-C50C-407E-A947-70E740481C1C}">
+                <a14:useLocalDpi xmlns:a14="http://schemas.microsoft.com/office/drawing/2010/main" val="0"/>
+              </a:ext>
+              <a:ext uri="{96DAC541-7B7A-43D3-8B79-37D633B846F1}">
+                <asvg:svgBlip xmlns:asvg="http://schemas.microsoft.com/office/drawing/2016/SVG/main" r:embed="rId4"/>
+              </a:ext>
+            </a:extLst>
+          </a:blip>
+          <a:srcRect/>
+          <a:stretch>
+            <a:fillRect/>
+          </a:stretch>
+        </a:blipFill>
         <a:ln w="15875" cap="flat" cmpd="sng" algn="ctr">
-          <a:solidFill>
-            <a:schemeClr val="lt1">
-              <a:hueOff val="0"/>
-              <a:satOff val="0"/>
-              <a:lumOff val="0"/>
-              <a:alphaOff val="0"/>
-            </a:schemeClr>
-          </a:solidFill>
+          <a:noFill/>
           <a:prstDash val="solid"/>
         </a:ln>
         <a:effectLst/>
@@ -3978,8 +4117,8 @@
       </dsp:nvSpPr>
       <dsp:spPr>
         <a:xfrm>
-          <a:off x="4296000" y="3022664"/>
-          <a:ext cx="3600000" cy="2970000"/>
+          <a:off x="4571544" y="2301328"/>
+          <a:ext cx="3487500" cy="4443562"/>
         </a:xfrm>
         <a:prstGeom prst="rect">
           <a:avLst/>
@@ -4008,7 +4147,7 @@
         </a:bodyPr>
         <a:lstStyle/>
         <a:p>
-          <a:pPr marL="0" lvl="0" indent="0" algn="ctr" defTabSz="1289050">
+          <a:pPr marL="0" lvl="0" indent="0" algn="ctr" defTabSz="1244600">
             <a:lnSpc>
               <a:spcPct val="100000"/>
             </a:lnSpc>
@@ -4022,22 +4161,67 @@
             <a:defRPr cap="all"/>
           </a:pPr>
           <a:r>
-            <a:rPr lang="en-US" sz="2900" kern="1200" dirty="0">
+            <a:rPr lang="zh-TW" sz="2800" b="1" kern="1200" dirty="0">
               <a:latin typeface="標楷體" panose="03000509000000000000" pitchFamily="65" charset="-120"/>
               <a:ea typeface="標楷體" panose="03000509000000000000" pitchFamily="65" charset="-120"/>
             </a:rPr>
-            <a:t>B</a:t>
+            <a:t>針對性行銷策略</a:t>
           </a:r>
+          <a:endParaRPr lang="en-US" altLang="zh-TW" sz="2800" b="1" kern="1200" dirty="0">
+            <a:latin typeface="標楷體" panose="03000509000000000000" pitchFamily="65" charset="-120"/>
+            <a:ea typeface="標楷體" panose="03000509000000000000" pitchFamily="65" charset="-120"/>
+          </a:endParaRPr>
+        </a:p>
+        <a:p>
+          <a:pPr marL="0" lvl="0" indent="0" algn="ctr" defTabSz="1244600">
+            <a:lnSpc>
+              <a:spcPct val="100000"/>
+            </a:lnSpc>
+            <a:spcBef>
+              <a:spcPct val="0"/>
+            </a:spcBef>
+            <a:spcAft>
+              <a:spcPct val="35000"/>
+            </a:spcAft>
+            <a:buNone/>
+            <a:defRPr cap="all"/>
+          </a:pPr>
+          <a:endParaRPr lang="en-US" altLang="zh-TW" sz="2400" kern="1200" dirty="0">
+            <a:latin typeface="標楷體" panose="03000509000000000000" pitchFamily="65" charset="-120"/>
+            <a:ea typeface="標楷體" panose="03000509000000000000" pitchFamily="65" charset="-120"/>
+          </a:endParaRPr>
+        </a:p>
+        <a:p>
+          <a:pPr marL="0" lvl="0" indent="0" algn="ctr" defTabSz="1244600">
+            <a:lnSpc>
+              <a:spcPct val="100000"/>
+            </a:lnSpc>
+            <a:spcBef>
+              <a:spcPct val="0"/>
+            </a:spcBef>
+            <a:spcAft>
+              <a:spcPct val="35000"/>
+            </a:spcAft>
+            <a:buNone/>
+            <a:defRPr cap="all"/>
+          </a:pPr>
           <a:r>
-            <a:rPr lang="zh-TW" sz="2900" kern="1200" dirty="0">
+            <a:rPr lang="en-US" sz="2400" kern="1200" dirty="0">
               <a:latin typeface="標楷體" panose="03000509000000000000" pitchFamily="65" charset="-120"/>
               <a:ea typeface="標楷體" panose="03000509000000000000" pitchFamily="65" charset="-120"/>
             </a:rPr>
-            <a:t>：針對性的行銷策略（行動過程）</a:t>
+            <a:t>-</a:t>
+          </a:r>
+          <a:r>
+            <a:rPr lang="zh-TW" sz="2400" kern="1200" dirty="0">
+              <a:latin typeface="標楷體" panose="03000509000000000000" pitchFamily="65" charset="-120"/>
+              <a:ea typeface="標楷體" panose="03000509000000000000" pitchFamily="65" charset="-120"/>
+            </a:rPr>
+            <a:t>促銷和折扣</a:t>
           </a:r>
         </a:p>
         <a:p>
-          <a:pPr marL="0" lvl="0" indent="0" algn="l" defTabSz="1289050">
+          <a:pPr marL="0" lvl="0" indent="0" algn="ctr" defTabSz="1244600">
             <a:lnSpc>
               <a:spcPct val="100000"/>
             </a:lnSpc>
@@ -4050,22 +4234,22 @@
             <a:buNone/>
           </a:pPr>
           <a:r>
-            <a:rPr lang="en-US" sz="2900" kern="1200" dirty="0">
+            <a:rPr lang="en-US" sz="2400" kern="1200" dirty="0">
               <a:latin typeface="標楷體" panose="03000509000000000000" pitchFamily="65" charset="-120"/>
               <a:ea typeface="標楷體" panose="03000509000000000000" pitchFamily="65" charset="-120"/>
             </a:rPr>
-            <a:t>- </a:t>
+            <a:t>-</a:t>
           </a:r>
           <a:r>
-            <a:rPr lang="zh-TW" sz="2900" kern="1200" dirty="0">
+            <a:rPr lang="zh-TW" sz="2400" kern="1200" dirty="0">
               <a:latin typeface="標楷體" panose="03000509000000000000" pitchFamily="65" charset="-120"/>
               <a:ea typeface="標楷體" panose="03000509000000000000" pitchFamily="65" charset="-120"/>
             </a:rPr>
-            <a:t>促銷和折扣</a:t>
+            <a:t>強調成本節約</a:t>
           </a:r>
         </a:p>
         <a:p>
-          <a:pPr marL="0" lvl="0" indent="0" algn="l" defTabSz="1289050">
+          <a:pPr marL="0" lvl="0" indent="0" algn="ctr" defTabSz="1244600">
             <a:lnSpc>
               <a:spcPct val="100000"/>
             </a:lnSpc>
@@ -4078,56 +4262,28 @@
             <a:buNone/>
           </a:pPr>
           <a:r>
-            <a:rPr lang="en-US" sz="2900" kern="1200" dirty="0">
+            <a:rPr lang="en-US" sz="2400" kern="1200" dirty="0">
               <a:latin typeface="標楷體" panose="03000509000000000000" pitchFamily="65" charset="-120"/>
               <a:ea typeface="標楷體" panose="03000509000000000000" pitchFamily="65" charset="-120"/>
             </a:rPr>
-            <a:t>- </a:t>
+            <a:t>-</a:t>
           </a:r>
           <a:r>
-            <a:rPr lang="zh-TW" sz="2900" kern="1200" dirty="0">
-              <a:latin typeface="標楷體" panose="03000509000000000000" pitchFamily="65" charset="-120"/>
-              <a:ea typeface="標楷體" panose="03000509000000000000" pitchFamily="65" charset="-120"/>
-            </a:rPr>
-            <a:t>強調成本節約</a:t>
-          </a:r>
-        </a:p>
-        <a:p>
-          <a:pPr marL="0" lvl="0" indent="0" algn="l" defTabSz="1289050">
-            <a:lnSpc>
-              <a:spcPct val="100000"/>
-            </a:lnSpc>
-            <a:spcBef>
-              <a:spcPct val="0"/>
-            </a:spcBef>
-            <a:spcAft>
-              <a:spcPct val="35000"/>
-            </a:spcAft>
-            <a:buNone/>
-          </a:pPr>
-          <a:r>
-            <a:rPr lang="en-US" sz="2900" kern="1200" dirty="0">
-              <a:latin typeface="標楷體" panose="03000509000000000000" pitchFamily="65" charset="-120"/>
-              <a:ea typeface="標楷體" panose="03000509000000000000" pitchFamily="65" charset="-120"/>
-            </a:rPr>
-            <a:t>- </a:t>
-          </a:r>
-          <a:r>
-            <a:rPr lang="zh-TW" sz="2900" kern="1200" dirty="0">
+            <a:rPr lang="zh-TW" sz="2400" kern="1200" dirty="0">
               <a:latin typeface="標楷體" panose="03000509000000000000" pitchFamily="65" charset="-120"/>
               <a:ea typeface="標楷體" panose="03000509000000000000" pitchFamily="65" charset="-120"/>
             </a:rPr>
             <a:t>季節性行銷活動</a:t>
           </a:r>
-          <a:endParaRPr lang="en-US" sz="2900" kern="1200" dirty="0">
-            <a:latin typeface="標楷體" panose="03000509000000000000" pitchFamily="65" charset="-120"/>
-            <a:ea typeface="標楷體" panose="03000509000000000000" pitchFamily="65" charset="-120"/>
+          <a:endParaRPr lang="en-US" sz="1800" kern="1200" dirty="0">
+            <a:latin typeface="Times New Roman" panose="02020603050405020304" pitchFamily="18" charset="0"/>
+            <a:cs typeface="Times New Roman" panose="02020603050405020304" pitchFamily="18" charset="0"/>
           </a:endParaRPr>
         </a:p>
       </dsp:txBody>
       <dsp:txXfrm>
-        <a:off x="4296000" y="3022664"/>
-        <a:ext cx="3600000" cy="2970000"/>
+        <a:off x="4571544" y="2301328"/>
+        <a:ext cx="3487500" cy="4443562"/>
       </dsp:txXfrm>
     </dsp:sp>
     <dsp:sp modelId="{172B5539-CDB8-4AAF-88C5-F1BFC720604B}">
@@ -4137,8 +4293,8 @@
       </dsp:nvSpPr>
       <dsp:spPr>
         <a:xfrm>
-          <a:off x="9228000" y="142664"/>
-          <a:ext cx="2196000" cy="2196000"/>
+          <a:off x="9349419" y="106718"/>
+          <a:ext cx="2127375" cy="2127375"/>
         </a:xfrm>
         <a:prstGeom prst="ellipse">
           <a:avLst/>
@@ -4177,20 +4333,28 @@
       </dsp:nvSpPr>
       <dsp:spPr>
         <a:xfrm>
-          <a:off x="9696000" y="610664"/>
-          <a:ext cx="1260000" cy="1260000"/>
+          <a:off x="9802794" y="560093"/>
+          <a:ext cx="1220625" cy="1220625"/>
         </a:xfrm>
         <a:prstGeom prst="rect">
           <a:avLst/>
         </a:prstGeom>
-        <a:solidFill>
-          <a:schemeClr val="accent1">
-            <a:hueOff val="0"/>
-            <a:satOff val="0"/>
-            <a:lumOff val="0"/>
-            <a:alphaOff val="0"/>
-          </a:schemeClr>
-        </a:solidFill>
+        <a:blipFill>
+          <a:blip xmlns:r="http://schemas.openxmlformats.org/officeDocument/2006/relationships" r:embed="rId5">
+            <a:extLst>
+              <a:ext uri="{28A0092B-C50C-407E-A947-70E740481C1C}">
+                <a14:useLocalDpi xmlns:a14="http://schemas.microsoft.com/office/drawing/2010/main" val="0"/>
+              </a:ext>
+              <a:ext uri="{96DAC541-7B7A-43D3-8B79-37D633B846F1}">
+                <asvg:svgBlip xmlns:asvg="http://schemas.microsoft.com/office/drawing/2016/SVG/main" r:embed="rId6"/>
+              </a:ext>
+            </a:extLst>
+          </a:blip>
+          <a:srcRect/>
+          <a:stretch>
+            <a:fillRect/>
+          </a:stretch>
+        </a:blipFill>
         <a:ln w="15875" cap="flat" cmpd="sng" algn="ctr">
           <a:solidFill>
             <a:schemeClr val="lt1">
@@ -4226,8 +4390,8 @@
       </dsp:nvSpPr>
       <dsp:spPr>
         <a:xfrm>
-          <a:off x="8526000" y="3022664"/>
-          <a:ext cx="3600000" cy="2970000"/>
+          <a:off x="8669356" y="2282155"/>
+          <a:ext cx="3487500" cy="4469126"/>
         </a:xfrm>
         <a:prstGeom prst="rect">
           <a:avLst/>
@@ -4256,7 +4420,7 @@
         </a:bodyPr>
         <a:lstStyle/>
         <a:p>
-          <a:pPr marL="0" lvl="0" indent="0" algn="ctr" defTabSz="1289050">
+          <a:pPr marL="0" lvl="0" indent="0" algn="ctr" defTabSz="1244600">
             <a:lnSpc>
               <a:spcPct val="100000"/>
             </a:lnSpc>
@@ -4270,22 +4434,38 @@
             <a:defRPr cap="all"/>
           </a:pPr>
           <a:r>
-            <a:rPr lang="en-US" sz="2900" kern="1200" dirty="0">
+            <a:rPr lang="zh-TW" sz="2800" b="1" kern="1200" dirty="0">
               <a:latin typeface="標楷體" panose="03000509000000000000" pitchFamily="65" charset="-120"/>
               <a:ea typeface="標楷體" panose="03000509000000000000" pitchFamily="65" charset="-120"/>
             </a:rPr>
-            <a:t>C</a:t>
+            <a:t>會員數量增加</a:t>
           </a:r>
-          <a:r>
-            <a:rPr lang="zh-TW" sz="2900" kern="1200" dirty="0">
-              <a:latin typeface="標楷體" panose="03000509000000000000" pitchFamily="65" charset="-120"/>
-              <a:ea typeface="標楷體" panose="03000509000000000000" pitchFamily="65" charset="-120"/>
-            </a:rPr>
-            <a:t>：年度會員數量增加並取得成功</a:t>
-          </a:r>
+          <a:endParaRPr lang="en-US" altLang="zh-TW" sz="2800" b="1" kern="1200" dirty="0">
+            <a:latin typeface="標楷體" panose="03000509000000000000" pitchFamily="65" charset="-120"/>
+            <a:ea typeface="標楷體" panose="03000509000000000000" pitchFamily="65" charset="-120"/>
+          </a:endParaRPr>
         </a:p>
         <a:p>
-          <a:pPr marL="0" lvl="0" indent="0" algn="l" defTabSz="1289050">
+          <a:pPr marL="0" lvl="0" indent="0" algn="ctr" defTabSz="1244600">
+            <a:lnSpc>
+              <a:spcPct val="100000"/>
+            </a:lnSpc>
+            <a:spcBef>
+              <a:spcPct val="0"/>
+            </a:spcBef>
+            <a:spcAft>
+              <a:spcPct val="35000"/>
+            </a:spcAft>
+            <a:buNone/>
+            <a:defRPr cap="all"/>
+          </a:pPr>
+          <a:endParaRPr lang="zh-TW" sz="2400" kern="1200" dirty="0">
+            <a:latin typeface="標楷體" panose="03000509000000000000" pitchFamily="65" charset="-120"/>
+            <a:ea typeface="標楷體" panose="03000509000000000000" pitchFamily="65" charset="-120"/>
+          </a:endParaRPr>
+        </a:p>
+        <a:p>
+          <a:pPr marL="0" lvl="0" indent="0" algn="ctr" defTabSz="1244600">
             <a:lnSpc>
               <a:spcPct val="100000"/>
             </a:lnSpc>
@@ -4298,22 +4478,22 @@
             <a:buNone/>
           </a:pPr>
           <a:r>
-            <a:rPr lang="en-US" sz="2900" kern="1200" dirty="0">
+            <a:rPr lang="en-US" sz="2400" kern="1200" dirty="0">
               <a:latin typeface="標楷體" panose="03000509000000000000" pitchFamily="65" charset="-120"/>
               <a:ea typeface="標楷體" panose="03000509000000000000" pitchFamily="65" charset="-120"/>
             </a:rPr>
-            <a:t>- </a:t>
+            <a:t>-</a:t>
           </a:r>
           <a:r>
-            <a:rPr lang="zh-TW" sz="2900" kern="1200" dirty="0">
+            <a:rPr lang="zh-TW" sz="2400" kern="1200" dirty="0">
               <a:latin typeface="標楷體" panose="03000509000000000000" pitchFamily="65" charset="-120"/>
               <a:ea typeface="標楷體" panose="03000509000000000000" pitchFamily="65" charset="-120"/>
             </a:rPr>
-            <a:t>更高的獲利能力</a:t>
+            <a:t>更高獲利能力</a:t>
           </a:r>
         </a:p>
         <a:p>
-          <a:pPr marL="0" lvl="0" indent="0" algn="l" defTabSz="1289050">
+          <a:pPr marL="0" lvl="0" indent="0" algn="ctr" defTabSz="1244600">
             <a:lnSpc>
               <a:spcPct val="100000"/>
             </a:lnSpc>
@@ -4326,14 +4506,14 @@
             <a:buNone/>
           </a:pPr>
           <a:r>
-            <a:rPr lang="en-US" sz="2900" kern="1200" dirty="0">
+            <a:rPr lang="en-US" sz="2400" kern="1200" dirty="0">
               <a:latin typeface="標楷體" panose="03000509000000000000" pitchFamily="65" charset="-120"/>
               <a:ea typeface="標楷體" panose="03000509000000000000" pitchFamily="65" charset="-120"/>
             </a:rPr>
-            <a:t>- </a:t>
+            <a:t>-</a:t>
           </a:r>
           <a:r>
-            <a:rPr lang="zh-TW" sz="2900" kern="1200" dirty="0">
+            <a:rPr lang="zh-TW" sz="2400" kern="1200" dirty="0">
               <a:latin typeface="標楷體" panose="03000509000000000000" pitchFamily="65" charset="-120"/>
               <a:ea typeface="標楷體" panose="03000509000000000000" pitchFamily="65" charset="-120"/>
             </a:rPr>
@@ -4341,7 +4521,7 @@
           </a:r>
         </a:p>
         <a:p>
-          <a:pPr marL="0" lvl="0" indent="0" algn="l" defTabSz="1289050">
+          <a:pPr marL="0" lvl="0" indent="0" algn="ctr" defTabSz="1244600">
             <a:lnSpc>
               <a:spcPct val="100000"/>
             </a:lnSpc>
@@ -4354,28 +4534,28 @@
             <a:buNone/>
           </a:pPr>
           <a:r>
-            <a:rPr lang="en-US" sz="2900" kern="1200" dirty="0">
+            <a:rPr lang="en-US" sz="2400" kern="1200" dirty="0">
               <a:latin typeface="標楷體" panose="03000509000000000000" pitchFamily="65" charset="-120"/>
               <a:ea typeface="標楷體" panose="03000509000000000000" pitchFamily="65" charset="-120"/>
             </a:rPr>
-            <a:t>- </a:t>
+            <a:t>-</a:t>
           </a:r>
           <a:r>
-            <a:rPr lang="zh-TW" sz="2900" kern="1200" dirty="0">
+            <a:rPr lang="zh-TW" sz="2400" kern="1200" dirty="0">
               <a:latin typeface="標楷體" panose="03000509000000000000" pitchFamily="65" charset="-120"/>
               <a:ea typeface="標楷體" panose="03000509000000000000" pitchFamily="65" charset="-120"/>
             </a:rPr>
             <a:t>公司永續發展</a:t>
           </a:r>
-          <a:endParaRPr lang="en-US" sz="2900" kern="1200" dirty="0">
+          <a:endParaRPr lang="en-US" altLang="zh-TW" sz="2400" kern="1200" dirty="0">
             <a:latin typeface="標楷體" panose="03000509000000000000" pitchFamily="65" charset="-120"/>
             <a:ea typeface="標楷體" panose="03000509000000000000" pitchFamily="65" charset="-120"/>
           </a:endParaRPr>
         </a:p>
       </dsp:txBody>
       <dsp:txXfrm>
-        <a:off x="8526000" y="3022664"/>
-        <a:ext cx="3600000" cy="2970000"/>
+        <a:off x="8669356" y="2282155"/>
+        <a:ext cx="3487500" cy="4469126"/>
       </dsp:txXfrm>
     </dsp:sp>
   </dsp:spTree>
@@ -6939,7 +7119,7 @@
           <a:p>
             <a:fld id="{D875AD11-EA77-4B9E-BB80-86C404D5CDFF}" type="datetimeFigureOut">
               <a:rPr lang="zh-TW" altLang="en-US" smtClean="0"/>
-              <a:t>2024/6/13</a:t>
+              <a:t>2024/6/14</a:t>
             </a:fld>
             <a:endParaRPr lang="zh-TW" altLang="en-US"/>
           </a:p>
@@ -7388,7 +7568,115 @@
     </p:spTree>
     <p:extLst>
       <p:ext uri="{BB962C8B-B14F-4D97-AF65-F5344CB8AC3E}">
-        <p14:creationId xmlns:p14="http://schemas.microsoft.com/office/powerpoint/2010/main" val="3124973699"/>
+        <p14:creationId xmlns:p14="http://schemas.microsoft.com/office/powerpoint/2010/main" val="2370105717"/>
+      </p:ext>
+    </p:extLst>
+  </p:cSld>
+  <p:clrMapOvr>
+    <a:masterClrMapping/>
+  </p:clrMapOvr>
+</p:notes>
+</file>
+
+<file path=ppt/notesSlides/notesSlide3.xml><?xml version="1.0" encoding="utf-8"?>
+<p:notes xmlns:a="http://schemas.openxmlformats.org/drawingml/2006/main" xmlns:r="http://schemas.openxmlformats.org/officeDocument/2006/relationships" xmlns:p="http://schemas.openxmlformats.org/presentationml/2006/main">
+  <p:cSld>
+    <p:spTree>
+      <p:nvGrpSpPr>
+        <p:cNvPr id="1" name="">
+          <a:extLst>
+            <a:ext uri="{FF2B5EF4-FFF2-40B4-BE49-F238E27FC236}">
+              <a16:creationId xmlns:a16="http://schemas.microsoft.com/office/drawing/2014/main" id="{82FF96BE-B10A-F126-FC6E-5E3A75C45147}"/>
+            </a:ext>
+          </a:extLst>
+        </p:cNvPr>
+        <p:cNvGrpSpPr/>
+        <p:nvPr/>
+      </p:nvGrpSpPr>
+      <p:grpSpPr>
+        <a:xfrm>
+          <a:off x="0" y="0"/>
+          <a:ext cx="0" cy="0"/>
+          <a:chOff x="0" y="0"/>
+          <a:chExt cx="0" cy="0"/>
+        </a:xfrm>
+      </p:grpSpPr>
+      <p:sp>
+        <p:nvSpPr>
+          <p:cNvPr id="2" name="投影片影像版面配置區 1">
+            <a:extLst>
+              <a:ext uri="{FF2B5EF4-FFF2-40B4-BE49-F238E27FC236}">
+                <a16:creationId xmlns:a16="http://schemas.microsoft.com/office/drawing/2014/main" id="{F1A39DB5-61FB-DF49-BFE8-60E44E08F1A3}"/>
+              </a:ext>
+            </a:extLst>
+          </p:cNvPr>
+          <p:cNvSpPr>
+            <a:spLocks noGrp="1" noRot="1" noChangeAspect="1"/>
+          </p:cNvSpPr>
+          <p:nvPr>
+            <p:ph type="sldImg"/>
+          </p:nvPr>
+        </p:nvSpPr>
+        <p:spPr/>
+      </p:sp>
+      <p:sp>
+        <p:nvSpPr>
+          <p:cNvPr id="3" name="備忘稿版面配置區 2">
+            <a:extLst>
+              <a:ext uri="{FF2B5EF4-FFF2-40B4-BE49-F238E27FC236}">
+                <a16:creationId xmlns:a16="http://schemas.microsoft.com/office/drawing/2014/main" id="{98E975B6-5BB8-4E63-7009-9EBE5005D380}"/>
+              </a:ext>
+            </a:extLst>
+          </p:cNvPr>
+          <p:cNvSpPr>
+            <a:spLocks noGrp="1"/>
+          </p:cNvSpPr>
+          <p:nvPr>
+            <p:ph type="body" idx="1"/>
+          </p:nvPr>
+        </p:nvSpPr>
+        <p:spPr/>
+        <p:txBody>
+          <a:bodyPr/>
+          <a:lstStyle/>
+          <a:p>
+            <a:endParaRPr lang="zh-TW" altLang="en-US" dirty="0"/>
+          </a:p>
+        </p:txBody>
+      </p:sp>
+      <p:sp>
+        <p:nvSpPr>
+          <p:cNvPr id="4" name="投影片編號版面配置區 3">
+            <a:extLst>
+              <a:ext uri="{FF2B5EF4-FFF2-40B4-BE49-F238E27FC236}">
+                <a16:creationId xmlns:a16="http://schemas.microsoft.com/office/drawing/2014/main" id="{BD056FED-4876-611E-50C5-6F52F02DE608}"/>
+              </a:ext>
+            </a:extLst>
+          </p:cNvPr>
+          <p:cNvSpPr>
+            <a:spLocks noGrp="1"/>
+          </p:cNvSpPr>
+          <p:nvPr>
+            <p:ph type="sldNum" sz="quarter" idx="5"/>
+          </p:nvPr>
+        </p:nvSpPr>
+        <p:spPr/>
+        <p:txBody>
+          <a:bodyPr/>
+          <a:lstStyle/>
+          <a:p>
+            <a:fld id="{D45CD8A4-8F2D-4EF3-BAF0-DB264CE395B6}" type="slidenum">
+              <a:rPr lang="zh-TW" altLang="en-US" smtClean="0"/>
+              <a:t>16</a:t>
+            </a:fld>
+            <a:endParaRPr lang="zh-TW" altLang="en-US"/>
+          </a:p>
+        </p:txBody>
+      </p:sp>
+    </p:spTree>
+    <p:extLst>
+      <p:ext uri="{BB962C8B-B14F-4D97-AF65-F5344CB8AC3E}">
+        <p14:creationId xmlns:p14="http://schemas.microsoft.com/office/powerpoint/2010/main" val="4164267207"/>
       </p:ext>
     </p:extLst>
   </p:cSld>
@@ -7537,7 +7825,7 @@
           <a:p>
             <a:fld id="{E6D58518-40FE-4391-8D67-8017A93E5007}" type="datetimeFigureOut">
               <a:rPr lang="zh-TW" altLang="en-US" smtClean="0"/>
-              <a:t>2024/6/13</a:t>
+              <a:t>2024/6/14</a:t>
             </a:fld>
             <a:endParaRPr lang="zh-TW" altLang="en-US"/>
           </a:p>
@@ -7748,7 +8036,7 @@
           <a:p>
             <a:fld id="{E6D58518-40FE-4391-8D67-8017A93E5007}" type="datetimeFigureOut">
               <a:rPr lang="zh-TW" altLang="en-US" smtClean="0"/>
-              <a:t>2024/6/13</a:t>
+              <a:t>2024/6/14</a:t>
             </a:fld>
             <a:endParaRPr lang="zh-TW" altLang="en-US"/>
           </a:p>
@@ -7963,7 +8251,7 @@
           <a:p>
             <a:fld id="{E6D58518-40FE-4391-8D67-8017A93E5007}" type="datetimeFigureOut">
               <a:rPr lang="zh-TW" altLang="en-US" smtClean="0"/>
-              <a:t>2024/6/13</a:t>
+              <a:t>2024/6/14</a:t>
             </a:fld>
             <a:endParaRPr lang="zh-TW" altLang="en-US"/>
           </a:p>
@@ -8180,7 +8468,7 @@
           <a:p>
             <a:fld id="{E6D58518-40FE-4391-8D67-8017A93E5007}" type="datetimeFigureOut">
               <a:rPr lang="zh-TW" altLang="en-US" smtClean="0"/>
-              <a:t>2024/6/13</a:t>
+              <a:t>2024/6/14</a:t>
             </a:fld>
             <a:endParaRPr lang="zh-TW" altLang="en-US"/>
           </a:p>
@@ -8362,7 +8650,7 @@
           <a:p>
             <a:fld id="{E6D58518-40FE-4391-8D67-8017A93E5007}" type="datetimeFigureOut">
               <a:rPr lang="zh-TW" altLang="en-US" smtClean="0"/>
-              <a:t>2024/6/13</a:t>
+              <a:t>2024/6/14</a:t>
             </a:fld>
             <a:endParaRPr lang="zh-TW" altLang="en-US"/>
           </a:p>
@@ -8641,7 +8929,7 @@
           <a:p>
             <a:fld id="{E6D58518-40FE-4391-8D67-8017A93E5007}" type="datetimeFigureOut">
               <a:rPr lang="zh-TW" altLang="en-US" smtClean="0"/>
-              <a:t>2024/6/13</a:t>
+              <a:t>2024/6/14</a:t>
             </a:fld>
             <a:endParaRPr lang="zh-TW" altLang="en-US"/>
           </a:p>
@@ -8909,7 +9197,7 @@
           <a:p>
             <a:fld id="{E6D58518-40FE-4391-8D67-8017A93E5007}" type="datetimeFigureOut">
               <a:rPr lang="zh-TW" altLang="en-US" smtClean="0"/>
-              <a:t>2024/6/13</a:t>
+              <a:t>2024/6/14</a:t>
             </a:fld>
             <a:endParaRPr lang="zh-TW" altLang="en-US"/>
           </a:p>
@@ -9325,7 +9613,7 @@
           <a:p>
             <a:fld id="{E6D58518-40FE-4391-8D67-8017A93E5007}" type="datetimeFigureOut">
               <a:rPr lang="zh-TW" altLang="en-US" smtClean="0"/>
-              <a:t>2024/6/13</a:t>
+              <a:t>2024/6/14</a:t>
             </a:fld>
             <a:endParaRPr lang="zh-TW" altLang="en-US"/>
           </a:p>
@@ -9474,7 +9762,7 @@
           <a:p>
             <a:fld id="{E6D58518-40FE-4391-8D67-8017A93E5007}" type="datetimeFigureOut">
               <a:rPr lang="zh-TW" altLang="en-US" smtClean="0"/>
-              <a:t>2024/6/13</a:t>
+              <a:t>2024/6/14</a:t>
             </a:fld>
             <a:endParaRPr lang="zh-TW" altLang="en-US"/>
           </a:p>
@@ -9600,7 +9888,7 @@
           <a:p>
             <a:fld id="{E6D58518-40FE-4391-8D67-8017A93E5007}" type="datetimeFigureOut">
               <a:rPr lang="zh-TW" altLang="en-US" smtClean="0"/>
-              <a:t>2024/6/13</a:t>
+              <a:t>2024/6/14</a:t>
             </a:fld>
             <a:endParaRPr lang="zh-TW" altLang="en-US"/>
           </a:p>
@@ -9851,7 +10139,7 @@
           <a:p>
             <a:fld id="{E6D58518-40FE-4391-8D67-8017A93E5007}" type="datetimeFigureOut">
               <a:rPr lang="zh-TW" altLang="en-US" smtClean="0"/>
-              <a:t>2024/6/13</a:t>
+              <a:t>2024/6/14</a:t>
             </a:fld>
             <a:endParaRPr lang="zh-TW" altLang="en-US"/>
           </a:p>
@@ -10296,7 +10584,7 @@
           <a:p>
             <a:fld id="{E6D58518-40FE-4391-8D67-8017A93E5007}" type="datetimeFigureOut">
               <a:rPr lang="zh-TW" altLang="en-US" smtClean="0"/>
-              <a:t>2024/6/13</a:t>
+              <a:t>2024/6/14</a:t>
             </a:fld>
             <a:endParaRPr lang="zh-TW" altLang="en-US"/>
           </a:p>
@@ -10623,7 +10911,7 @@
           <a:p>
             <a:fld id="{E6D58518-40FE-4391-8D67-8017A93E5007}" type="datetimeFigureOut">
               <a:rPr lang="zh-TW" altLang="en-US" smtClean="0"/>
-              <a:t>2024/6/13</a:t>
+              <a:t>2024/6/14</a:t>
             </a:fld>
             <a:endParaRPr lang="zh-TW" altLang="en-US"/>
           </a:p>
@@ -11267,8 +11555,8 @@
         </p:blipFill>
         <p:spPr>
           <a:xfrm>
-            <a:off x="-1" y="373251"/>
-            <a:ext cx="7630332" cy="5722749"/>
+            <a:off x="-2" y="-18082"/>
+            <a:ext cx="9168108" cy="6876081"/>
           </a:xfrm>
           <a:prstGeom prst="rect">
             <a:avLst/>
@@ -11293,8 +11581,8 @@
         </p:nvSpPr>
         <p:spPr>
           <a:xfrm>
-            <a:off x="5646420" y="1752600"/>
-            <a:ext cx="6545580" cy="4107062"/>
+            <a:off x="6927742" y="1752599"/>
+            <a:ext cx="5264258" cy="4198749"/>
           </a:xfrm>
         </p:spPr>
         <p:txBody>
@@ -11333,7 +11621,7 @@
                 <a:ea typeface="標楷體" panose="03000509000000000000" pitchFamily="65" charset="-120"/>
                 <a:cs typeface="Times New Roman" panose="02020603050405020304" pitchFamily="18" charset="0"/>
               </a:rPr>
-              <a:t>散客</a:t>
+              <a:t>臨時使用者</a:t>
             </a:r>
             <a:r>
               <a:rPr lang="zh-TW" altLang="en-US" sz="3200" dirty="0">
@@ -11341,7 +11629,7 @@
                 <a:ea typeface="標楷體" panose="03000509000000000000" pitchFamily="65" charset="-120"/>
                 <a:cs typeface="Times New Roman" panose="02020603050405020304" pitchFamily="18" charset="0"/>
               </a:rPr>
-              <a:t>使用無樁電動自行車，會員更喜歡經典自行車，而會員使用電動自行車數幾乎是散客使用數的兩倍。</a:t>
+              <a:t>使用無樁電動自行車，會員更喜歡經典自行車，而會員使用電動自行車數幾乎是臨時使用者使用數兩倍。</a:t>
             </a:r>
             <a:endParaRPr lang="en-US" altLang="zh-TW" sz="3200" b="0" i="0" dirty="0">
               <a:effectLst/>
@@ -11368,7 +11656,7 @@
         </p:nvSpPr>
         <p:spPr>
           <a:xfrm>
-            <a:off x="8676337" y="1245602"/>
+            <a:off x="9803042" y="984529"/>
             <a:ext cx="1754021" cy="768070"/>
           </a:xfrm>
           <a:prstGeom prst="rect">
@@ -11487,8 +11775,8 @@
         </p:blipFill>
         <p:spPr>
           <a:xfrm>
-            <a:off x="0" y="731520"/>
-            <a:ext cx="7437415" cy="5158740"/>
+            <a:off x="0" y="0"/>
+            <a:ext cx="9950668" cy="6901982"/>
           </a:xfrm>
           <a:prstGeom prst="rect">
             <a:avLst/>
@@ -11513,8 +11801,8 @@
         </p:nvSpPr>
         <p:spPr>
           <a:xfrm>
-            <a:off x="6027419" y="1783080"/>
-            <a:ext cx="6164581" cy="4107180"/>
+            <a:off x="6096000" y="1783080"/>
+            <a:ext cx="6096000" cy="4121774"/>
           </a:xfrm>
         </p:spPr>
         <p:txBody>
@@ -11523,6 +11811,18 @@
           </a:bodyPr>
           <a:lstStyle/>
           <a:p>
+            <a:r>
+              <a:rPr lang="zh-TW" altLang="en-US" sz="3200" b="1" dirty="0">
+                <a:solidFill>
+                  <a:schemeClr val="accent6"/>
+                </a:solidFill>
+                <a:effectLst/>
+                <a:latin typeface="標楷體" panose="03000509000000000000" pitchFamily="65" charset="-120"/>
+                <a:ea typeface="標楷體" panose="03000509000000000000" pitchFamily="65" charset="-120"/>
+                <a:cs typeface="Times New Roman" panose="02020603050405020304" pitchFamily="18" charset="0"/>
+              </a:rPr>
+              <a:t>騎乘時間</a:t>
+            </a:r>
             <a:r>
               <a:rPr lang="zh-TW" altLang="en-US" sz="3200" dirty="0">
                 <a:solidFill>
@@ -11533,7 +11833,7 @@
                 <a:ea typeface="標楷體" panose="03000509000000000000" pitchFamily="65" charset="-120"/>
                 <a:cs typeface="Times New Roman" panose="02020603050405020304" pitchFamily="18" charset="0"/>
               </a:rPr>
-              <a:t>騎乘時間：在週末，</a:t>
+              <a:t>：在週末，</a:t>
             </a:r>
             <a:r>
               <a:rPr lang="zh-TW" altLang="en-US" sz="3200" dirty="0">
@@ -11556,7 +11856,7 @@
                 <a:ea typeface="標楷體" panose="03000509000000000000" pitchFamily="65" charset="-120"/>
                 <a:cs typeface="Times New Roman" panose="02020603050405020304" pitchFamily="18" charset="0"/>
               </a:rPr>
-              <a:t>的騎乘時長比工作日更長，這表示他們使用自行車進行休閒活動。相反，會員在一周內的騎行長度相對穩定，這可能表明其用於通勤。</a:t>
+              <a:t>騎乘時長比工作日更長，這表示他們使用自行車進行休閒活動。相反，會員在一周內騎行長度相對穩定，這可能表明其用於通勤。</a:t>
             </a:r>
           </a:p>
         </p:txBody>
@@ -11610,14 +11910,14 @@
           </a:lstStyle>
           <a:p>
             <a:r>
-              <a:rPr lang="zh-TW" altLang="en-US" sz="5400" dirty="0">
+              <a:rPr lang="zh-TW" altLang="en-US" sz="5400" b="1" dirty="0">
                 <a:latin typeface="標楷體" panose="03000509000000000000" pitchFamily="65" charset="-120"/>
                 <a:ea typeface="標楷體" panose="03000509000000000000" pitchFamily="65" charset="-120"/>
                 <a:cs typeface="Times New Roman" panose="02020603050405020304" pitchFamily="18" charset="0"/>
               </a:rPr>
               <a:t>分析</a:t>
             </a:r>
-            <a:endParaRPr lang="en-US" altLang="zh-TW" sz="5400" dirty="0">
+            <a:endParaRPr lang="en-US" altLang="zh-TW" sz="5400" b="1" dirty="0">
               <a:latin typeface="Times New Roman" panose="02020603050405020304" pitchFamily="18" charset="0"/>
               <a:cs typeface="Times New Roman" panose="02020603050405020304" pitchFamily="18" charset="0"/>
             </a:endParaRPr>
@@ -11696,8 +11996,8 @@
         </p:blipFill>
         <p:spPr>
           <a:xfrm>
-            <a:off x="0" y="1777010"/>
-            <a:ext cx="7702658" cy="4621595"/>
+            <a:off x="-1" y="0"/>
+            <a:ext cx="11429999" cy="6858000"/>
           </a:xfrm>
           <a:prstGeom prst="rect">
             <a:avLst/>
@@ -11753,7 +12053,7 @@
                 <a:ea typeface="標楷體" panose="03000509000000000000" pitchFamily="65" charset="-120"/>
                 <a:cs typeface="Times New Roman" panose="02020603050405020304" pitchFamily="18" charset="0"/>
               </a:rPr>
-              <a:t>和會員的不同季節客流量趨勢。夏季（七月至九月）的乘車次數明顯增加。</a:t>
+              <a:t>和會員不同季節客流量趨勢。夏季（七月至九月）乘車次數明顯增加。</a:t>
             </a:r>
           </a:p>
           <a:p>
@@ -11771,6 +12071,18 @@
             <a:r>
               <a:rPr lang="zh-TW" altLang="en-US" sz="3200" dirty="0">
                 <a:solidFill>
+                  <a:schemeClr val="accent6"/>
+                </a:solidFill>
+                <a:effectLst/>
+                <a:latin typeface="標楷體" panose="03000509000000000000" pitchFamily="65" charset="-120"/>
+                <a:ea typeface="標楷體" panose="03000509000000000000" pitchFamily="65" charset="-120"/>
+                <a:cs typeface="Times New Roman" panose="02020603050405020304" pitchFamily="18" charset="0"/>
+              </a:rPr>
+              <a:t>會員乘車量</a:t>
+            </a:r>
+            <a:r>
+              <a:rPr lang="zh-TW" altLang="en-US" sz="3200" dirty="0">
+                <a:solidFill>
                   <a:srgbClr val="1F1F1F"/>
                 </a:solidFill>
                 <a:effectLst/>
@@ -11778,7 +12090,7 @@
                 <a:ea typeface="標楷體" panose="03000509000000000000" pitchFamily="65" charset="-120"/>
                 <a:cs typeface="Times New Roman" panose="02020603050405020304" pitchFamily="18" charset="0"/>
               </a:rPr>
-              <a:t>會員乘車量：會員的乘車次數持續超過</a:t>
+              <a:t>：會員乘車次數持續超過</a:t>
             </a:r>
             <a:r>
               <a:rPr lang="zh-TW" altLang="en-US" sz="3200" dirty="0">
@@ -11808,6 +12120,18 @@
             <a:r>
               <a:rPr lang="zh-TW" altLang="en-US" sz="3200" dirty="0">
                 <a:solidFill>
+                  <a:schemeClr val="accent6"/>
+                </a:solidFill>
+                <a:effectLst/>
+                <a:latin typeface="標楷體" panose="03000509000000000000" pitchFamily="65" charset="-120"/>
+                <a:ea typeface="標楷體" panose="03000509000000000000" pitchFamily="65" charset="-120"/>
+                <a:cs typeface="Times New Roman" panose="02020603050405020304" pitchFamily="18" charset="0"/>
+              </a:rPr>
+              <a:t>比較</a:t>
+            </a:r>
+            <a:r>
+              <a:rPr lang="zh-TW" altLang="en-US" sz="3200" dirty="0">
+                <a:solidFill>
                   <a:srgbClr val="1F1F1F"/>
                 </a:solidFill>
                 <a:effectLst/>
@@ -11815,7 +12139,7 @@
                 <a:ea typeface="標楷體" panose="03000509000000000000" pitchFamily="65" charset="-120"/>
                 <a:cs typeface="Times New Roman" panose="02020603050405020304" pitchFamily="18" charset="0"/>
               </a:rPr>
-              <a:t>年度比較：</a:t>
+              <a:t>：</a:t>
             </a:r>
             <a:r>
               <a:rPr lang="en-US" altLang="zh-TW" sz="3200" dirty="0">
@@ -11862,7 +12186,7 @@
                 <a:ea typeface="標楷體" panose="03000509000000000000" pitchFamily="65" charset="-120"/>
                 <a:cs typeface="Times New Roman" panose="02020603050405020304" pitchFamily="18" charset="0"/>
               </a:rPr>
-              <a:t>的平均騎乘長度不到會員的一半。</a:t>
+              <a:t>平均騎乘長度不到會員一半。</a:t>
             </a:r>
             <a:endParaRPr lang="en-US" altLang="zh-TW" sz="3200" b="0" i="0" dirty="0">
               <a:effectLst/>
@@ -12046,7 +12370,7 @@
           <a:lstStyle/>
           <a:p>
             <a:r>
-              <a:rPr lang="zh-TW" altLang="en-US" sz="3200" b="1" dirty="0">
+              <a:rPr lang="zh-TW" altLang="en-US" sz="3300" b="1" dirty="0">
                 <a:latin typeface="標楷體" panose="03000509000000000000" pitchFamily="65" charset="-120"/>
                 <a:ea typeface="標楷體" panose="03000509000000000000" pitchFamily="65" charset="-120"/>
                 <a:cs typeface="Times New Roman" panose="02020603050405020304" pitchFamily="18" charset="0"/>
@@ -12056,15 +12380,21 @@
           </a:p>
           <a:p>
             <a:r>
-              <a:rPr lang="en-US" altLang="zh-TW" sz="3200" b="1" dirty="0">
+              <a:rPr lang="en-US" altLang="zh-TW" sz="3300" b="1" dirty="0">
+                <a:solidFill>
+                  <a:schemeClr val="accent6"/>
+                </a:solidFill>
                 <a:latin typeface="標楷體" panose="03000509000000000000" pitchFamily="65" charset="-120"/>
                 <a:ea typeface="標楷體" panose="03000509000000000000" pitchFamily="65" charset="-120"/>
                 <a:cs typeface="Times New Roman" panose="02020603050405020304" pitchFamily="18" charset="0"/>
               </a:rPr>
-              <a:t>1. </a:t>
-            </a:r>
-            <a:r>
-              <a:rPr lang="zh-TW" altLang="en-US" sz="3200" b="1" dirty="0">
+              <a:t>1.</a:t>
+            </a:r>
+            <a:r>
+              <a:rPr lang="zh-TW" altLang="en-US" sz="3300" b="1" dirty="0">
+                <a:solidFill>
+                  <a:schemeClr val="accent6"/>
+                </a:solidFill>
                 <a:latin typeface="標楷體" panose="03000509000000000000" pitchFamily="65" charset="-120"/>
                 <a:ea typeface="標楷體" panose="03000509000000000000" pitchFamily="65" charset="-120"/>
                 <a:cs typeface="Times New Roman" panose="02020603050405020304" pitchFamily="18" charset="0"/>
@@ -12077,20 +12407,12 @@
               <a:buNone/>
             </a:pPr>
             <a:r>
-              <a:rPr lang="zh-TW" altLang="en-US" sz="3200" dirty="0">
-                <a:latin typeface="標楷體" panose="03000509000000000000" pitchFamily="65" charset="-120"/>
-                <a:ea typeface="標楷體" panose="03000509000000000000" pitchFamily="65" charset="-120"/>
-                <a:cs typeface="Times New Roman" panose="02020603050405020304" pitchFamily="18" charset="0"/>
-              </a:rPr>
-              <a:t>   </a:t>
-            </a:r>
-            <a:r>
               <a:rPr lang="en-US" altLang="zh-TW" sz="3200" dirty="0">
                 <a:latin typeface="標楷體" panose="03000509000000000000" pitchFamily="65" charset="-120"/>
                 <a:ea typeface="標楷體" panose="03000509000000000000" pitchFamily="65" charset="-120"/>
                 <a:cs typeface="Times New Roman" panose="02020603050405020304" pitchFamily="18" charset="0"/>
               </a:rPr>
-              <a:t>- </a:t>
+              <a:t>-</a:t>
             </a:r>
             <a:r>
               <a:rPr lang="zh-TW" altLang="en-US" sz="3200" dirty="0">
@@ -12117,74 +12439,64 @@
               <a:buNone/>
             </a:pPr>
             <a:r>
+              <a:rPr lang="en-US" altLang="zh-TW" sz="3200" dirty="0">
+                <a:latin typeface="標楷體" panose="03000509000000000000" pitchFamily="65" charset="-120"/>
+                <a:ea typeface="標楷體" panose="03000509000000000000" pitchFamily="65" charset="-120"/>
+                <a:cs typeface="Times New Roman" panose="02020603050405020304" pitchFamily="18" charset="0"/>
+              </a:rPr>
+              <a:t>-</a:t>
+            </a:r>
+            <a:r>
               <a:rPr lang="zh-TW" altLang="en-US" sz="3200" dirty="0">
                 <a:latin typeface="標楷體" panose="03000509000000000000" pitchFamily="65" charset="-120"/>
                 <a:ea typeface="標楷體" panose="03000509000000000000" pitchFamily="65" charset="-120"/>
                 <a:cs typeface="Times New Roman" panose="02020603050405020304" pitchFamily="18" charset="0"/>
               </a:rPr>
-              <a:t>   </a:t>
-            </a:r>
+              <a:t>會員：更頻繁、更短行程，表示通勤或辦事，週末行程更長。</a:t>
+            </a:r>
+          </a:p>
+          <a:p>
+            <a:endParaRPr lang="zh-TW" altLang="en-US" sz="3200" dirty="0">
+              <a:latin typeface="標楷體" panose="03000509000000000000" pitchFamily="65" charset="-120"/>
+              <a:ea typeface="標楷體" panose="03000509000000000000" pitchFamily="65" charset="-120"/>
+              <a:cs typeface="Times New Roman" panose="02020603050405020304" pitchFamily="18" charset="0"/>
+            </a:endParaRPr>
+          </a:p>
+          <a:p>
+            <a:r>
+              <a:rPr lang="en-US" altLang="zh-TW" sz="3300" b="1" dirty="0">
+                <a:solidFill>
+                  <a:schemeClr val="accent6"/>
+                </a:solidFill>
+                <a:latin typeface="標楷體" panose="03000509000000000000" pitchFamily="65" charset="-120"/>
+                <a:ea typeface="標楷體" panose="03000509000000000000" pitchFamily="65" charset="-120"/>
+                <a:cs typeface="Times New Roman" panose="02020603050405020304" pitchFamily="18" charset="0"/>
+              </a:rPr>
+              <a:t>2.</a:t>
+            </a:r>
+            <a:r>
+              <a:rPr lang="zh-TW" altLang="en-US" sz="3300" b="1" dirty="0">
+                <a:solidFill>
+                  <a:schemeClr val="accent6"/>
+                </a:solidFill>
+                <a:latin typeface="標楷體" panose="03000509000000000000" pitchFamily="65" charset="-120"/>
+                <a:ea typeface="標楷體" panose="03000509000000000000" pitchFamily="65" charset="-120"/>
+                <a:cs typeface="Times New Roman" panose="02020603050405020304" pitchFamily="18" charset="0"/>
+              </a:rPr>
+              <a:t>自行車類型偏好：</a:t>
+            </a:r>
+          </a:p>
+          <a:p>
+            <a:pPr marL="0" indent="0">
+              <a:buNone/>
+            </a:pPr>
             <a:r>
               <a:rPr lang="en-US" altLang="zh-TW" sz="3200" dirty="0">
                 <a:latin typeface="標楷體" panose="03000509000000000000" pitchFamily="65" charset="-120"/>
                 <a:ea typeface="標楷體" panose="03000509000000000000" pitchFamily="65" charset="-120"/>
                 <a:cs typeface="Times New Roman" panose="02020603050405020304" pitchFamily="18" charset="0"/>
               </a:rPr>
-              <a:t>- </a:t>
-            </a:r>
-            <a:r>
-              <a:rPr lang="zh-TW" altLang="en-US" sz="3200" dirty="0">
-                <a:latin typeface="標楷體" panose="03000509000000000000" pitchFamily="65" charset="-120"/>
-                <a:ea typeface="標楷體" panose="03000509000000000000" pitchFamily="65" charset="-120"/>
-                <a:cs typeface="Times New Roman" panose="02020603050405020304" pitchFamily="18" charset="0"/>
-              </a:rPr>
-              <a:t>會員：更頻繁、更短的行程，表示通勤或辦事，週末的行程更長。</a:t>
-            </a:r>
-          </a:p>
-          <a:p>
-            <a:endParaRPr lang="zh-TW" altLang="en-US" sz="3200" dirty="0">
-              <a:latin typeface="標楷體" panose="03000509000000000000" pitchFamily="65" charset="-120"/>
-              <a:ea typeface="標楷體" panose="03000509000000000000" pitchFamily="65" charset="-120"/>
-              <a:cs typeface="Times New Roman" panose="02020603050405020304" pitchFamily="18" charset="0"/>
-            </a:endParaRPr>
-          </a:p>
-          <a:p>
-            <a:r>
-              <a:rPr lang="en-US" altLang="zh-TW" sz="3200" b="1" dirty="0">
-                <a:latin typeface="標楷體" panose="03000509000000000000" pitchFamily="65" charset="-120"/>
-                <a:ea typeface="標楷體" panose="03000509000000000000" pitchFamily="65" charset="-120"/>
-                <a:cs typeface="Times New Roman" panose="02020603050405020304" pitchFamily="18" charset="0"/>
-              </a:rPr>
-              <a:t>2. </a:t>
-            </a:r>
-            <a:r>
-              <a:rPr lang="zh-TW" altLang="en-US" sz="3200" b="1" dirty="0">
-                <a:latin typeface="標楷體" panose="03000509000000000000" pitchFamily="65" charset="-120"/>
-                <a:ea typeface="標楷體" panose="03000509000000000000" pitchFamily="65" charset="-120"/>
-                <a:cs typeface="Times New Roman" panose="02020603050405020304" pitchFamily="18" charset="0"/>
-              </a:rPr>
-              <a:t>自行車類型偏好：</a:t>
-            </a:r>
-          </a:p>
-          <a:p>
-            <a:pPr marL="0" indent="0">
-              <a:buNone/>
-            </a:pPr>
-            <a:r>
-              <a:rPr lang="zh-TW" altLang="en-US" sz="3200" dirty="0">
-                <a:latin typeface="標楷體" panose="03000509000000000000" pitchFamily="65" charset="-120"/>
-                <a:ea typeface="標楷體" panose="03000509000000000000" pitchFamily="65" charset="-120"/>
-                <a:cs typeface="Times New Roman" panose="02020603050405020304" pitchFamily="18" charset="0"/>
-              </a:rPr>
-              <a:t>   </a:t>
-            </a:r>
-            <a:r>
-              <a:rPr lang="en-US" altLang="zh-TW" sz="3200" dirty="0">
-                <a:latin typeface="標楷體" panose="03000509000000000000" pitchFamily="65" charset="-120"/>
-                <a:ea typeface="標楷體" panose="03000509000000000000" pitchFamily="65" charset="-120"/>
-                <a:cs typeface="Times New Roman" panose="02020603050405020304" pitchFamily="18" charset="0"/>
-              </a:rPr>
-              <a:t>- </a:t>
+              <a:t>-</a:t>
             </a:r>
             <a:r>
               <a:rPr lang="zh-TW" altLang="en-US" sz="3200" dirty="0">
@@ -12211,28 +12523,20 @@
               <a:buNone/>
             </a:pPr>
             <a:r>
+              <a:rPr lang="en-US" altLang="zh-TW" sz="3200" dirty="0">
+                <a:latin typeface="標楷體" panose="03000509000000000000" pitchFamily="65" charset="-120"/>
+                <a:ea typeface="標楷體" panose="03000509000000000000" pitchFamily="65" charset="-120"/>
+                <a:cs typeface="Times New Roman" panose="02020603050405020304" pitchFamily="18" charset="0"/>
+              </a:rPr>
+              <a:t>-</a:t>
+            </a:r>
+            <a:r>
               <a:rPr lang="zh-TW" altLang="en-US" sz="3200" dirty="0">
                 <a:latin typeface="標楷體" panose="03000509000000000000" pitchFamily="65" charset="-120"/>
                 <a:ea typeface="標楷體" panose="03000509000000000000" pitchFamily="65" charset="-120"/>
                 <a:cs typeface="Times New Roman" panose="02020603050405020304" pitchFamily="18" charset="0"/>
               </a:rPr>
-              <a:t>   </a:t>
-            </a:r>
-            <a:r>
-              <a:rPr lang="en-US" altLang="zh-TW" sz="3200" dirty="0">
-                <a:latin typeface="標楷體" panose="03000509000000000000" pitchFamily="65" charset="-120"/>
-                <a:ea typeface="標楷體" panose="03000509000000000000" pitchFamily="65" charset="-120"/>
-                <a:cs typeface="Times New Roman" panose="02020603050405020304" pitchFamily="18" charset="0"/>
-              </a:rPr>
-              <a:t>- </a:t>
-            </a:r>
-            <a:r>
-              <a:rPr lang="zh-TW" altLang="en-US" sz="3200" dirty="0">
-                <a:latin typeface="標楷體" panose="03000509000000000000" pitchFamily="65" charset="-120"/>
-                <a:ea typeface="標楷體" panose="03000509000000000000" pitchFamily="65" charset="-120"/>
-                <a:cs typeface="Times New Roman" panose="02020603050405020304" pitchFamily="18" charset="0"/>
-              </a:rPr>
-              <a:t>會員：喜歡經典自行車和電動自行車，顯示通勤和休閒用途的結合。</a:t>
+              <a:t>會員：喜歡經典自行車和電動自行車，顯示通勤和休閒用途結合。</a:t>
             </a:r>
           </a:p>
           <a:p>
@@ -12244,7 +12548,10 @@
           </a:p>
           <a:p>
             <a:r>
-              <a:rPr lang="en-US" altLang="zh-TW" sz="3200" b="1" dirty="0">
+              <a:rPr lang="en-US" altLang="zh-TW" sz="3300" b="1" dirty="0">
+                <a:solidFill>
+                  <a:schemeClr val="accent6"/>
+                </a:solidFill>
                 <a:latin typeface="標楷體" panose="03000509000000000000" pitchFamily="65" charset="-120"/>
                 <a:ea typeface="標楷體" panose="03000509000000000000" pitchFamily="65" charset="-120"/>
                 <a:cs typeface="Times New Roman" panose="02020603050405020304" pitchFamily="18" charset="0"/>
@@ -12252,7 +12559,10 @@
               <a:t>3.</a:t>
             </a:r>
             <a:r>
-              <a:rPr lang="zh-TW" altLang="en-US" sz="3200" b="1" dirty="0">
+              <a:rPr lang="zh-TW" altLang="en-US" sz="3300" b="1" dirty="0">
+                <a:solidFill>
+                  <a:schemeClr val="accent6"/>
+                </a:solidFill>
                 <a:latin typeface="標楷體" panose="03000509000000000000" pitchFamily="65" charset="-120"/>
                 <a:ea typeface="標楷體" panose="03000509000000000000" pitchFamily="65" charset="-120"/>
                 <a:cs typeface="Times New Roman" panose="02020603050405020304" pitchFamily="18" charset="0"/>
@@ -12378,7 +12688,7 @@
         </p:nvSpPr>
         <p:spPr>
           <a:xfrm>
-            <a:off x="0" y="731519"/>
+            <a:off x="0" y="561038"/>
             <a:ext cx="12192000" cy="5394962"/>
           </a:xfrm>
         </p:spPr>
@@ -12393,14 +12703,20 @@
             </a:pPr>
             <a:r>
               <a:rPr lang="en-US" altLang="zh-TW" sz="3200" b="1" dirty="0">
+                <a:solidFill>
+                  <a:schemeClr val="accent6"/>
+                </a:solidFill>
                 <a:latin typeface="標楷體" panose="03000509000000000000" pitchFamily="65" charset="-120"/>
                 <a:ea typeface="標楷體" panose="03000509000000000000" pitchFamily="65" charset="-120"/>
                 <a:cs typeface="Times New Roman" panose="02020603050405020304" pitchFamily="18" charset="0"/>
               </a:rPr>
-              <a:t>1. </a:t>
+              <a:t>1.</a:t>
             </a:r>
             <a:r>
               <a:rPr lang="zh-TW" altLang="en-US" sz="3200" b="1" dirty="0">
+                <a:solidFill>
+                  <a:schemeClr val="accent6"/>
+                </a:solidFill>
                 <a:latin typeface="標楷體" panose="03000509000000000000" pitchFamily="65" charset="-120"/>
                 <a:ea typeface="標楷體" panose="03000509000000000000" pitchFamily="65" charset="-120"/>
                 <a:cs typeface="Times New Roman" panose="02020603050405020304" pitchFamily="18" charset="0"/>
@@ -12413,52 +12729,36 @@
               <a:buNone/>
             </a:pPr>
             <a:r>
-              <a:rPr lang="zh-TW" altLang="en-US" sz="3200" dirty="0">
+              <a:rPr lang="en-US" altLang="zh-TW" sz="2800" dirty="0">
                 <a:latin typeface="標楷體" panose="03000509000000000000" pitchFamily="65" charset="-120"/>
                 <a:ea typeface="標楷體" panose="03000509000000000000" pitchFamily="65" charset="-120"/>
                 <a:cs typeface="Times New Roman" panose="02020603050405020304" pitchFamily="18" charset="0"/>
               </a:rPr>
-              <a:t>   </a:t>
-            </a:r>
-            <a:r>
-              <a:rPr lang="en-US" altLang="zh-TW" sz="3200" dirty="0">
+              <a:t>-</a:t>
+            </a:r>
+            <a:r>
+              <a:rPr lang="zh-TW" altLang="en-US" sz="2800" dirty="0">
                 <a:latin typeface="標楷體" panose="03000509000000000000" pitchFamily="65" charset="-120"/>
                 <a:ea typeface="標楷體" panose="03000509000000000000" pitchFamily="65" charset="-120"/>
                 <a:cs typeface="Times New Roman" panose="02020603050405020304" pitchFamily="18" charset="0"/>
               </a:rPr>
-              <a:t>- </a:t>
-            </a:r>
-            <a:r>
-              <a:rPr lang="zh-TW" altLang="en-US" sz="3200" dirty="0">
+              <a:t>提升經典自行車休閒便利性和可負擔性。</a:t>
+            </a:r>
+          </a:p>
+          <a:p>
+            <a:pPr marL="285750" indent="0">
+              <a:buNone/>
+            </a:pPr>
+            <a:r>
+              <a:rPr lang="en-US" altLang="zh-TW" sz="2800" dirty="0">
                 <a:latin typeface="標楷體" panose="03000509000000000000" pitchFamily="65" charset="-120"/>
                 <a:ea typeface="標楷體" panose="03000509000000000000" pitchFamily="65" charset="-120"/>
                 <a:cs typeface="Times New Roman" panose="02020603050405020304" pitchFamily="18" charset="0"/>
               </a:rPr>
-              <a:t>提升經典自行車休閒的便利性和可負擔性。</a:t>
-            </a:r>
-          </a:p>
-          <a:p>
-            <a:pPr marL="285750" indent="0">
-              <a:buNone/>
-            </a:pPr>
-            <a:r>
-              <a:rPr lang="zh-TW" altLang="en-US" sz="3200" dirty="0">
-                <a:latin typeface="標楷體" panose="03000509000000000000" pitchFamily="65" charset="-120"/>
-                <a:ea typeface="標楷體" panose="03000509000000000000" pitchFamily="65" charset="-120"/>
-                <a:cs typeface="Times New Roman" panose="02020603050405020304" pitchFamily="18" charset="0"/>
-              </a:rPr>
-              <a:t>   </a:t>
-            </a:r>
-            <a:r>
-              <a:rPr lang="en-US" altLang="zh-TW" sz="3200" dirty="0">
-                <a:latin typeface="標楷體" panose="03000509000000000000" pitchFamily="65" charset="-120"/>
-                <a:ea typeface="標楷體" panose="03000509000000000000" pitchFamily="65" charset="-120"/>
-                <a:cs typeface="Times New Roman" panose="02020603050405020304" pitchFamily="18" charset="0"/>
-              </a:rPr>
-              <a:t>- </a:t>
-            </a:r>
-            <a:r>
-              <a:rPr lang="zh-TW" altLang="en-US" sz="3200" dirty="0">
+              <a:t>-</a:t>
+            </a:r>
+            <a:r>
+              <a:rPr lang="zh-TW" altLang="en-US" sz="2800" dirty="0">
                 <a:latin typeface="標楷體" panose="03000509000000000000" pitchFamily="65" charset="-120"/>
                 <a:ea typeface="標楷體" panose="03000509000000000000" pitchFamily="65" charset="-120"/>
                 <a:cs typeface="Times New Roman" panose="02020603050405020304" pitchFamily="18" charset="0"/>
@@ -12471,28 +12771,20 @@
               <a:buNone/>
             </a:pPr>
             <a:r>
-              <a:rPr lang="zh-TW" altLang="en-US" sz="3200" dirty="0">
+              <a:rPr lang="en-US" altLang="zh-TW" sz="2800" dirty="0">
                 <a:latin typeface="標楷體" panose="03000509000000000000" pitchFamily="65" charset="-120"/>
                 <a:ea typeface="標楷體" panose="03000509000000000000" pitchFamily="65" charset="-120"/>
                 <a:cs typeface="Times New Roman" panose="02020603050405020304" pitchFamily="18" charset="0"/>
               </a:rPr>
-              <a:t>   </a:t>
-            </a:r>
-            <a:r>
-              <a:rPr lang="en-US" altLang="zh-TW" sz="3200" dirty="0">
+              <a:t>-</a:t>
+            </a:r>
+            <a:r>
+              <a:rPr lang="zh-TW" altLang="en-US" sz="2800" dirty="0">
                 <a:latin typeface="標楷體" panose="03000509000000000000" pitchFamily="65" charset="-120"/>
                 <a:ea typeface="標楷體" panose="03000509000000000000" pitchFamily="65" charset="-120"/>
                 <a:cs typeface="Times New Roman" panose="02020603050405020304" pitchFamily="18" charset="0"/>
               </a:rPr>
-              <a:t>- </a:t>
-            </a:r>
-            <a:r>
-              <a:rPr lang="zh-TW" altLang="en-US" sz="3200" dirty="0">
-                <a:latin typeface="標楷體" panose="03000509000000000000" pitchFamily="65" charset="-120"/>
-                <a:ea typeface="標楷體" panose="03000509000000000000" pitchFamily="65" charset="-120"/>
-                <a:cs typeface="Times New Roman" panose="02020603050405020304" pitchFamily="18" charset="0"/>
-              </a:rPr>
-              <a:t>在熱門的觀光或休閒區域定位停放自行車的使用情況。</a:t>
+              <a:t>在熱門觀光或休閒區域定位停放自行車使用情況。</a:t>
             </a:r>
           </a:p>
           <a:p>
@@ -12511,14 +12803,20 @@
             </a:pPr>
             <a:r>
               <a:rPr lang="en-US" altLang="zh-TW" sz="3200" b="1" dirty="0">
+                <a:solidFill>
+                  <a:schemeClr val="accent6"/>
+                </a:solidFill>
                 <a:latin typeface="標楷體" panose="03000509000000000000" pitchFamily="65" charset="-120"/>
                 <a:ea typeface="標楷體" panose="03000509000000000000" pitchFamily="65" charset="-120"/>
                 <a:cs typeface="Times New Roman" panose="02020603050405020304" pitchFamily="18" charset="0"/>
               </a:rPr>
-              <a:t>2. </a:t>
+              <a:t>2.</a:t>
             </a:r>
             <a:r>
               <a:rPr lang="zh-TW" altLang="en-US" sz="3200" b="1" dirty="0">
+                <a:solidFill>
+                  <a:schemeClr val="accent6"/>
+                </a:solidFill>
                 <a:latin typeface="標楷體" panose="03000509000000000000" pitchFamily="65" charset="-120"/>
                 <a:ea typeface="標楷體" panose="03000509000000000000" pitchFamily="65" charset="-120"/>
                 <a:cs typeface="Times New Roman" panose="02020603050405020304" pitchFamily="18" charset="0"/>
@@ -12531,88 +12829,64 @@
               <a:buNone/>
             </a:pPr>
             <a:r>
-              <a:rPr lang="zh-TW" altLang="en-US" sz="3200" dirty="0">
+              <a:rPr lang="en-US" altLang="zh-TW" sz="2800" dirty="0">
                 <a:latin typeface="標楷體" panose="03000509000000000000" pitchFamily="65" charset="-120"/>
                 <a:ea typeface="標楷體" panose="03000509000000000000" pitchFamily="65" charset="-120"/>
                 <a:cs typeface="Times New Roman" panose="02020603050405020304" pitchFamily="18" charset="0"/>
               </a:rPr>
-              <a:t>   </a:t>
-            </a:r>
-            <a:r>
-              <a:rPr lang="en-US" altLang="zh-TW" sz="3200" dirty="0">
+              <a:t>-</a:t>
+            </a:r>
+            <a:r>
+              <a:rPr lang="zh-TW" altLang="en-US" sz="2800" dirty="0">
                 <a:latin typeface="標楷體" panose="03000509000000000000" pitchFamily="65" charset="-120"/>
                 <a:ea typeface="標楷體" panose="03000509000000000000" pitchFamily="65" charset="-120"/>
                 <a:cs typeface="Times New Roman" panose="02020603050405020304" pitchFamily="18" charset="0"/>
               </a:rPr>
-              <a:t>- </a:t>
-            </a:r>
-            <a:r>
-              <a:rPr lang="zh-TW" altLang="en-US" sz="3200" dirty="0">
+              <a:t>強調會員資格比頻繁臨時使用節省成本。</a:t>
+            </a:r>
+          </a:p>
+          <a:p>
+            <a:pPr marL="285750" indent="0">
+              <a:buNone/>
+            </a:pPr>
+            <a:r>
+              <a:rPr lang="en-US" altLang="zh-TW" sz="2800" dirty="0">
                 <a:latin typeface="標楷體" panose="03000509000000000000" pitchFamily="65" charset="-120"/>
                 <a:ea typeface="標楷體" panose="03000509000000000000" pitchFamily="65" charset="-120"/>
                 <a:cs typeface="Times New Roman" panose="02020603050405020304" pitchFamily="18" charset="0"/>
               </a:rPr>
-              <a:t>強調會員資格比頻繁臨時使用節省的成本。</a:t>
-            </a:r>
-          </a:p>
-          <a:p>
-            <a:pPr marL="285750" indent="0">
-              <a:buNone/>
-            </a:pPr>
-            <a:r>
-              <a:rPr lang="zh-TW" altLang="en-US" sz="3200" dirty="0">
+              <a:t>-</a:t>
+            </a:r>
+            <a:r>
+              <a:rPr lang="zh-TW" altLang="en-US" sz="2800" dirty="0">
                 <a:latin typeface="標楷體" panose="03000509000000000000" pitchFamily="65" charset="-120"/>
                 <a:ea typeface="標楷體" panose="03000509000000000000" pitchFamily="65" charset="-120"/>
                 <a:cs typeface="Times New Roman" panose="02020603050405020304" pitchFamily="18" charset="0"/>
               </a:rPr>
-              <a:t>   </a:t>
-            </a:r>
-            <a:r>
-              <a:rPr lang="en-US" altLang="zh-TW" sz="3200" dirty="0">
+              <a:t>展示經典自行車和電動自行車多種用途多功能性。</a:t>
+            </a:r>
+          </a:p>
+          <a:p>
+            <a:pPr marL="285750" indent="0">
+              <a:buNone/>
+            </a:pPr>
+            <a:r>
+              <a:rPr lang="en-US" altLang="zh-TW" sz="2800" dirty="0">
                 <a:latin typeface="標楷體" panose="03000509000000000000" pitchFamily="65" charset="-120"/>
                 <a:ea typeface="標楷體" panose="03000509000000000000" pitchFamily="65" charset="-120"/>
                 <a:cs typeface="Times New Roman" panose="02020603050405020304" pitchFamily="18" charset="0"/>
               </a:rPr>
-              <a:t>- </a:t>
-            </a:r>
-            <a:r>
-              <a:rPr lang="zh-TW" altLang="en-US" sz="3200" dirty="0">
-                <a:latin typeface="標楷體" panose="03000509000000000000" pitchFamily="65" charset="-120"/>
-                <a:ea typeface="標楷體" panose="03000509000000000000" pitchFamily="65" charset="-120"/>
-                <a:cs typeface="Times New Roman" panose="02020603050405020304" pitchFamily="18" charset="0"/>
-              </a:rPr>
-              <a:t>展示經典自行車和電動自行車的多種用途的多功能性。   </a:t>
-            </a:r>
-          </a:p>
-          <a:p>
-            <a:pPr marL="285750" indent="0">
-              <a:buNone/>
-            </a:pPr>
-            <a:r>
-              <a:rPr lang="zh-TW" altLang="en-US" sz="3200" dirty="0">
-                <a:latin typeface="標楷體" panose="03000509000000000000" pitchFamily="65" charset="-120"/>
-                <a:ea typeface="標楷體" panose="03000509000000000000" pitchFamily="65" charset="-120"/>
-                <a:cs typeface="Times New Roman" panose="02020603050405020304" pitchFamily="18" charset="0"/>
-              </a:rPr>
-              <a:t>   </a:t>
-            </a:r>
-            <a:r>
-              <a:rPr lang="en-US" altLang="zh-TW" sz="3200" dirty="0">
-                <a:latin typeface="標楷體" panose="03000509000000000000" pitchFamily="65" charset="-120"/>
-                <a:ea typeface="標楷體" panose="03000509000000000000" pitchFamily="65" charset="-120"/>
-                <a:cs typeface="Times New Roman" panose="02020603050405020304" pitchFamily="18" charset="0"/>
-              </a:rPr>
-              <a:t>- </a:t>
-            </a:r>
-            <a:r>
-              <a:rPr lang="zh-TW" altLang="en-US" sz="3200" dirty="0">
+              <a:t>-</a:t>
+            </a:r>
+            <a:r>
+              <a:rPr lang="zh-TW" altLang="en-US" sz="2800" dirty="0">
                 <a:latin typeface="標楷體" panose="03000509000000000000" pitchFamily="65" charset="-120"/>
                 <a:ea typeface="標楷體" panose="03000509000000000000" pitchFamily="65" charset="-120"/>
                 <a:cs typeface="Times New Roman" panose="02020603050405020304" pitchFamily="18" charset="0"/>
               </a:rPr>
               <a:t>在夏季高峰期間集中行銷工作。</a:t>
             </a:r>
-            <a:endParaRPr lang="en-US" altLang="zh-TW" sz="3200" dirty="0">
+            <a:endParaRPr lang="en-US" altLang="zh-TW" sz="2800" dirty="0">
               <a:solidFill>
                 <a:srgbClr val="1F1F1F"/>
               </a:solidFill>
@@ -12662,10 +12936,10 @@
       </p:grpSpPr>
       <p:graphicFrame>
         <p:nvGraphicFramePr>
-          <p:cNvPr id="2" name="文字版面配置區 2">
+          <p:cNvPr id="3" name="文字版面配置區 2">
             <a:extLst>
               <a:ext uri="{FF2B5EF4-FFF2-40B4-BE49-F238E27FC236}">
-                <a16:creationId xmlns:a16="http://schemas.microsoft.com/office/drawing/2014/main" id="{FF703D66-E224-5084-9438-B18B667CD3B8}"/>
+                <a16:creationId xmlns:a16="http://schemas.microsoft.com/office/drawing/2014/main" id="{3525DF6D-0257-8528-BCDE-1C06750060E2}"/>
               </a:ext>
             </a:extLst>
           </p:cNvPr>
@@ -12673,14 +12947,14 @@
           <p:nvPr>
             <p:extLst>
               <p:ext uri="{D42A27DB-BD31-4B8C-83A1-F6EECF244321}">
-                <p14:modId xmlns:p14="http://schemas.microsoft.com/office/powerpoint/2010/main" val="1347100252"/>
+                <p14:modId xmlns:p14="http://schemas.microsoft.com/office/powerpoint/2010/main" val="1292686126"/>
               </p:ext>
             </p:extLst>
           </p:nvPr>
         </p:nvGraphicFramePr>
         <p:xfrm>
           <a:off x="0" y="0"/>
-          <a:ext cx="12192000" cy="6135329"/>
+          <a:ext cx="12192000" cy="6858001"/>
         </p:xfrm>
         <a:graphic>
           <a:graphicData uri="http://schemas.openxmlformats.org/drawingml/2006/diagram">
@@ -12688,10 +12962,236 @@
           </a:graphicData>
         </a:graphic>
       </p:graphicFrame>
+      <p:sp>
+        <p:nvSpPr>
+          <p:cNvPr id="5" name="十字形 4">
+            <a:extLst>
+              <a:ext uri="{FF2B5EF4-FFF2-40B4-BE49-F238E27FC236}">
+                <a16:creationId xmlns:a16="http://schemas.microsoft.com/office/drawing/2014/main" id="{6031123F-8622-2352-84F6-929813E7B2A4}"/>
+              </a:ext>
+            </a:extLst>
+          </p:cNvPr>
+          <p:cNvSpPr/>
+          <p:nvPr/>
+        </p:nvSpPr>
+        <p:spPr>
+          <a:xfrm>
+            <a:off x="3869870" y="2865666"/>
+            <a:ext cx="360000" cy="360000"/>
+          </a:xfrm>
+          <a:prstGeom prst="plus">
+            <a:avLst/>
+          </a:prstGeom>
+        </p:spPr>
+        <p:style>
+          <a:lnRef idx="2">
+            <a:schemeClr val="accent1">
+              <a:shade val="15000"/>
+            </a:schemeClr>
+          </a:lnRef>
+          <a:fillRef idx="1">
+            <a:schemeClr val="accent1"/>
+          </a:fillRef>
+          <a:effectRef idx="0">
+            <a:schemeClr val="accent1"/>
+          </a:effectRef>
+          <a:fontRef idx="minor">
+            <a:schemeClr val="lt1"/>
+          </a:fontRef>
+        </p:style>
+        <p:txBody>
+          <a:bodyPr rtlCol="0" anchor="ctr"/>
+          <a:lstStyle/>
+          <a:p>
+            <a:pPr algn="ctr"/>
+            <a:endParaRPr lang="zh-TW" altLang="en-US"/>
+          </a:p>
+        </p:txBody>
+      </p:sp>
+      <p:sp>
+        <p:nvSpPr>
+          <p:cNvPr id="6" name="等於 5">
+            <a:extLst>
+              <a:ext uri="{FF2B5EF4-FFF2-40B4-BE49-F238E27FC236}">
+                <a16:creationId xmlns:a16="http://schemas.microsoft.com/office/drawing/2014/main" id="{B5E09F49-93BE-DC24-1843-C1C422AFA8CE}"/>
+              </a:ext>
+            </a:extLst>
+          </p:cNvPr>
+          <p:cNvSpPr/>
+          <p:nvPr/>
+        </p:nvSpPr>
+        <p:spPr>
+          <a:xfrm>
+            <a:off x="8205107" y="2865666"/>
+            <a:ext cx="360000" cy="360000"/>
+          </a:xfrm>
+          <a:prstGeom prst="mathEqual">
+            <a:avLst/>
+          </a:prstGeom>
+        </p:spPr>
+        <p:style>
+          <a:lnRef idx="2">
+            <a:schemeClr val="accent1">
+              <a:shade val="15000"/>
+            </a:schemeClr>
+          </a:lnRef>
+          <a:fillRef idx="1">
+            <a:schemeClr val="accent1"/>
+          </a:fillRef>
+          <a:effectRef idx="0">
+            <a:schemeClr val="accent1"/>
+          </a:effectRef>
+          <a:fontRef idx="minor">
+            <a:schemeClr val="lt1"/>
+          </a:fontRef>
+        </p:style>
+        <p:txBody>
+          <a:bodyPr rtlCol="0" anchor="ctr"/>
+          <a:lstStyle/>
+          <a:p>
+            <a:pPr algn="ctr"/>
+            <a:endParaRPr lang="zh-TW" altLang="en-US">
+              <a:solidFill>
+                <a:schemeClr val="tx1"/>
+              </a:solidFill>
+            </a:endParaRPr>
+          </a:p>
+        </p:txBody>
+      </p:sp>
     </p:spTree>
     <p:extLst>
       <p:ext uri="{BB962C8B-B14F-4D97-AF65-F5344CB8AC3E}">
-        <p14:creationId xmlns:p14="http://schemas.microsoft.com/office/powerpoint/2010/main" val="1209955343"/>
+        <p14:creationId xmlns:p14="http://schemas.microsoft.com/office/powerpoint/2010/main" val="1621793363"/>
+      </p:ext>
+    </p:extLst>
+  </p:cSld>
+  <p:clrMapOvr>
+    <a:masterClrMapping/>
+  </p:clrMapOvr>
+</p:sld>
+</file>
+
+<file path=ppt/slides/slide16.xml><?xml version="1.0" encoding="utf-8"?>
+<p:sld xmlns:a="http://schemas.openxmlformats.org/drawingml/2006/main" xmlns:r="http://schemas.openxmlformats.org/officeDocument/2006/relationships" xmlns:p="http://schemas.openxmlformats.org/presentationml/2006/main">
+  <p:cSld>
+    <p:spTree>
+      <p:nvGrpSpPr>
+        <p:cNvPr id="1" name="">
+          <a:extLst>
+            <a:ext uri="{FF2B5EF4-FFF2-40B4-BE49-F238E27FC236}">
+              <a16:creationId xmlns:a16="http://schemas.microsoft.com/office/drawing/2014/main" id="{9939BDB5-5A31-5FF4-1863-9D7827B2EABD}"/>
+            </a:ext>
+          </a:extLst>
+        </p:cNvPr>
+        <p:cNvGrpSpPr/>
+        <p:nvPr/>
+      </p:nvGrpSpPr>
+      <p:grpSpPr>
+        <a:xfrm>
+          <a:off x="0" y="0"/>
+          <a:ext cx="0" cy="0"/>
+          <a:chOff x="0" y="0"/>
+          <a:chExt cx="0" cy="0"/>
+        </a:xfrm>
+      </p:grpSpPr>
+      <p:sp>
+        <p:nvSpPr>
+          <p:cNvPr id="3" name="標題 2">
+            <a:extLst>
+              <a:ext uri="{FF2B5EF4-FFF2-40B4-BE49-F238E27FC236}">
+                <a16:creationId xmlns:a16="http://schemas.microsoft.com/office/drawing/2014/main" id="{DFFE422B-975F-BE51-CFC3-DAFFB73D32E0}"/>
+              </a:ext>
+            </a:extLst>
+          </p:cNvPr>
+          <p:cNvSpPr>
+            <a:spLocks noGrp="1"/>
+          </p:cNvSpPr>
+          <p:nvPr>
+            <p:ph type="title"/>
+          </p:nvPr>
+        </p:nvSpPr>
+        <p:spPr/>
+        <p:txBody>
+          <a:bodyPr>
+            <a:normAutofit/>
+          </a:bodyPr>
+          <a:lstStyle/>
+          <a:p>
+            <a:r>
+              <a:rPr lang="zh-TW" altLang="en-US" sz="5400" b="1" dirty="0"/>
+              <a:t>資料來源</a:t>
+            </a:r>
+          </a:p>
+        </p:txBody>
+      </p:sp>
+      <p:sp>
+        <p:nvSpPr>
+          <p:cNvPr id="4" name="內容版面配置區 3">
+            <a:extLst>
+              <a:ext uri="{FF2B5EF4-FFF2-40B4-BE49-F238E27FC236}">
+                <a16:creationId xmlns:a16="http://schemas.microsoft.com/office/drawing/2014/main" id="{3FD5B4E7-35FA-8F81-BBDA-FE727559F7FD}"/>
+              </a:ext>
+            </a:extLst>
+          </p:cNvPr>
+          <p:cNvSpPr>
+            <a:spLocks noGrp="1"/>
+          </p:cNvSpPr>
+          <p:nvPr>
+            <p:ph idx="1"/>
+          </p:nvPr>
+        </p:nvSpPr>
+        <p:spPr/>
+        <p:txBody>
+          <a:bodyPr/>
+          <a:lstStyle/>
+          <a:p>
+            <a:r>
+              <a:rPr lang="en-US" altLang="zh-TW" sz="2400" kern="100" dirty="0">
+                <a:effectLst/>
+                <a:latin typeface="Calibri" panose="020F0502020204030204" pitchFamily="34" charset="0"/>
+                <a:ea typeface="新細明體" panose="02020500000000000000" pitchFamily="18" charset="-120"/>
+                <a:cs typeface="Times New Roman" panose="02020603050405020304" pitchFamily="18" charset="0"/>
+              </a:rPr>
+              <a:t>[</a:t>
+            </a:r>
+            <a:r>
+              <a:rPr lang="en-US" altLang="zh-TW" sz="2400" kern="100" dirty="0">
+                <a:effectLst/>
+                <a:latin typeface="Calibri" panose="020F0502020204030204" pitchFamily="34" charset="0"/>
+                <a:ea typeface="新細明體" panose="02020500000000000000" pitchFamily="18" charset="-120"/>
+                <a:cs typeface="Times New Roman" panose="02020603050405020304" pitchFamily="18" charset="0"/>
+                <a:hlinkClick r:id="rId3"/>
+              </a:rPr>
+              <a:t>Amazon</a:t>
+            </a:r>
+            <a:r>
+              <a:rPr lang="en-US" altLang="zh-TW" sz="2400" kern="100" dirty="0">
+                <a:effectLst/>
+                <a:latin typeface="Calibri" panose="020F0502020204030204" pitchFamily="34" charset="0"/>
+                <a:ea typeface="新細明體" panose="02020500000000000000" pitchFamily="18" charset="-120"/>
+                <a:cs typeface="Times New Roman" panose="02020603050405020304" pitchFamily="18" charset="0"/>
+              </a:rPr>
+              <a:t>](https://divvy-tripdata.s3.amazonaws.com/index.html)</a:t>
+            </a:r>
+            <a:endParaRPr lang="zh-TW" altLang="zh-TW" sz="2400" kern="100" dirty="0">
+              <a:effectLst/>
+              <a:latin typeface="Calibri" panose="020F0502020204030204" pitchFamily="34" charset="0"/>
+              <a:ea typeface="新細明體" panose="02020500000000000000" pitchFamily="18" charset="-120"/>
+              <a:cs typeface="Times New Roman" panose="02020603050405020304" pitchFamily="18" charset="0"/>
+            </a:endParaRPr>
+          </a:p>
+          <a:p>
+            <a:pPr marL="0" indent="0">
+              <a:buNone/>
+            </a:pPr>
+            <a:endParaRPr lang="zh-TW" altLang="en-US" dirty="0"/>
+          </a:p>
+        </p:txBody>
+      </p:sp>
+    </p:spTree>
+    <p:extLst>
+      <p:ext uri="{BB962C8B-B14F-4D97-AF65-F5344CB8AC3E}">
+        <p14:creationId xmlns:p14="http://schemas.microsoft.com/office/powerpoint/2010/main" val="3140370934"/>
       </p:ext>
     </p:extLst>
   </p:cSld>
@@ -12816,7 +13316,7 @@
                 <a:ea typeface="標楷體" panose="03000509000000000000" pitchFamily="65" charset="-120"/>
                 <a:cs typeface="Times New Roman" panose="02020603050405020304" pitchFamily="18" charset="0"/>
               </a:rPr>
-              <a:t>全市範圍內提供自行車共享服務，在千個站點擁有一萬多輛自行車。我們提供靈活的定價選項，包括單程日票和年度會員資格。</a:t>
+              <a:t>全市範圍內提供自行車共享服務，在千個站點擁有萬輛自行車。我們提供靈活定價選項，包括單程日票和會員資格。</a:t>
             </a:r>
           </a:p>
           <a:p>
@@ -12846,7 +13346,7 @@
                 <a:ea typeface="標楷體" panose="03000509000000000000" pitchFamily="65" charset="-120"/>
                 <a:cs typeface="Times New Roman" panose="02020603050405020304" pitchFamily="18" charset="0"/>
               </a:rPr>
-              <a:t>目標是增加年度會員的數量，因為他們的利潤更高。</a:t>
+              <a:t>目標是增加會員數量，因其提供利潤更高。</a:t>
             </a:r>
           </a:p>
           <a:p>
@@ -12865,7 +13365,7 @@
                 <a:ea typeface="標楷體" panose="03000509000000000000" pitchFamily="65" charset="-120"/>
                 <a:cs typeface="Times New Roman" panose="02020603050405020304" pitchFamily="18" charset="0"/>
               </a:rPr>
-              <a:t>建議的解決方案</a:t>
+              <a:t>建議解決方案</a:t>
             </a:r>
           </a:p>
           <a:p>
@@ -12876,7 +13376,7 @@
                 <a:ea typeface="標楷體" panose="03000509000000000000" pitchFamily="65" charset="-120"/>
                 <a:cs typeface="Times New Roman" panose="02020603050405020304" pitchFamily="18" charset="0"/>
               </a:rPr>
-              <a:t>策略是將現有的休閒騎士轉變為年度會員。休閒騎手已經熟悉我們的服務，這使他們成為會員的主要目標。</a:t>
+              <a:t>策略是將現有臨時使用者轉變為會員。休閒騎手已經熟悉我們服務，這使他們成為會員主要目標。</a:t>
             </a:r>
             <a:endParaRPr lang="zh-TW" altLang="zh-TW" sz="2400" kern="100" dirty="0">
               <a:effectLst/>
@@ -13018,7 +13518,7 @@
         <p:spPr>
           <a:xfrm>
             <a:off x="838200" y="2558380"/>
-            <a:ext cx="4257675" cy="1446550"/>
+            <a:ext cx="4257675" cy="2123658"/>
           </a:xfrm>
           <a:prstGeom prst="rect">
             <a:avLst/>
@@ -13036,7 +13536,7 @@
                 <a:latin typeface="標楷體" panose="03000509000000000000" pitchFamily="65" charset="-120"/>
                 <a:ea typeface="標楷體" panose="03000509000000000000" pitchFamily="65" charset="-120"/>
               </a:rPr>
-              <a:t>產生包含可</a:t>
+              <a:t>產生包含</a:t>
             </a:r>
             <a:endParaRPr lang="en-US" altLang="zh-TW" sz="4400" dirty="0">
               <a:latin typeface="標楷體" panose="03000509000000000000" pitchFamily="65" charset="-120"/>
@@ -13049,7 +13549,20 @@
                 <a:latin typeface="標楷體" panose="03000509000000000000" pitchFamily="65" charset="-120"/>
                 <a:ea typeface="標楷體" panose="03000509000000000000" pitchFamily="65" charset="-120"/>
               </a:rPr>
-              <a:t>交付成果的報告</a:t>
+              <a:t>可交付</a:t>
+            </a:r>
+            <a:endParaRPr lang="en-US" altLang="zh-TW" sz="4400" dirty="0">
+              <a:latin typeface="標楷體" panose="03000509000000000000" pitchFamily="65" charset="-120"/>
+              <a:ea typeface="標楷體" panose="03000509000000000000" pitchFamily="65" charset="-120"/>
+            </a:endParaRPr>
+          </a:p>
+          <a:p>
+            <a:r>
+              <a:rPr lang="zh-TW" altLang="en-US" sz="4400" dirty="0">
+                <a:latin typeface="標楷體" panose="03000509000000000000" pitchFamily="65" charset="-120"/>
+                <a:ea typeface="標楷體" panose="03000509000000000000" pitchFamily="65" charset="-120"/>
+              </a:rPr>
+              <a:t>成果報告</a:t>
             </a:r>
           </a:p>
         </p:txBody>
@@ -13165,7 +13678,10 @@
           <a:p>
             <a:pPr algn="ctr"/>
             <a:r>
-              <a:rPr lang="zh-TW" altLang="en-US" sz="2400" dirty="0">
+              <a:rPr lang="zh-TW" altLang="en-US" sz="3200" dirty="0">
+                <a:solidFill>
+                  <a:schemeClr val="accent6"/>
+                </a:solidFill>
                 <a:latin typeface="標楷體" panose="03000509000000000000" pitchFamily="65" charset="-120"/>
                 <a:ea typeface="標楷體" panose="03000509000000000000" pitchFamily="65" charset="-120"/>
                 <a:cs typeface="Times New Roman" panose="02020603050405020304" pitchFamily="18" charset="0"/>
@@ -13200,7 +13716,7 @@
                 <a:ea typeface="標楷體" panose="03000509000000000000" pitchFamily="65" charset="-120"/>
                 <a:cs typeface="Times New Roman" panose="02020603050405020304" pitchFamily="18" charset="0"/>
               </a:rPr>
-              <a:t>散客</a:t>
+              <a:t>臨時使用者</a:t>
             </a:r>
             <a:r>
               <a:rPr lang="zh-TW" altLang="en-US" sz="2400" dirty="0">
@@ -13208,7 +13724,7 @@
                 <a:ea typeface="標楷體" panose="03000509000000000000" pitchFamily="65" charset="-120"/>
                 <a:cs typeface="Times New Roman" panose="02020603050405020304" pitchFamily="18" charset="0"/>
               </a:rPr>
-              <a:t>和會員使用自行車的不同方式。從這些洞察中，幫助團隊設計新的行銷策略，將</a:t>
+              <a:t>和會員使用自行車不同方式。從這些洞察中，幫助團隊設計新行銷策略，將</a:t>
             </a:r>
             <a:r>
               <a:rPr lang="zh-TW" altLang="en-US" sz="2400" dirty="0">
@@ -13217,7 +13733,7 @@
                 <a:ea typeface="標楷體" panose="03000509000000000000" pitchFamily="65" charset="-120"/>
                 <a:cs typeface="Times New Roman" panose="02020603050405020304" pitchFamily="18" charset="0"/>
               </a:rPr>
-              <a:t>散客</a:t>
+              <a:t>臨時使用者</a:t>
             </a:r>
             <a:r>
               <a:rPr lang="zh-TW" altLang="en-US" sz="2400" dirty="0">
@@ -13346,14 +13862,20 @@
           <a:p>
             <a:pPr algn="ctr"/>
             <a:r>
-              <a:rPr lang="zh-TW" altLang="en-US" sz="2400" dirty="0">
+              <a:rPr lang="zh-TW" altLang="en-US" sz="3200" dirty="0">
+                <a:solidFill>
+                  <a:schemeClr val="accent6"/>
+                </a:solidFill>
                 <a:latin typeface="標楷體" panose="03000509000000000000" pitchFamily="65" charset="-120"/>
                 <a:ea typeface="標楷體" panose="03000509000000000000" pitchFamily="65" charset="-120"/>
                 <a:cs typeface="Times New Roman" panose="02020603050405020304" pitchFamily="18" charset="0"/>
               </a:rPr>
               <a:t>資料來源</a:t>
             </a:r>
-            <a:endParaRPr lang="en-US" altLang="zh-TW" sz="2400" dirty="0">
+            <a:endParaRPr lang="en-US" altLang="zh-TW" sz="3200" dirty="0">
+              <a:solidFill>
+                <a:schemeClr val="accent6"/>
+              </a:solidFill>
               <a:latin typeface="標楷體" panose="03000509000000000000" pitchFamily="65" charset="-120"/>
               <a:ea typeface="標楷體" panose="03000509000000000000" pitchFamily="65" charset="-120"/>
               <a:cs typeface="Times New Roman" panose="02020603050405020304" pitchFamily="18" charset="0"/>
@@ -13562,31 +14084,42 @@
           <a:p>
             <a:pPr algn="ctr"/>
             <a:r>
+              <a:rPr lang="zh-TW" altLang="en-US" sz="3200" dirty="0">
+                <a:solidFill>
+                  <a:schemeClr val="accent6"/>
+                </a:solidFill>
+                <a:latin typeface="標楷體" panose="03000509000000000000" pitchFamily="65" charset="-120"/>
+                <a:ea typeface="標楷體" panose="03000509000000000000" pitchFamily="65" charset="-120"/>
+                <a:cs typeface="Times New Roman" panose="02020603050405020304" pitchFamily="18" charset="0"/>
+              </a:rPr>
+              <a:t>資料清理</a:t>
+            </a:r>
+          </a:p>
+          <a:p>
+            <a:pPr marL="514350"/>
+            <a:r>
               <a:rPr lang="zh-TW" altLang="en-US" sz="2400" dirty="0">
                 <a:latin typeface="標楷體" panose="03000509000000000000" pitchFamily="65" charset="-120"/>
                 <a:ea typeface="標楷體" panose="03000509000000000000" pitchFamily="65" charset="-120"/>
                 <a:cs typeface="Times New Roman" panose="02020603050405020304" pitchFamily="18" charset="0"/>
               </a:rPr>
-              <a:t>資料清理</a:t>
-            </a:r>
-          </a:p>
-          <a:p>
-            <a:pPr marL="514350"/>
+              <a:t>在</a:t>
+            </a:r>
+            <a:r>
+              <a:rPr lang="en-US" altLang="zh-TW" sz="2400" dirty="0" err="1">
+                <a:latin typeface="標楷體" panose="03000509000000000000" pitchFamily="65" charset="-120"/>
+                <a:ea typeface="標楷體" panose="03000509000000000000" pitchFamily="65" charset="-120"/>
+                <a:cs typeface="Times New Roman" panose="02020603050405020304" pitchFamily="18" charset="0"/>
+              </a:rPr>
+              <a:t>JupyterNotebook</a:t>
+            </a:r>
             <a:r>
               <a:rPr lang="zh-TW" altLang="en-US" sz="2400" dirty="0">
                 <a:latin typeface="標楷體" panose="03000509000000000000" pitchFamily="65" charset="-120"/>
                 <a:ea typeface="標楷體" panose="03000509000000000000" pitchFamily="65" charset="-120"/>
                 <a:cs typeface="Times New Roman" panose="02020603050405020304" pitchFamily="18" charset="0"/>
               </a:rPr>
-              <a:t>在 </a:t>
-            </a:r>
-            <a:r>
-              <a:rPr lang="en-US" altLang="zh-TW" sz="2400" dirty="0" err="1">
-                <a:latin typeface="標楷體" panose="03000509000000000000" pitchFamily="65" charset="-120"/>
-                <a:ea typeface="標楷體" panose="03000509000000000000" pitchFamily="65" charset="-120"/>
-                <a:cs typeface="Times New Roman" panose="02020603050405020304" pitchFamily="18" charset="0"/>
-              </a:rPr>
-              <a:t>Jupyter</a:t>
+              <a:t>中使用</a:t>
             </a:r>
             <a:r>
               <a:rPr lang="en-US" altLang="zh-TW" sz="2400" dirty="0">
@@ -13594,7 +14127,7 @@
                 <a:ea typeface="標楷體" panose="03000509000000000000" pitchFamily="65" charset="-120"/>
                 <a:cs typeface="Times New Roman" panose="02020603050405020304" pitchFamily="18" charset="0"/>
               </a:rPr>
-              <a:t> Notebook </a:t>
+              <a:t>Python</a:t>
             </a:r>
             <a:r>
               <a:rPr lang="zh-TW" altLang="en-US" sz="2400" dirty="0">
@@ -13602,23 +14135,7 @@
                 <a:ea typeface="標楷體" panose="03000509000000000000" pitchFamily="65" charset="-120"/>
                 <a:cs typeface="Times New Roman" panose="02020603050405020304" pitchFamily="18" charset="0"/>
               </a:rPr>
-              <a:t>中使用 </a:t>
-            </a:r>
-            <a:r>
-              <a:rPr lang="en-US" altLang="zh-TW" sz="2400" dirty="0">
-                <a:latin typeface="標楷體" panose="03000509000000000000" pitchFamily="65" charset="-120"/>
-                <a:ea typeface="標楷體" panose="03000509000000000000" pitchFamily="65" charset="-120"/>
-                <a:cs typeface="Times New Roman" panose="02020603050405020304" pitchFamily="18" charset="0"/>
-              </a:rPr>
-              <a:t>Python </a:t>
-            </a:r>
-            <a:r>
-              <a:rPr lang="zh-TW" altLang="en-US" sz="2400" dirty="0">
-                <a:latin typeface="標楷體" panose="03000509000000000000" pitchFamily="65" charset="-120"/>
-                <a:ea typeface="標楷體" panose="03000509000000000000" pitchFamily="65" charset="-120"/>
-                <a:cs typeface="Times New Roman" panose="02020603050405020304" pitchFamily="18" charset="0"/>
-              </a:rPr>
-              <a:t>進行高效率的資料清理和操作。</a:t>
+              <a:t>進行高效率資料清理和操作。</a:t>
             </a:r>
           </a:p>
           <a:p>
@@ -13711,8 +14228,8 @@
         </p:blipFill>
         <p:spPr>
           <a:xfrm>
-            <a:off x="0" y="-1"/>
-            <a:ext cx="7513320" cy="6117857"/>
+            <a:off x="-1" y="-1"/>
+            <a:ext cx="8477573" cy="6903017"/>
           </a:xfrm>
           <a:prstGeom prst="rect">
             <a:avLst/>
@@ -13737,25 +14254,25 @@
         </p:nvSpPr>
         <p:spPr>
           <a:xfrm>
-            <a:off x="9136510" y="2244026"/>
-            <a:ext cx="1097280" cy="464902"/>
+            <a:off x="9725444" y="2185956"/>
+            <a:ext cx="1681308" cy="755445"/>
           </a:xfrm>
         </p:spPr>
         <p:txBody>
           <a:bodyPr vert="horz" lIns="91440" tIns="45720" rIns="91440" bIns="45720" rtlCol="0" anchor="ctr">
-            <a:normAutofit fontScale="90000"/>
+            <a:noAutofit/>
           </a:bodyPr>
           <a:lstStyle/>
           <a:p>
             <a:r>
-              <a:rPr lang="zh-TW" altLang="en-US" dirty="0">
+              <a:rPr lang="zh-TW" altLang="en-US" sz="5400" dirty="0">
                 <a:latin typeface="標楷體" panose="03000509000000000000" pitchFamily="65" charset="-120"/>
                 <a:ea typeface="標楷體" panose="03000509000000000000" pitchFamily="65" charset="-120"/>
                 <a:cs typeface="Times New Roman" panose="02020603050405020304" pitchFamily="18" charset="0"/>
               </a:rPr>
               <a:t>分析</a:t>
             </a:r>
-            <a:endParaRPr lang="en-US" altLang="zh-TW" dirty="0">
+            <a:endParaRPr lang="en-US" altLang="zh-TW" sz="5400" dirty="0">
               <a:latin typeface="Times New Roman" panose="02020603050405020304" pitchFamily="18" charset="0"/>
               <a:cs typeface="Times New Roman" panose="02020603050405020304" pitchFamily="18" charset="0"/>
             </a:endParaRPr>
@@ -13780,8 +14297,8 @@
         </p:nvSpPr>
         <p:spPr>
           <a:xfrm>
-            <a:off x="5842861" y="2941401"/>
-            <a:ext cx="6349139" cy="2188537"/>
+            <a:off x="8477572" y="2941401"/>
+            <a:ext cx="3714428" cy="3273419"/>
           </a:xfrm>
         </p:spPr>
         <p:txBody>
@@ -13797,7 +14314,7 @@
                 <a:ea typeface="標楷體" panose="03000509000000000000" pitchFamily="65" charset="-120"/>
                 <a:cs typeface="Times New Roman" panose="02020603050405020304" pitchFamily="18" charset="0"/>
               </a:rPr>
-              <a:t>散客的平均騎乘時間比會員的平均騎乘時間少。</a:t>
+              <a:t>臨時使用者平均騎乘時間比會員平均騎乘時間少。</a:t>
             </a:r>
             <a:endParaRPr lang="en-US" altLang="zh-TW" sz="3200" dirty="0">
               <a:latin typeface="標楷體" panose="03000509000000000000" pitchFamily="65" charset="-120"/>
@@ -13879,8 +14396,8 @@
         </p:blipFill>
         <p:spPr>
           <a:xfrm>
-            <a:off x="0" y="518326"/>
-            <a:ext cx="7313706" cy="5119594"/>
+            <a:off x="-1" y="61630"/>
+            <a:ext cx="9709101" cy="6796370"/>
           </a:xfrm>
           <a:prstGeom prst="rect">
             <a:avLst/>
@@ -13905,7 +14422,7 @@
         </p:nvSpPr>
         <p:spPr>
           <a:xfrm>
-            <a:off x="8691836" y="1963007"/>
+            <a:off x="10240438" y="1808023"/>
             <a:ext cx="1754021" cy="768070"/>
           </a:xfrm>
         </p:spPr>
@@ -13948,8 +14465,8 @@
         </p:nvSpPr>
         <p:spPr>
           <a:xfrm>
-            <a:off x="6568440" y="2347042"/>
-            <a:ext cx="5623560" cy="3049234"/>
+            <a:off x="9577952" y="2347042"/>
+            <a:ext cx="2614047" cy="3929772"/>
           </a:xfrm>
         </p:spPr>
         <p:txBody>
@@ -13965,7 +14482,7 @@
                 <a:ea typeface="標楷體" panose="03000509000000000000" pitchFamily="65" charset="-120"/>
                 <a:cs typeface="Times New Roman" panose="02020603050405020304" pitchFamily="18" charset="0"/>
               </a:rPr>
-              <a:t>夏季，散客和會員的旅行次數都達到了最高水準。</a:t>
+              <a:t>夏季，臨時使用者和會員旅行次數都達到了最高水準。</a:t>
             </a:r>
             <a:endParaRPr lang="en-US" altLang="zh-TW" sz="3200" b="0" i="0" dirty="0">
               <a:solidFill>
@@ -14045,8 +14562,8 @@
         </p:blipFill>
         <p:spPr>
           <a:xfrm>
-            <a:off x="0" y="688051"/>
-            <a:ext cx="6151816" cy="4963578"/>
+            <a:off x="-1" y="5386"/>
+            <a:ext cx="8493071" cy="6852614"/>
           </a:xfrm>
           <a:prstGeom prst="rect">
             <a:avLst/>
@@ -14071,8 +14588,8 @@
         </p:nvSpPr>
         <p:spPr>
           <a:xfrm>
-            <a:off x="6343829" y="2774238"/>
-            <a:ext cx="4954436" cy="1330164"/>
+            <a:off x="8493069" y="2774237"/>
+            <a:ext cx="3425128" cy="2681165"/>
           </a:xfrm>
         </p:spPr>
         <p:txBody>
@@ -14109,7 +14626,7 @@
         </p:nvSpPr>
         <p:spPr>
           <a:xfrm>
-            <a:off x="8133897" y="1985529"/>
+            <a:off x="9575239" y="2171508"/>
             <a:ext cx="1754021" cy="768070"/>
           </a:xfrm>
           <a:prstGeom prst="rect">
